--- a/doc/D2.3_SoftwareLibraryImplementation/figures/Figures Software Library Delivrable 2.3.pptx
+++ b/doc/D2.3_SoftwareLibraryImplementation/figures/Figures Software Library Delivrable 2.3.pptx
@@ -7,6 +7,8 @@
   <p:sldIdLst>
     <p:sldId id="259" r:id="rId2"/>
     <p:sldId id="263" r:id="rId3"/>
+    <p:sldId id="264" r:id="rId4"/>
+    <p:sldId id="266" r:id="rId5"/>
   </p:sldIdLst>
   <p:sldSz cx="9144000" cy="6858000" type="screen4x3"/>
   <p:notesSz cx="6858000" cy="9144000"/>
@@ -289,7 +291,7 @@
           <a:p>
             <a:fld id="{51D87AEE-34D3-4B49-9DD5-3843C8C6A9BA}" type="datetimeFigureOut">
               <a:rPr lang="en-US" smtClean="0"/>
-              <a:t>27/02/15</a:t>
+              <a:t>03/03/15</a:t>
             </a:fld>
             <a:endParaRPr lang="en-US"/>
           </a:p>
@@ -459,7 +461,7 @@
           <a:p>
             <a:fld id="{51D87AEE-34D3-4B49-9DD5-3843C8C6A9BA}" type="datetimeFigureOut">
               <a:rPr lang="en-US" smtClean="0"/>
-              <a:t>27/02/15</a:t>
+              <a:t>03/03/15</a:t>
             </a:fld>
             <a:endParaRPr lang="en-US"/>
           </a:p>
@@ -639,7 +641,7 @@
           <a:p>
             <a:fld id="{51D87AEE-34D3-4B49-9DD5-3843C8C6A9BA}" type="datetimeFigureOut">
               <a:rPr lang="en-US" smtClean="0"/>
-              <a:t>27/02/15</a:t>
+              <a:t>03/03/15</a:t>
             </a:fld>
             <a:endParaRPr lang="en-US"/>
           </a:p>
@@ -809,7 +811,7 @@
           <a:p>
             <a:fld id="{51D87AEE-34D3-4B49-9DD5-3843C8C6A9BA}" type="datetimeFigureOut">
               <a:rPr lang="en-US" smtClean="0"/>
-              <a:t>27/02/15</a:t>
+              <a:t>03/03/15</a:t>
             </a:fld>
             <a:endParaRPr lang="en-US"/>
           </a:p>
@@ -1055,7 +1057,7 @@
           <a:p>
             <a:fld id="{51D87AEE-34D3-4B49-9DD5-3843C8C6A9BA}" type="datetimeFigureOut">
               <a:rPr lang="en-US" smtClean="0"/>
-              <a:t>27/02/15</a:t>
+              <a:t>03/03/15</a:t>
             </a:fld>
             <a:endParaRPr lang="en-US"/>
           </a:p>
@@ -1343,7 +1345,7 @@
           <a:p>
             <a:fld id="{51D87AEE-34D3-4B49-9DD5-3843C8C6A9BA}" type="datetimeFigureOut">
               <a:rPr lang="en-US" smtClean="0"/>
-              <a:t>27/02/15</a:t>
+              <a:t>03/03/15</a:t>
             </a:fld>
             <a:endParaRPr lang="en-US"/>
           </a:p>
@@ -1765,7 +1767,7 @@
           <a:p>
             <a:fld id="{51D87AEE-34D3-4B49-9DD5-3843C8C6A9BA}" type="datetimeFigureOut">
               <a:rPr lang="en-US" smtClean="0"/>
-              <a:t>27/02/15</a:t>
+              <a:t>03/03/15</a:t>
             </a:fld>
             <a:endParaRPr lang="en-US"/>
           </a:p>
@@ -1883,7 +1885,7 @@
           <a:p>
             <a:fld id="{51D87AEE-34D3-4B49-9DD5-3843C8C6A9BA}" type="datetimeFigureOut">
               <a:rPr lang="en-US" smtClean="0"/>
-              <a:t>27/02/15</a:t>
+              <a:t>03/03/15</a:t>
             </a:fld>
             <a:endParaRPr lang="en-US"/>
           </a:p>
@@ -1978,7 +1980,7 @@
           <a:p>
             <a:fld id="{51D87AEE-34D3-4B49-9DD5-3843C8C6A9BA}" type="datetimeFigureOut">
               <a:rPr lang="en-US" smtClean="0"/>
-              <a:t>27/02/15</a:t>
+              <a:t>03/03/15</a:t>
             </a:fld>
             <a:endParaRPr lang="en-US"/>
           </a:p>
@@ -2255,7 +2257,7 @@
           <a:p>
             <a:fld id="{51D87AEE-34D3-4B49-9DD5-3843C8C6A9BA}" type="datetimeFigureOut">
               <a:rPr lang="en-US" smtClean="0"/>
-              <a:t>27/02/15</a:t>
+              <a:t>03/03/15</a:t>
             </a:fld>
             <a:endParaRPr lang="en-US"/>
           </a:p>
@@ -2508,7 +2510,7 @@
           <a:p>
             <a:fld id="{51D87AEE-34D3-4B49-9DD5-3843C8C6A9BA}" type="datetimeFigureOut">
               <a:rPr lang="en-US" smtClean="0"/>
-              <a:t>27/02/15</a:t>
+              <a:t>03/03/15</a:t>
             </a:fld>
             <a:endParaRPr lang="en-US"/>
           </a:p>
@@ -2721,7 +2723,7 @@
           <a:p>
             <a:fld id="{51D87AEE-34D3-4B49-9DD5-3843C8C6A9BA}" type="datetimeFigureOut">
               <a:rPr lang="en-US" smtClean="0"/>
-              <a:t>27/02/15</a:t>
+              <a:t>03/03/15</a:t>
             </a:fld>
             <a:endParaRPr lang="en-US"/>
           </a:p>
@@ -5636,6 +5638,2180 @@
     <p:extLst>
       <p:ext uri="{BB962C8B-B14F-4D97-AF65-F5344CB8AC3E}">
         <p14:creationId xmlns:p14="http://schemas.microsoft.com/office/powerpoint/2010/main" val="4241031511"/>
+      </p:ext>
+    </p:extLst>
+  </p:cSld>
+  <p:clrMapOvr>
+    <a:masterClrMapping/>
+  </p:clrMapOvr>
+  <p:timing>
+    <p:tnLst>
+      <p:par>
+        <p:cTn xmlns:p14="http://schemas.microsoft.com/office/powerpoint/2010/main" id="1" dur="indefinite" restart="never" nodeType="tmRoot"/>
+      </p:par>
+    </p:tnLst>
+  </p:timing>
+</p:sld>
+</file>
+
+<file path=ppt/slides/slide3.xml><?xml version="1.0" encoding="utf-8"?>
+<p:sld xmlns:a="http://schemas.openxmlformats.org/drawingml/2006/main" xmlns:r="http://schemas.openxmlformats.org/officeDocument/2006/relationships" xmlns:p="http://schemas.openxmlformats.org/presentationml/2006/main">
+  <p:cSld>
+    <p:spTree>
+      <p:nvGrpSpPr>
+        <p:cNvPr id="1" name=""/>
+        <p:cNvGrpSpPr/>
+        <p:nvPr/>
+      </p:nvGrpSpPr>
+      <p:grpSpPr>
+        <a:xfrm>
+          <a:off x="0" y="0"/>
+          <a:ext cx="0" cy="0"/>
+          <a:chOff x="0" y="0"/>
+          <a:chExt cx="0" cy="0"/>
+        </a:xfrm>
+      </p:grpSpPr>
+      <p:sp>
+        <p:nvSpPr>
+          <p:cNvPr id="4" name="Oval 3"/>
+          <p:cNvSpPr/>
+          <p:nvPr/>
+        </p:nvSpPr>
+        <p:spPr>
+          <a:xfrm>
+            <a:off x="3986798" y="1198633"/>
+            <a:ext cx="539999" cy="467999"/>
+          </a:xfrm>
+          <a:prstGeom prst="ellipse">
+            <a:avLst/>
+          </a:prstGeom>
+          <a:solidFill>
+            <a:schemeClr val="tx2">
+              <a:lumMod val="20000"/>
+              <a:lumOff val="80000"/>
+            </a:schemeClr>
+          </a:solidFill>
+          <a:ln>
+            <a:solidFill>
+              <a:schemeClr val="tx1"/>
+            </a:solidFill>
+          </a:ln>
+        </p:spPr>
+        <p:style>
+          <a:lnRef idx="1">
+            <a:schemeClr val="accent1"/>
+          </a:lnRef>
+          <a:fillRef idx="3">
+            <a:schemeClr val="accent1"/>
+          </a:fillRef>
+          <a:effectRef idx="2">
+            <a:schemeClr val="accent1"/>
+          </a:effectRef>
+          <a:fontRef idx="minor">
+            <a:schemeClr val="lt1"/>
+          </a:fontRef>
+        </p:style>
+        <p:txBody>
+          <a:bodyPr rtlCol="0" anchor="ctr"/>
+          <a:lstStyle/>
+          <a:p>
+            <a:pPr algn="ctr"/>
+            <a:r>
+              <a:rPr lang="en-US" sz="1600" i="1" dirty="0" smtClean="0">
+                <a:solidFill>
+                  <a:schemeClr val="tx1"/>
+                </a:solidFill>
+                <a:latin typeface="Times New Roman"/>
+                <a:cs typeface="Times New Roman"/>
+              </a:rPr>
+              <a:t>X</a:t>
+            </a:r>
+            <a:r>
+              <a:rPr lang="en-US" sz="1600" baseline="-25000" dirty="0" smtClean="0">
+                <a:solidFill>
+                  <a:schemeClr val="tx1"/>
+                </a:solidFill>
+                <a:latin typeface="Times New Roman"/>
+                <a:cs typeface="Times New Roman"/>
+              </a:rPr>
+              <a:t>1</a:t>
+            </a:r>
+            <a:endParaRPr lang="en-US" sz="1600" baseline="-25000" dirty="0">
+              <a:solidFill>
+                <a:schemeClr val="tx1"/>
+              </a:solidFill>
+              <a:latin typeface="Times New Roman"/>
+              <a:cs typeface="Times New Roman"/>
+            </a:endParaRPr>
+          </a:p>
+        </p:txBody>
+      </p:sp>
+      <p:sp>
+        <p:nvSpPr>
+          <p:cNvPr id="5" name="Oval 4"/>
+          <p:cNvSpPr/>
+          <p:nvPr/>
+        </p:nvSpPr>
+        <p:spPr>
+          <a:xfrm>
+            <a:off x="3315738" y="2056528"/>
+            <a:ext cx="539999" cy="467999"/>
+          </a:xfrm>
+          <a:prstGeom prst="ellipse">
+            <a:avLst/>
+          </a:prstGeom>
+          <a:solidFill>
+            <a:schemeClr val="tx2">
+              <a:lumMod val="20000"/>
+              <a:lumOff val="80000"/>
+            </a:schemeClr>
+          </a:solidFill>
+          <a:ln>
+            <a:solidFill>
+              <a:schemeClr val="tx1"/>
+            </a:solidFill>
+          </a:ln>
+        </p:spPr>
+        <p:style>
+          <a:lnRef idx="1">
+            <a:schemeClr val="accent1"/>
+          </a:lnRef>
+          <a:fillRef idx="3">
+            <a:schemeClr val="accent1"/>
+          </a:fillRef>
+          <a:effectRef idx="2">
+            <a:schemeClr val="accent1"/>
+          </a:effectRef>
+          <a:fontRef idx="minor">
+            <a:schemeClr val="lt1"/>
+          </a:fontRef>
+        </p:style>
+        <p:txBody>
+          <a:bodyPr rtlCol="0" anchor="ctr"/>
+          <a:lstStyle/>
+          <a:p>
+            <a:pPr algn="ctr"/>
+            <a:r>
+              <a:rPr lang="en-US" sz="1600" i="1" dirty="0" smtClean="0">
+                <a:solidFill>
+                  <a:schemeClr val="tx1"/>
+                </a:solidFill>
+                <a:latin typeface="Times New Roman"/>
+                <a:cs typeface="Times New Roman"/>
+              </a:rPr>
+              <a:t>X</a:t>
+            </a:r>
+            <a:r>
+              <a:rPr lang="en-US" sz="1600" baseline="-25000" dirty="0">
+                <a:solidFill>
+                  <a:schemeClr val="tx1"/>
+                </a:solidFill>
+                <a:latin typeface="Times New Roman"/>
+                <a:cs typeface="Times New Roman"/>
+              </a:rPr>
+              <a:t>2</a:t>
+            </a:r>
+          </a:p>
+        </p:txBody>
+      </p:sp>
+      <p:sp>
+        <p:nvSpPr>
+          <p:cNvPr id="6" name="Oval 5"/>
+          <p:cNvSpPr/>
+          <p:nvPr/>
+        </p:nvSpPr>
+        <p:spPr>
+          <a:xfrm>
+            <a:off x="4655779" y="2044770"/>
+            <a:ext cx="539999" cy="467999"/>
+          </a:xfrm>
+          <a:prstGeom prst="ellipse">
+            <a:avLst/>
+          </a:prstGeom>
+          <a:solidFill>
+            <a:schemeClr val="tx2">
+              <a:lumMod val="20000"/>
+              <a:lumOff val="80000"/>
+            </a:schemeClr>
+          </a:solidFill>
+          <a:ln>
+            <a:solidFill>
+              <a:schemeClr val="tx1"/>
+            </a:solidFill>
+          </a:ln>
+        </p:spPr>
+        <p:style>
+          <a:lnRef idx="1">
+            <a:schemeClr val="accent1"/>
+          </a:lnRef>
+          <a:fillRef idx="3">
+            <a:schemeClr val="accent1"/>
+          </a:fillRef>
+          <a:effectRef idx="2">
+            <a:schemeClr val="accent1"/>
+          </a:effectRef>
+          <a:fontRef idx="minor">
+            <a:schemeClr val="lt1"/>
+          </a:fontRef>
+        </p:style>
+        <p:txBody>
+          <a:bodyPr rtlCol="0" anchor="ctr"/>
+          <a:lstStyle/>
+          <a:p>
+            <a:pPr algn="ctr"/>
+            <a:r>
+              <a:rPr lang="en-US" sz="1600" i="1" dirty="0" smtClean="0">
+                <a:solidFill>
+                  <a:schemeClr val="tx1"/>
+                </a:solidFill>
+                <a:latin typeface="Times New Roman"/>
+                <a:cs typeface="Times New Roman"/>
+              </a:rPr>
+              <a:t>X</a:t>
+            </a:r>
+            <a:r>
+              <a:rPr lang="en-US" sz="1600" baseline="-25000" dirty="0">
+                <a:solidFill>
+                  <a:schemeClr val="tx1"/>
+                </a:solidFill>
+                <a:latin typeface="Times New Roman"/>
+                <a:cs typeface="Times New Roman"/>
+              </a:rPr>
+              <a:t>3</a:t>
+            </a:r>
+          </a:p>
+        </p:txBody>
+      </p:sp>
+      <p:sp>
+        <p:nvSpPr>
+          <p:cNvPr id="7" name="Oval 6"/>
+          <p:cNvSpPr/>
+          <p:nvPr/>
+        </p:nvSpPr>
+        <p:spPr>
+          <a:xfrm>
+            <a:off x="3986798" y="2937942"/>
+            <a:ext cx="539999" cy="467999"/>
+          </a:xfrm>
+          <a:prstGeom prst="ellipse">
+            <a:avLst/>
+          </a:prstGeom>
+          <a:solidFill>
+            <a:schemeClr val="tx2">
+              <a:lumMod val="20000"/>
+              <a:lumOff val="80000"/>
+            </a:schemeClr>
+          </a:solidFill>
+          <a:ln>
+            <a:solidFill>
+              <a:schemeClr val="tx1"/>
+            </a:solidFill>
+          </a:ln>
+        </p:spPr>
+        <p:style>
+          <a:lnRef idx="1">
+            <a:schemeClr val="accent1"/>
+          </a:lnRef>
+          <a:fillRef idx="3">
+            <a:schemeClr val="accent1"/>
+          </a:fillRef>
+          <a:effectRef idx="2">
+            <a:schemeClr val="accent1"/>
+          </a:effectRef>
+          <a:fontRef idx="minor">
+            <a:schemeClr val="lt1"/>
+          </a:fontRef>
+        </p:style>
+        <p:txBody>
+          <a:bodyPr rtlCol="0" anchor="ctr"/>
+          <a:lstStyle/>
+          <a:p>
+            <a:pPr algn="ctr"/>
+            <a:r>
+              <a:rPr lang="en-US" sz="1600" i="1" dirty="0" smtClean="0">
+                <a:solidFill>
+                  <a:schemeClr val="tx1"/>
+                </a:solidFill>
+                <a:latin typeface="Times New Roman"/>
+                <a:cs typeface="Times New Roman"/>
+              </a:rPr>
+              <a:t>X</a:t>
+            </a:r>
+            <a:r>
+              <a:rPr lang="en-US" sz="1600" baseline="-25000" dirty="0">
+                <a:solidFill>
+                  <a:schemeClr val="tx1"/>
+                </a:solidFill>
+                <a:latin typeface="Times New Roman"/>
+                <a:cs typeface="Times New Roman"/>
+              </a:rPr>
+              <a:t>4</a:t>
+            </a:r>
+          </a:p>
+        </p:txBody>
+      </p:sp>
+      <p:sp>
+        <p:nvSpPr>
+          <p:cNvPr id="8" name="Oval 7"/>
+          <p:cNvSpPr/>
+          <p:nvPr/>
+        </p:nvSpPr>
+        <p:spPr>
+          <a:xfrm>
+            <a:off x="5314275" y="2937942"/>
+            <a:ext cx="539999" cy="467999"/>
+          </a:xfrm>
+          <a:prstGeom prst="ellipse">
+            <a:avLst/>
+          </a:prstGeom>
+          <a:solidFill>
+            <a:schemeClr val="tx2">
+              <a:lumMod val="20000"/>
+              <a:lumOff val="80000"/>
+            </a:schemeClr>
+          </a:solidFill>
+          <a:ln>
+            <a:solidFill>
+              <a:schemeClr val="tx1"/>
+            </a:solidFill>
+          </a:ln>
+        </p:spPr>
+        <p:style>
+          <a:lnRef idx="1">
+            <a:schemeClr val="accent1"/>
+          </a:lnRef>
+          <a:fillRef idx="3">
+            <a:schemeClr val="accent1"/>
+          </a:fillRef>
+          <a:effectRef idx="2">
+            <a:schemeClr val="accent1"/>
+          </a:effectRef>
+          <a:fontRef idx="minor">
+            <a:schemeClr val="lt1"/>
+          </a:fontRef>
+        </p:style>
+        <p:txBody>
+          <a:bodyPr rtlCol="0" anchor="ctr"/>
+          <a:lstStyle/>
+          <a:p>
+            <a:pPr algn="ctr"/>
+            <a:r>
+              <a:rPr lang="en-US" sz="1600" i="1" dirty="0" smtClean="0">
+                <a:solidFill>
+                  <a:schemeClr val="tx1"/>
+                </a:solidFill>
+                <a:latin typeface="Times New Roman"/>
+                <a:cs typeface="Times New Roman"/>
+              </a:rPr>
+              <a:t>X</a:t>
+            </a:r>
+            <a:r>
+              <a:rPr lang="en-US" sz="1600" baseline="-25000" dirty="0">
+                <a:solidFill>
+                  <a:schemeClr val="tx1"/>
+                </a:solidFill>
+                <a:latin typeface="Times New Roman"/>
+                <a:cs typeface="Times New Roman"/>
+              </a:rPr>
+              <a:t>5</a:t>
+            </a:r>
+          </a:p>
+        </p:txBody>
+      </p:sp>
+      <p:cxnSp>
+        <p:nvCxnSpPr>
+          <p:cNvPr id="10" name="Straight Arrow Connector 9"/>
+          <p:cNvCxnSpPr>
+            <a:stCxn id="4" idx="3"/>
+            <a:endCxn id="5" idx="0"/>
+          </p:cNvCxnSpPr>
+          <p:nvPr/>
+        </p:nvCxnSpPr>
+        <p:spPr>
+          <a:xfrm flipH="1">
+            <a:off x="3585738" y="1598095"/>
+            <a:ext cx="480141" cy="458433"/>
+          </a:xfrm>
+          <a:prstGeom prst="straightConnector1">
+            <a:avLst/>
+          </a:prstGeom>
+          <a:ln w="19050" cmpd="sng">
+            <a:solidFill>
+              <a:schemeClr val="tx1"/>
+            </a:solidFill>
+            <a:headEnd type="none"/>
+            <a:tailEnd type="triangle" w="lg" len="med"/>
+          </a:ln>
+        </p:spPr>
+        <p:style>
+          <a:lnRef idx="2">
+            <a:schemeClr val="accent1"/>
+          </a:lnRef>
+          <a:fillRef idx="0">
+            <a:schemeClr val="accent1"/>
+          </a:fillRef>
+          <a:effectRef idx="1">
+            <a:schemeClr val="accent1"/>
+          </a:effectRef>
+          <a:fontRef idx="minor">
+            <a:schemeClr val="tx1"/>
+          </a:fontRef>
+        </p:style>
+      </p:cxnSp>
+      <p:cxnSp>
+        <p:nvCxnSpPr>
+          <p:cNvPr id="12" name="Straight Arrow Connector 11"/>
+          <p:cNvCxnSpPr>
+            <a:stCxn id="4" idx="5"/>
+            <a:endCxn id="6" idx="0"/>
+          </p:cNvCxnSpPr>
+          <p:nvPr/>
+        </p:nvCxnSpPr>
+        <p:spPr>
+          <a:xfrm>
+            <a:off x="4447716" y="1598095"/>
+            <a:ext cx="478063" cy="446675"/>
+          </a:xfrm>
+          <a:prstGeom prst="straightConnector1">
+            <a:avLst/>
+          </a:prstGeom>
+          <a:ln w="19050" cmpd="sng">
+            <a:solidFill>
+              <a:schemeClr val="tx1"/>
+            </a:solidFill>
+            <a:headEnd type="none"/>
+            <a:tailEnd type="triangle" w="lg" len="med"/>
+          </a:ln>
+        </p:spPr>
+        <p:style>
+          <a:lnRef idx="2">
+            <a:schemeClr val="accent1"/>
+          </a:lnRef>
+          <a:fillRef idx="0">
+            <a:schemeClr val="accent1"/>
+          </a:fillRef>
+          <a:effectRef idx="1">
+            <a:schemeClr val="accent1"/>
+          </a:effectRef>
+          <a:fontRef idx="minor">
+            <a:schemeClr val="tx1"/>
+          </a:fontRef>
+        </p:style>
+      </p:cxnSp>
+      <p:cxnSp>
+        <p:nvCxnSpPr>
+          <p:cNvPr id="14" name="Straight Arrow Connector 13"/>
+          <p:cNvCxnSpPr>
+            <a:stCxn id="5" idx="4"/>
+            <a:endCxn id="7" idx="1"/>
+          </p:cNvCxnSpPr>
+          <p:nvPr/>
+        </p:nvCxnSpPr>
+        <p:spPr>
+          <a:xfrm>
+            <a:off x="3585738" y="2524527"/>
+            <a:ext cx="480141" cy="481952"/>
+          </a:xfrm>
+          <a:prstGeom prst="straightConnector1">
+            <a:avLst/>
+          </a:prstGeom>
+          <a:ln w="19050" cmpd="sng">
+            <a:solidFill>
+              <a:schemeClr val="tx1"/>
+            </a:solidFill>
+            <a:headEnd type="none"/>
+            <a:tailEnd type="triangle" w="lg" len="med"/>
+          </a:ln>
+        </p:spPr>
+        <p:style>
+          <a:lnRef idx="2">
+            <a:schemeClr val="accent1"/>
+          </a:lnRef>
+          <a:fillRef idx="0">
+            <a:schemeClr val="accent1"/>
+          </a:fillRef>
+          <a:effectRef idx="1">
+            <a:schemeClr val="accent1"/>
+          </a:effectRef>
+          <a:fontRef idx="minor">
+            <a:schemeClr val="tx1"/>
+          </a:fontRef>
+        </p:style>
+      </p:cxnSp>
+      <p:cxnSp>
+        <p:nvCxnSpPr>
+          <p:cNvPr id="16" name="Straight Arrow Connector 15"/>
+          <p:cNvCxnSpPr>
+            <a:stCxn id="6" idx="4"/>
+            <a:endCxn id="7" idx="7"/>
+          </p:cNvCxnSpPr>
+          <p:nvPr/>
+        </p:nvCxnSpPr>
+        <p:spPr>
+          <a:xfrm flipH="1">
+            <a:off x="4447716" y="2512769"/>
+            <a:ext cx="478063" cy="493710"/>
+          </a:xfrm>
+          <a:prstGeom prst="straightConnector1">
+            <a:avLst/>
+          </a:prstGeom>
+          <a:ln w="19050" cmpd="sng">
+            <a:solidFill>
+              <a:schemeClr val="tx1"/>
+            </a:solidFill>
+            <a:headEnd type="none"/>
+            <a:tailEnd type="triangle" w="lg" len="med"/>
+          </a:ln>
+        </p:spPr>
+        <p:style>
+          <a:lnRef idx="2">
+            <a:schemeClr val="accent1"/>
+          </a:lnRef>
+          <a:fillRef idx="0">
+            <a:schemeClr val="accent1"/>
+          </a:fillRef>
+          <a:effectRef idx="1">
+            <a:schemeClr val="accent1"/>
+          </a:effectRef>
+          <a:fontRef idx="minor">
+            <a:schemeClr val="tx1"/>
+          </a:fontRef>
+        </p:style>
+      </p:cxnSp>
+      <p:cxnSp>
+        <p:nvCxnSpPr>
+          <p:cNvPr id="18" name="Straight Arrow Connector 17"/>
+          <p:cNvCxnSpPr>
+            <a:stCxn id="6" idx="4"/>
+            <a:endCxn id="8" idx="1"/>
+          </p:cNvCxnSpPr>
+          <p:nvPr/>
+        </p:nvCxnSpPr>
+        <p:spPr>
+          <a:xfrm>
+            <a:off x="4925779" y="2512769"/>
+            <a:ext cx="467577" cy="493710"/>
+          </a:xfrm>
+          <a:prstGeom prst="straightConnector1">
+            <a:avLst/>
+          </a:prstGeom>
+          <a:ln w="19050" cmpd="sng">
+            <a:solidFill>
+              <a:schemeClr val="tx1"/>
+            </a:solidFill>
+            <a:headEnd type="none"/>
+            <a:tailEnd type="triangle" w="lg" len="med"/>
+          </a:ln>
+        </p:spPr>
+        <p:style>
+          <a:lnRef idx="2">
+            <a:schemeClr val="accent1"/>
+          </a:lnRef>
+          <a:fillRef idx="0">
+            <a:schemeClr val="accent1"/>
+          </a:fillRef>
+          <a:effectRef idx="1">
+            <a:schemeClr val="accent1"/>
+          </a:effectRef>
+          <a:fontRef idx="minor">
+            <a:schemeClr val="tx1"/>
+          </a:fontRef>
+        </p:style>
+      </p:cxnSp>
+    </p:spTree>
+    <p:extLst>
+      <p:ext uri="{BB962C8B-B14F-4D97-AF65-F5344CB8AC3E}">
+        <p14:creationId xmlns:p14="http://schemas.microsoft.com/office/powerpoint/2010/main" val="2799299066"/>
+      </p:ext>
+    </p:extLst>
+  </p:cSld>
+  <p:clrMapOvr>
+    <a:masterClrMapping/>
+  </p:clrMapOvr>
+</p:sld>
+</file>
+
+<file path=ppt/slides/slide4.xml><?xml version="1.0" encoding="utf-8"?>
+<p:sld xmlns:a="http://schemas.openxmlformats.org/drawingml/2006/main" xmlns:r="http://schemas.openxmlformats.org/officeDocument/2006/relationships" xmlns:p="http://schemas.openxmlformats.org/presentationml/2006/main">
+  <p:cSld>
+    <p:spTree>
+      <p:nvGrpSpPr>
+        <p:cNvPr id="1" name=""/>
+        <p:cNvGrpSpPr/>
+        <p:nvPr/>
+      </p:nvGrpSpPr>
+      <p:grpSpPr>
+        <a:xfrm>
+          <a:off x="0" y="0"/>
+          <a:ext cx="0" cy="0"/>
+          <a:chOff x="0" y="0"/>
+          <a:chExt cx="0" cy="0"/>
+        </a:xfrm>
+      </p:grpSpPr>
+      <p:sp>
+        <p:nvSpPr>
+          <p:cNvPr id="4" name="Oval 3"/>
+          <p:cNvSpPr/>
+          <p:nvPr/>
+        </p:nvSpPr>
+        <p:spPr>
+          <a:xfrm>
+            <a:off x="1718262" y="2102395"/>
+            <a:ext cx="539999" cy="467999"/>
+          </a:xfrm>
+          <a:prstGeom prst="ellipse">
+            <a:avLst/>
+          </a:prstGeom>
+          <a:solidFill>
+            <a:schemeClr val="tx2">
+              <a:lumMod val="20000"/>
+              <a:lumOff val="80000"/>
+            </a:schemeClr>
+          </a:solidFill>
+          <a:ln>
+            <a:solidFill>
+              <a:schemeClr val="tx1"/>
+            </a:solidFill>
+          </a:ln>
+        </p:spPr>
+        <p:style>
+          <a:lnRef idx="1">
+            <a:schemeClr val="accent1"/>
+          </a:lnRef>
+          <a:fillRef idx="3">
+            <a:schemeClr val="accent1"/>
+          </a:fillRef>
+          <a:effectRef idx="2">
+            <a:schemeClr val="accent1"/>
+          </a:effectRef>
+          <a:fontRef idx="minor">
+            <a:schemeClr val="lt1"/>
+          </a:fontRef>
+        </p:style>
+        <p:txBody>
+          <a:bodyPr rtlCol="0" anchor="ctr"/>
+          <a:lstStyle/>
+          <a:p>
+            <a:pPr algn="ctr"/>
+            <a:endParaRPr lang="en-US" sz="1600" baseline="-25000" dirty="0">
+              <a:solidFill>
+                <a:schemeClr val="tx1"/>
+              </a:solidFill>
+              <a:latin typeface="Times New Roman"/>
+              <a:cs typeface="Times New Roman"/>
+            </a:endParaRPr>
+          </a:p>
+        </p:txBody>
+      </p:sp>
+      <p:sp>
+        <p:nvSpPr>
+          <p:cNvPr id="5" name="Oval 4"/>
+          <p:cNvSpPr/>
+          <p:nvPr/>
+        </p:nvSpPr>
+        <p:spPr>
+          <a:xfrm>
+            <a:off x="1047202" y="2960290"/>
+            <a:ext cx="539999" cy="467999"/>
+          </a:xfrm>
+          <a:prstGeom prst="ellipse">
+            <a:avLst/>
+          </a:prstGeom>
+          <a:solidFill>
+            <a:schemeClr val="tx2">
+              <a:lumMod val="20000"/>
+              <a:lumOff val="80000"/>
+            </a:schemeClr>
+          </a:solidFill>
+          <a:ln>
+            <a:solidFill>
+              <a:schemeClr val="tx1"/>
+            </a:solidFill>
+          </a:ln>
+        </p:spPr>
+        <p:style>
+          <a:lnRef idx="1">
+            <a:schemeClr val="accent1"/>
+          </a:lnRef>
+          <a:fillRef idx="3">
+            <a:schemeClr val="accent1"/>
+          </a:fillRef>
+          <a:effectRef idx="2">
+            <a:schemeClr val="accent1"/>
+          </a:effectRef>
+          <a:fontRef idx="minor">
+            <a:schemeClr val="lt1"/>
+          </a:fontRef>
+        </p:style>
+        <p:txBody>
+          <a:bodyPr rtlCol="0" anchor="ctr"/>
+          <a:lstStyle/>
+          <a:p>
+            <a:pPr algn="ctr"/>
+            <a:endParaRPr lang="en-US" sz="1600" baseline="-25000" dirty="0">
+              <a:solidFill>
+                <a:schemeClr val="tx1"/>
+              </a:solidFill>
+              <a:latin typeface="Times New Roman"/>
+              <a:cs typeface="Times New Roman"/>
+            </a:endParaRPr>
+          </a:p>
+        </p:txBody>
+      </p:sp>
+      <p:sp>
+        <p:nvSpPr>
+          <p:cNvPr id="6" name="Oval 5"/>
+          <p:cNvSpPr/>
+          <p:nvPr/>
+        </p:nvSpPr>
+        <p:spPr>
+          <a:xfrm>
+            <a:off x="2387243" y="2948532"/>
+            <a:ext cx="539999" cy="467999"/>
+          </a:xfrm>
+          <a:prstGeom prst="ellipse">
+            <a:avLst/>
+          </a:prstGeom>
+          <a:solidFill>
+            <a:schemeClr val="tx2">
+              <a:lumMod val="20000"/>
+              <a:lumOff val="80000"/>
+            </a:schemeClr>
+          </a:solidFill>
+          <a:ln>
+            <a:solidFill>
+              <a:schemeClr val="tx1"/>
+            </a:solidFill>
+          </a:ln>
+        </p:spPr>
+        <p:style>
+          <a:lnRef idx="1">
+            <a:schemeClr val="accent1"/>
+          </a:lnRef>
+          <a:fillRef idx="3">
+            <a:schemeClr val="accent1"/>
+          </a:fillRef>
+          <a:effectRef idx="2">
+            <a:schemeClr val="accent1"/>
+          </a:effectRef>
+          <a:fontRef idx="minor">
+            <a:schemeClr val="lt1"/>
+          </a:fontRef>
+        </p:style>
+        <p:txBody>
+          <a:bodyPr rtlCol="0" anchor="ctr"/>
+          <a:lstStyle/>
+          <a:p>
+            <a:pPr algn="ctr"/>
+            <a:endParaRPr lang="en-US" sz="1600" baseline="-25000" dirty="0">
+              <a:solidFill>
+                <a:schemeClr val="tx1"/>
+              </a:solidFill>
+              <a:latin typeface="Times New Roman"/>
+              <a:cs typeface="Times New Roman"/>
+            </a:endParaRPr>
+          </a:p>
+        </p:txBody>
+      </p:sp>
+      <p:sp>
+        <p:nvSpPr>
+          <p:cNvPr id="7" name="Oval 6"/>
+          <p:cNvSpPr/>
+          <p:nvPr/>
+        </p:nvSpPr>
+        <p:spPr>
+          <a:xfrm>
+            <a:off x="1718262" y="3841704"/>
+            <a:ext cx="539999" cy="467999"/>
+          </a:xfrm>
+          <a:prstGeom prst="ellipse">
+            <a:avLst/>
+          </a:prstGeom>
+          <a:solidFill>
+            <a:schemeClr val="tx2">
+              <a:lumMod val="20000"/>
+              <a:lumOff val="80000"/>
+            </a:schemeClr>
+          </a:solidFill>
+          <a:ln>
+            <a:solidFill>
+              <a:schemeClr val="tx1"/>
+            </a:solidFill>
+          </a:ln>
+        </p:spPr>
+        <p:style>
+          <a:lnRef idx="1">
+            <a:schemeClr val="accent1"/>
+          </a:lnRef>
+          <a:fillRef idx="3">
+            <a:schemeClr val="accent1"/>
+          </a:fillRef>
+          <a:effectRef idx="2">
+            <a:schemeClr val="accent1"/>
+          </a:effectRef>
+          <a:fontRef idx="minor">
+            <a:schemeClr val="lt1"/>
+          </a:fontRef>
+        </p:style>
+        <p:txBody>
+          <a:bodyPr rtlCol="0" anchor="ctr"/>
+          <a:lstStyle/>
+          <a:p>
+            <a:pPr algn="ctr"/>
+            <a:endParaRPr lang="en-US" sz="1600" baseline="-25000" dirty="0">
+              <a:solidFill>
+                <a:schemeClr val="tx1"/>
+              </a:solidFill>
+              <a:latin typeface="Times New Roman"/>
+              <a:cs typeface="Times New Roman"/>
+            </a:endParaRPr>
+          </a:p>
+        </p:txBody>
+      </p:sp>
+      <p:sp>
+        <p:nvSpPr>
+          <p:cNvPr id="8" name="Oval 7"/>
+          <p:cNvSpPr/>
+          <p:nvPr/>
+        </p:nvSpPr>
+        <p:spPr>
+          <a:xfrm>
+            <a:off x="3045739" y="3841704"/>
+            <a:ext cx="539999" cy="467999"/>
+          </a:xfrm>
+          <a:prstGeom prst="ellipse">
+            <a:avLst/>
+          </a:prstGeom>
+          <a:solidFill>
+            <a:schemeClr val="tx2">
+              <a:lumMod val="20000"/>
+              <a:lumOff val="80000"/>
+            </a:schemeClr>
+          </a:solidFill>
+          <a:ln>
+            <a:solidFill>
+              <a:schemeClr val="tx1"/>
+            </a:solidFill>
+          </a:ln>
+        </p:spPr>
+        <p:style>
+          <a:lnRef idx="1">
+            <a:schemeClr val="accent1"/>
+          </a:lnRef>
+          <a:fillRef idx="3">
+            <a:schemeClr val="accent1"/>
+          </a:fillRef>
+          <a:effectRef idx="2">
+            <a:schemeClr val="accent1"/>
+          </a:effectRef>
+          <a:fontRef idx="minor">
+            <a:schemeClr val="lt1"/>
+          </a:fontRef>
+        </p:style>
+        <p:txBody>
+          <a:bodyPr rtlCol="0" anchor="ctr"/>
+          <a:lstStyle/>
+          <a:p>
+            <a:pPr algn="ctr"/>
+            <a:endParaRPr lang="en-US" sz="1600" baseline="-25000" dirty="0">
+              <a:solidFill>
+                <a:schemeClr val="tx1"/>
+              </a:solidFill>
+              <a:latin typeface="Times New Roman"/>
+              <a:cs typeface="Times New Roman"/>
+            </a:endParaRPr>
+          </a:p>
+        </p:txBody>
+      </p:sp>
+      <p:cxnSp>
+        <p:nvCxnSpPr>
+          <p:cNvPr id="9" name="Straight Arrow Connector 8"/>
+          <p:cNvCxnSpPr>
+            <a:stCxn id="4" idx="3"/>
+            <a:endCxn id="5" idx="0"/>
+          </p:cNvCxnSpPr>
+          <p:nvPr/>
+        </p:nvCxnSpPr>
+        <p:spPr>
+          <a:xfrm flipH="1">
+            <a:off x="1317202" y="2501857"/>
+            <a:ext cx="480141" cy="458433"/>
+          </a:xfrm>
+          <a:prstGeom prst="straightConnector1">
+            <a:avLst/>
+          </a:prstGeom>
+          <a:ln w="19050" cmpd="sng">
+            <a:solidFill>
+              <a:schemeClr val="tx1"/>
+            </a:solidFill>
+            <a:headEnd type="none"/>
+            <a:tailEnd type="triangle" w="lg" len="med"/>
+          </a:ln>
+        </p:spPr>
+        <p:style>
+          <a:lnRef idx="2">
+            <a:schemeClr val="accent1"/>
+          </a:lnRef>
+          <a:fillRef idx="0">
+            <a:schemeClr val="accent1"/>
+          </a:fillRef>
+          <a:effectRef idx="1">
+            <a:schemeClr val="accent1"/>
+          </a:effectRef>
+          <a:fontRef idx="minor">
+            <a:schemeClr val="tx1"/>
+          </a:fontRef>
+        </p:style>
+      </p:cxnSp>
+      <p:cxnSp>
+        <p:nvCxnSpPr>
+          <p:cNvPr id="10" name="Straight Arrow Connector 9"/>
+          <p:cNvCxnSpPr>
+            <a:stCxn id="4" idx="5"/>
+            <a:endCxn id="6" idx="0"/>
+          </p:cNvCxnSpPr>
+          <p:nvPr/>
+        </p:nvCxnSpPr>
+        <p:spPr>
+          <a:xfrm>
+            <a:off x="2179180" y="2501857"/>
+            <a:ext cx="478063" cy="446675"/>
+          </a:xfrm>
+          <a:prstGeom prst="straightConnector1">
+            <a:avLst/>
+          </a:prstGeom>
+          <a:ln w="19050" cmpd="sng">
+            <a:solidFill>
+              <a:schemeClr val="tx1"/>
+            </a:solidFill>
+            <a:headEnd type="none"/>
+            <a:tailEnd type="triangle" w="lg" len="med"/>
+          </a:ln>
+        </p:spPr>
+        <p:style>
+          <a:lnRef idx="2">
+            <a:schemeClr val="accent1"/>
+          </a:lnRef>
+          <a:fillRef idx="0">
+            <a:schemeClr val="accent1"/>
+          </a:fillRef>
+          <a:effectRef idx="1">
+            <a:schemeClr val="accent1"/>
+          </a:effectRef>
+          <a:fontRef idx="minor">
+            <a:schemeClr val="tx1"/>
+          </a:fontRef>
+        </p:style>
+      </p:cxnSp>
+      <p:cxnSp>
+        <p:nvCxnSpPr>
+          <p:cNvPr id="11" name="Straight Arrow Connector 10"/>
+          <p:cNvCxnSpPr>
+            <a:stCxn id="5" idx="4"/>
+            <a:endCxn id="7" idx="1"/>
+          </p:cNvCxnSpPr>
+          <p:nvPr/>
+        </p:nvCxnSpPr>
+        <p:spPr>
+          <a:xfrm>
+            <a:off x="1317202" y="3428289"/>
+            <a:ext cx="480141" cy="481952"/>
+          </a:xfrm>
+          <a:prstGeom prst="straightConnector1">
+            <a:avLst/>
+          </a:prstGeom>
+          <a:ln w="19050" cmpd="sng">
+            <a:solidFill>
+              <a:schemeClr val="tx1"/>
+            </a:solidFill>
+            <a:headEnd type="none"/>
+            <a:tailEnd type="triangle" w="lg" len="med"/>
+          </a:ln>
+        </p:spPr>
+        <p:style>
+          <a:lnRef idx="2">
+            <a:schemeClr val="accent1"/>
+          </a:lnRef>
+          <a:fillRef idx="0">
+            <a:schemeClr val="accent1"/>
+          </a:fillRef>
+          <a:effectRef idx="1">
+            <a:schemeClr val="accent1"/>
+          </a:effectRef>
+          <a:fontRef idx="minor">
+            <a:schemeClr val="tx1"/>
+          </a:fontRef>
+        </p:style>
+      </p:cxnSp>
+      <p:cxnSp>
+        <p:nvCxnSpPr>
+          <p:cNvPr id="12" name="Straight Arrow Connector 11"/>
+          <p:cNvCxnSpPr>
+            <a:stCxn id="6" idx="4"/>
+            <a:endCxn id="7" idx="7"/>
+          </p:cNvCxnSpPr>
+          <p:nvPr/>
+        </p:nvCxnSpPr>
+        <p:spPr>
+          <a:xfrm flipH="1">
+            <a:off x="2179180" y="3416531"/>
+            <a:ext cx="478063" cy="493710"/>
+          </a:xfrm>
+          <a:prstGeom prst="straightConnector1">
+            <a:avLst/>
+          </a:prstGeom>
+          <a:ln w="19050" cmpd="sng">
+            <a:solidFill>
+              <a:schemeClr val="tx1"/>
+            </a:solidFill>
+            <a:headEnd type="none"/>
+            <a:tailEnd type="triangle" w="lg" len="med"/>
+          </a:ln>
+        </p:spPr>
+        <p:style>
+          <a:lnRef idx="2">
+            <a:schemeClr val="accent1"/>
+          </a:lnRef>
+          <a:fillRef idx="0">
+            <a:schemeClr val="accent1"/>
+          </a:fillRef>
+          <a:effectRef idx="1">
+            <a:schemeClr val="accent1"/>
+          </a:effectRef>
+          <a:fontRef idx="minor">
+            <a:schemeClr val="tx1"/>
+          </a:fontRef>
+        </p:style>
+      </p:cxnSp>
+      <p:cxnSp>
+        <p:nvCxnSpPr>
+          <p:cNvPr id="13" name="Straight Arrow Connector 12"/>
+          <p:cNvCxnSpPr>
+            <a:stCxn id="6" idx="4"/>
+            <a:endCxn id="8" idx="1"/>
+          </p:cNvCxnSpPr>
+          <p:nvPr/>
+        </p:nvCxnSpPr>
+        <p:spPr>
+          <a:xfrm>
+            <a:off x="2657243" y="3416531"/>
+            <a:ext cx="467577" cy="493710"/>
+          </a:xfrm>
+          <a:prstGeom prst="straightConnector1">
+            <a:avLst/>
+          </a:prstGeom>
+          <a:ln w="19050" cmpd="sng">
+            <a:solidFill>
+              <a:schemeClr val="tx1"/>
+            </a:solidFill>
+            <a:headEnd type="none"/>
+            <a:tailEnd type="triangle" w="lg" len="med"/>
+          </a:ln>
+        </p:spPr>
+        <p:style>
+          <a:lnRef idx="2">
+            <a:schemeClr val="accent1"/>
+          </a:lnRef>
+          <a:fillRef idx="0">
+            <a:schemeClr val="accent1"/>
+          </a:fillRef>
+          <a:effectRef idx="1">
+            <a:schemeClr val="accent1"/>
+          </a:effectRef>
+          <a:fontRef idx="minor">
+            <a:schemeClr val="tx1"/>
+          </a:fontRef>
+        </p:style>
+      </p:cxnSp>
+      <p:graphicFrame>
+        <p:nvGraphicFramePr>
+          <p:cNvPr id="36" name="Object 35"/>
+          <p:cNvGraphicFramePr>
+            <a:graphicFrameLocks noChangeAspect="1"/>
+          </p:cNvGraphicFramePr>
+          <p:nvPr>
+            <p:extLst>
+              <p:ext uri="{D42A27DB-BD31-4B8C-83A1-F6EECF244321}">
+                <p14:modId xmlns:p14="http://schemas.microsoft.com/office/powerpoint/2010/main" val="4247832220"/>
+              </p:ext>
+            </p:extLst>
+          </p:nvPr>
+        </p:nvGraphicFramePr>
+        <p:xfrm>
+          <a:off x="1165225" y="3027363"/>
+          <a:ext cx="307975" cy="346075"/>
+        </p:xfrm>
+        <a:graphic>
+          <a:graphicData uri="http://schemas.openxmlformats.org/presentationml/2006/ole">
+            <mc:AlternateContent xmlns:mc="http://schemas.openxmlformats.org/markup-compatibility/2006">
+              <mc:Choice xmlns:v="urn:schemas-microsoft-com:vml" Requires="v">
+                <p:oleObj spid="_x0000_s1046" name="Equation" r:id="rId3" imgW="203200" imgH="228600" progId="Equation.3">
+                  <p:embed/>
+                </p:oleObj>
+              </mc:Choice>
+              <mc:Fallback>
+                <p:oleObj name="Equation" r:id="rId3" imgW="203200" imgH="228600" progId="Equation.3">
+                  <p:embed/>
+                  <p:pic>
+                    <p:nvPicPr>
+                      <p:cNvPr id="0" name=""/>
+                      <p:cNvPicPr/>
+                      <p:nvPr/>
+                    </p:nvPicPr>
+                    <p:blipFill>
+                      <a:blip r:embed="rId4"/>
+                      <a:stretch>
+                        <a:fillRect/>
+                      </a:stretch>
+                    </p:blipFill>
+                    <p:spPr>
+                      <a:xfrm>
+                        <a:off x="1165225" y="3027363"/>
+                        <a:ext cx="307975" cy="346075"/>
+                      </a:xfrm>
+                      <a:prstGeom prst="rect">
+                        <a:avLst/>
+                      </a:prstGeom>
+                    </p:spPr>
+                  </p:pic>
+                </p:oleObj>
+              </mc:Fallback>
+            </mc:AlternateContent>
+          </a:graphicData>
+        </a:graphic>
+      </p:graphicFrame>
+      <p:graphicFrame>
+        <p:nvGraphicFramePr>
+          <p:cNvPr id="37" name="Object 36"/>
+          <p:cNvGraphicFramePr>
+            <a:graphicFrameLocks noChangeAspect="1"/>
+          </p:cNvGraphicFramePr>
+          <p:nvPr>
+            <p:extLst>
+              <p:ext uri="{D42A27DB-BD31-4B8C-83A1-F6EECF244321}">
+                <p14:modId xmlns:p14="http://schemas.microsoft.com/office/powerpoint/2010/main" val="1463716913"/>
+              </p:ext>
+            </p:extLst>
+          </p:nvPr>
+        </p:nvGraphicFramePr>
+        <p:xfrm>
+          <a:off x="1846263" y="2160588"/>
+          <a:ext cx="288925" cy="346075"/>
+        </p:xfrm>
+        <a:graphic>
+          <a:graphicData uri="http://schemas.openxmlformats.org/presentationml/2006/ole">
+            <mc:AlternateContent xmlns:mc="http://schemas.openxmlformats.org/markup-compatibility/2006">
+              <mc:Choice xmlns:v="urn:schemas-microsoft-com:vml" Requires="v">
+                <p:oleObj spid="_x0000_s1047" name="Equation" r:id="rId5" imgW="190500" imgH="228600" progId="Equation.3">
+                  <p:embed/>
+                </p:oleObj>
+              </mc:Choice>
+              <mc:Fallback>
+                <p:oleObj name="Equation" r:id="rId5" imgW="190500" imgH="228600" progId="Equation.3">
+                  <p:embed/>
+                  <p:pic>
+                    <p:nvPicPr>
+                      <p:cNvPr id="0" name=""/>
+                      <p:cNvPicPr/>
+                      <p:nvPr/>
+                    </p:nvPicPr>
+                    <p:blipFill>
+                      <a:blip r:embed="rId6"/>
+                      <a:stretch>
+                        <a:fillRect/>
+                      </a:stretch>
+                    </p:blipFill>
+                    <p:spPr>
+                      <a:xfrm>
+                        <a:off x="1846263" y="2160588"/>
+                        <a:ext cx="288925" cy="346075"/>
+                      </a:xfrm>
+                      <a:prstGeom prst="rect">
+                        <a:avLst/>
+                      </a:prstGeom>
+                    </p:spPr>
+                  </p:pic>
+                </p:oleObj>
+              </mc:Fallback>
+            </mc:AlternateContent>
+          </a:graphicData>
+        </a:graphic>
+      </p:graphicFrame>
+      <p:graphicFrame>
+        <p:nvGraphicFramePr>
+          <p:cNvPr id="38" name="Object 37"/>
+          <p:cNvGraphicFramePr>
+            <a:graphicFrameLocks noChangeAspect="1"/>
+          </p:cNvGraphicFramePr>
+          <p:nvPr>
+            <p:extLst>
+              <p:ext uri="{D42A27DB-BD31-4B8C-83A1-F6EECF244321}">
+                <p14:modId xmlns:p14="http://schemas.microsoft.com/office/powerpoint/2010/main" val="3144076470"/>
+              </p:ext>
+            </p:extLst>
+          </p:nvPr>
+        </p:nvGraphicFramePr>
+        <p:xfrm>
+          <a:off x="2524125" y="2997200"/>
+          <a:ext cx="288925" cy="365125"/>
+        </p:xfrm>
+        <a:graphic>
+          <a:graphicData uri="http://schemas.openxmlformats.org/presentationml/2006/ole">
+            <mc:AlternateContent xmlns:mc="http://schemas.openxmlformats.org/markup-compatibility/2006">
+              <mc:Choice xmlns:v="urn:schemas-microsoft-com:vml" Requires="v">
+                <p:oleObj spid="_x0000_s1048" name="Equation" r:id="rId7" imgW="190500" imgH="241300" progId="Equation.3">
+                  <p:embed/>
+                </p:oleObj>
+              </mc:Choice>
+              <mc:Fallback>
+                <p:oleObj name="Equation" r:id="rId7" imgW="190500" imgH="241300" progId="Equation.3">
+                  <p:embed/>
+                  <p:pic>
+                    <p:nvPicPr>
+                      <p:cNvPr id="0" name=""/>
+                      <p:cNvPicPr/>
+                      <p:nvPr/>
+                    </p:nvPicPr>
+                    <p:blipFill>
+                      <a:blip r:embed="rId8"/>
+                      <a:stretch>
+                        <a:fillRect/>
+                      </a:stretch>
+                    </p:blipFill>
+                    <p:spPr>
+                      <a:xfrm>
+                        <a:off x="2524125" y="2997200"/>
+                        <a:ext cx="288925" cy="365125"/>
+                      </a:xfrm>
+                      <a:prstGeom prst="rect">
+                        <a:avLst/>
+                      </a:prstGeom>
+                    </p:spPr>
+                  </p:pic>
+                </p:oleObj>
+              </mc:Fallback>
+            </mc:AlternateContent>
+          </a:graphicData>
+        </a:graphic>
+      </p:graphicFrame>
+      <p:graphicFrame>
+        <p:nvGraphicFramePr>
+          <p:cNvPr id="39" name="Object 38"/>
+          <p:cNvGraphicFramePr>
+            <a:graphicFrameLocks noChangeAspect="1"/>
+          </p:cNvGraphicFramePr>
+          <p:nvPr>
+            <p:extLst>
+              <p:ext uri="{D42A27DB-BD31-4B8C-83A1-F6EECF244321}">
+                <p14:modId xmlns:p14="http://schemas.microsoft.com/office/powerpoint/2010/main" val="1695376380"/>
+              </p:ext>
+            </p:extLst>
+          </p:nvPr>
+        </p:nvGraphicFramePr>
+        <p:xfrm>
+          <a:off x="1835960" y="3910241"/>
+          <a:ext cx="307975" cy="346075"/>
+        </p:xfrm>
+        <a:graphic>
+          <a:graphicData uri="http://schemas.openxmlformats.org/presentationml/2006/ole">
+            <mc:AlternateContent xmlns:mc="http://schemas.openxmlformats.org/markup-compatibility/2006">
+              <mc:Choice xmlns:v="urn:schemas-microsoft-com:vml" Requires="v">
+                <p:oleObj spid="_x0000_s1049" name="Equation" r:id="rId9" imgW="203200" imgH="228600" progId="Equation.3">
+                  <p:embed/>
+                </p:oleObj>
+              </mc:Choice>
+              <mc:Fallback>
+                <p:oleObj name="Equation" r:id="rId9" imgW="203200" imgH="228600" progId="Equation.3">
+                  <p:embed/>
+                  <p:pic>
+                    <p:nvPicPr>
+                      <p:cNvPr id="0" name=""/>
+                      <p:cNvPicPr/>
+                      <p:nvPr/>
+                    </p:nvPicPr>
+                    <p:blipFill>
+                      <a:blip r:embed="rId10"/>
+                      <a:stretch>
+                        <a:fillRect/>
+                      </a:stretch>
+                    </p:blipFill>
+                    <p:spPr>
+                      <a:xfrm>
+                        <a:off x="1835960" y="3910241"/>
+                        <a:ext cx="307975" cy="346075"/>
+                      </a:xfrm>
+                      <a:prstGeom prst="rect">
+                        <a:avLst/>
+                      </a:prstGeom>
+                    </p:spPr>
+                  </p:pic>
+                </p:oleObj>
+              </mc:Fallback>
+            </mc:AlternateContent>
+          </a:graphicData>
+        </a:graphic>
+      </p:graphicFrame>
+      <p:graphicFrame>
+        <p:nvGraphicFramePr>
+          <p:cNvPr id="40" name="Object 39"/>
+          <p:cNvGraphicFramePr>
+            <a:graphicFrameLocks noChangeAspect="1"/>
+          </p:cNvGraphicFramePr>
+          <p:nvPr>
+            <p:extLst>
+              <p:ext uri="{D42A27DB-BD31-4B8C-83A1-F6EECF244321}">
+                <p14:modId xmlns:p14="http://schemas.microsoft.com/office/powerpoint/2010/main" val="2721516134"/>
+              </p:ext>
+            </p:extLst>
+          </p:nvPr>
+        </p:nvGraphicFramePr>
+        <p:xfrm>
+          <a:off x="3160713" y="3890963"/>
+          <a:ext cx="307975" cy="365125"/>
+        </p:xfrm>
+        <a:graphic>
+          <a:graphicData uri="http://schemas.openxmlformats.org/presentationml/2006/ole">
+            <mc:AlternateContent xmlns:mc="http://schemas.openxmlformats.org/markup-compatibility/2006">
+              <mc:Choice xmlns:v="urn:schemas-microsoft-com:vml" Requires="v">
+                <p:oleObj spid="_x0000_s1050" name="Equation" r:id="rId11" imgW="203200" imgH="241300" progId="Equation.3">
+                  <p:embed/>
+                </p:oleObj>
+              </mc:Choice>
+              <mc:Fallback>
+                <p:oleObj name="Equation" r:id="rId11" imgW="203200" imgH="241300" progId="Equation.3">
+                  <p:embed/>
+                  <p:pic>
+                    <p:nvPicPr>
+                      <p:cNvPr id="0" name=""/>
+                      <p:cNvPicPr/>
+                      <p:nvPr/>
+                    </p:nvPicPr>
+                    <p:blipFill>
+                      <a:blip r:embed="rId12"/>
+                      <a:stretch>
+                        <a:fillRect/>
+                      </a:stretch>
+                    </p:blipFill>
+                    <p:spPr>
+                      <a:xfrm>
+                        <a:off x="3160713" y="3890963"/>
+                        <a:ext cx="307975" cy="365125"/>
+                      </a:xfrm>
+                      <a:prstGeom prst="rect">
+                        <a:avLst/>
+                      </a:prstGeom>
+                    </p:spPr>
+                  </p:pic>
+                </p:oleObj>
+              </mc:Fallback>
+            </mc:AlternateContent>
+          </a:graphicData>
+        </a:graphic>
+      </p:graphicFrame>
+      <p:sp>
+        <p:nvSpPr>
+          <p:cNvPr id="41" name="Oval 40"/>
+          <p:cNvSpPr/>
+          <p:nvPr/>
+        </p:nvSpPr>
+        <p:spPr>
+          <a:xfrm>
+            <a:off x="5010279" y="2100384"/>
+            <a:ext cx="539999" cy="467999"/>
+          </a:xfrm>
+          <a:prstGeom prst="ellipse">
+            <a:avLst/>
+          </a:prstGeom>
+          <a:solidFill>
+            <a:schemeClr val="tx2">
+              <a:lumMod val="20000"/>
+              <a:lumOff val="80000"/>
+            </a:schemeClr>
+          </a:solidFill>
+          <a:ln>
+            <a:solidFill>
+              <a:schemeClr val="tx1"/>
+            </a:solidFill>
+          </a:ln>
+        </p:spPr>
+        <p:style>
+          <a:lnRef idx="1">
+            <a:schemeClr val="accent1"/>
+          </a:lnRef>
+          <a:fillRef idx="3">
+            <a:schemeClr val="accent1"/>
+          </a:fillRef>
+          <a:effectRef idx="2">
+            <a:schemeClr val="accent1"/>
+          </a:effectRef>
+          <a:fontRef idx="minor">
+            <a:schemeClr val="lt1"/>
+          </a:fontRef>
+        </p:style>
+        <p:txBody>
+          <a:bodyPr rtlCol="0" anchor="ctr"/>
+          <a:lstStyle/>
+          <a:p>
+            <a:pPr algn="ctr"/>
+            <a:endParaRPr lang="en-US" sz="1600" baseline="-25000" dirty="0">
+              <a:solidFill>
+                <a:schemeClr val="tx1"/>
+              </a:solidFill>
+              <a:latin typeface="Times New Roman"/>
+              <a:cs typeface="Times New Roman"/>
+            </a:endParaRPr>
+          </a:p>
+        </p:txBody>
+      </p:sp>
+      <p:sp>
+        <p:nvSpPr>
+          <p:cNvPr id="42" name="Oval 41"/>
+          <p:cNvSpPr/>
+          <p:nvPr/>
+        </p:nvSpPr>
+        <p:spPr>
+          <a:xfrm>
+            <a:off x="4339219" y="2958279"/>
+            <a:ext cx="539999" cy="467999"/>
+          </a:xfrm>
+          <a:prstGeom prst="ellipse">
+            <a:avLst/>
+          </a:prstGeom>
+          <a:solidFill>
+            <a:schemeClr val="tx2">
+              <a:lumMod val="20000"/>
+              <a:lumOff val="80000"/>
+            </a:schemeClr>
+          </a:solidFill>
+          <a:ln>
+            <a:solidFill>
+              <a:schemeClr val="tx1"/>
+            </a:solidFill>
+          </a:ln>
+        </p:spPr>
+        <p:style>
+          <a:lnRef idx="1">
+            <a:schemeClr val="accent1"/>
+          </a:lnRef>
+          <a:fillRef idx="3">
+            <a:schemeClr val="accent1"/>
+          </a:fillRef>
+          <a:effectRef idx="2">
+            <a:schemeClr val="accent1"/>
+          </a:effectRef>
+          <a:fontRef idx="minor">
+            <a:schemeClr val="lt1"/>
+          </a:fontRef>
+        </p:style>
+        <p:txBody>
+          <a:bodyPr rtlCol="0" anchor="ctr"/>
+          <a:lstStyle/>
+          <a:p>
+            <a:pPr algn="ctr"/>
+            <a:endParaRPr lang="en-US" sz="1600" baseline="-25000" dirty="0">
+              <a:solidFill>
+                <a:schemeClr val="tx1"/>
+              </a:solidFill>
+              <a:latin typeface="Times New Roman"/>
+              <a:cs typeface="Times New Roman"/>
+            </a:endParaRPr>
+          </a:p>
+        </p:txBody>
+      </p:sp>
+      <p:sp>
+        <p:nvSpPr>
+          <p:cNvPr id="43" name="Oval 42"/>
+          <p:cNvSpPr/>
+          <p:nvPr/>
+        </p:nvSpPr>
+        <p:spPr>
+          <a:xfrm>
+            <a:off x="5679260" y="2946521"/>
+            <a:ext cx="539999" cy="467999"/>
+          </a:xfrm>
+          <a:prstGeom prst="ellipse">
+            <a:avLst/>
+          </a:prstGeom>
+          <a:solidFill>
+            <a:schemeClr val="tx2">
+              <a:lumMod val="20000"/>
+              <a:lumOff val="80000"/>
+            </a:schemeClr>
+          </a:solidFill>
+          <a:ln>
+            <a:solidFill>
+              <a:schemeClr val="tx1"/>
+            </a:solidFill>
+          </a:ln>
+        </p:spPr>
+        <p:style>
+          <a:lnRef idx="1">
+            <a:schemeClr val="accent1"/>
+          </a:lnRef>
+          <a:fillRef idx="3">
+            <a:schemeClr val="accent1"/>
+          </a:fillRef>
+          <a:effectRef idx="2">
+            <a:schemeClr val="accent1"/>
+          </a:effectRef>
+          <a:fontRef idx="minor">
+            <a:schemeClr val="lt1"/>
+          </a:fontRef>
+        </p:style>
+        <p:txBody>
+          <a:bodyPr rtlCol="0" anchor="ctr"/>
+          <a:lstStyle/>
+          <a:p>
+            <a:pPr algn="ctr"/>
+            <a:endParaRPr lang="en-US" sz="1600" baseline="-25000" dirty="0">
+              <a:solidFill>
+                <a:schemeClr val="tx1"/>
+              </a:solidFill>
+              <a:latin typeface="Times New Roman"/>
+              <a:cs typeface="Times New Roman"/>
+            </a:endParaRPr>
+          </a:p>
+        </p:txBody>
+      </p:sp>
+      <p:sp>
+        <p:nvSpPr>
+          <p:cNvPr id="44" name="Oval 43"/>
+          <p:cNvSpPr/>
+          <p:nvPr/>
+        </p:nvSpPr>
+        <p:spPr>
+          <a:xfrm>
+            <a:off x="5010279" y="3839693"/>
+            <a:ext cx="539999" cy="467999"/>
+          </a:xfrm>
+          <a:prstGeom prst="ellipse">
+            <a:avLst/>
+          </a:prstGeom>
+          <a:solidFill>
+            <a:schemeClr val="tx2">
+              <a:lumMod val="20000"/>
+              <a:lumOff val="80000"/>
+            </a:schemeClr>
+          </a:solidFill>
+          <a:ln>
+            <a:solidFill>
+              <a:schemeClr val="tx1"/>
+            </a:solidFill>
+          </a:ln>
+        </p:spPr>
+        <p:style>
+          <a:lnRef idx="1">
+            <a:schemeClr val="accent1"/>
+          </a:lnRef>
+          <a:fillRef idx="3">
+            <a:schemeClr val="accent1"/>
+          </a:fillRef>
+          <a:effectRef idx="2">
+            <a:schemeClr val="accent1"/>
+          </a:effectRef>
+          <a:fontRef idx="minor">
+            <a:schemeClr val="lt1"/>
+          </a:fontRef>
+        </p:style>
+        <p:txBody>
+          <a:bodyPr rtlCol="0" anchor="ctr"/>
+          <a:lstStyle/>
+          <a:p>
+            <a:pPr algn="ctr"/>
+            <a:endParaRPr lang="en-US" sz="1600" baseline="-25000" dirty="0">
+              <a:solidFill>
+                <a:schemeClr val="tx1"/>
+              </a:solidFill>
+              <a:latin typeface="Times New Roman"/>
+              <a:cs typeface="Times New Roman"/>
+            </a:endParaRPr>
+          </a:p>
+        </p:txBody>
+      </p:sp>
+      <p:sp>
+        <p:nvSpPr>
+          <p:cNvPr id="45" name="Oval 44"/>
+          <p:cNvSpPr/>
+          <p:nvPr/>
+        </p:nvSpPr>
+        <p:spPr>
+          <a:xfrm>
+            <a:off x="6337756" y="3839693"/>
+            <a:ext cx="539999" cy="467999"/>
+          </a:xfrm>
+          <a:prstGeom prst="ellipse">
+            <a:avLst/>
+          </a:prstGeom>
+          <a:solidFill>
+            <a:schemeClr val="tx2">
+              <a:lumMod val="20000"/>
+              <a:lumOff val="80000"/>
+            </a:schemeClr>
+          </a:solidFill>
+          <a:ln>
+            <a:solidFill>
+              <a:schemeClr val="tx1"/>
+            </a:solidFill>
+          </a:ln>
+        </p:spPr>
+        <p:style>
+          <a:lnRef idx="1">
+            <a:schemeClr val="accent1"/>
+          </a:lnRef>
+          <a:fillRef idx="3">
+            <a:schemeClr val="accent1"/>
+          </a:fillRef>
+          <a:effectRef idx="2">
+            <a:schemeClr val="accent1"/>
+          </a:effectRef>
+          <a:fontRef idx="minor">
+            <a:schemeClr val="lt1"/>
+          </a:fontRef>
+        </p:style>
+        <p:txBody>
+          <a:bodyPr rtlCol="0" anchor="ctr"/>
+          <a:lstStyle/>
+          <a:p>
+            <a:pPr algn="ctr"/>
+            <a:endParaRPr lang="en-US" sz="1600" baseline="-25000" dirty="0">
+              <a:solidFill>
+                <a:schemeClr val="tx1"/>
+              </a:solidFill>
+              <a:latin typeface="Times New Roman"/>
+              <a:cs typeface="Times New Roman"/>
+            </a:endParaRPr>
+          </a:p>
+        </p:txBody>
+      </p:sp>
+      <p:cxnSp>
+        <p:nvCxnSpPr>
+          <p:cNvPr id="46" name="Straight Arrow Connector 45"/>
+          <p:cNvCxnSpPr>
+            <a:stCxn id="41" idx="3"/>
+            <a:endCxn id="42" idx="0"/>
+          </p:cNvCxnSpPr>
+          <p:nvPr/>
+        </p:nvCxnSpPr>
+        <p:spPr>
+          <a:xfrm flipH="1">
+            <a:off x="4609219" y="2499846"/>
+            <a:ext cx="480141" cy="458433"/>
+          </a:xfrm>
+          <a:prstGeom prst="straightConnector1">
+            <a:avLst/>
+          </a:prstGeom>
+          <a:ln w="19050" cmpd="sng">
+            <a:solidFill>
+              <a:schemeClr val="tx1"/>
+            </a:solidFill>
+            <a:headEnd type="none"/>
+            <a:tailEnd type="triangle" w="lg" len="med"/>
+          </a:ln>
+        </p:spPr>
+        <p:style>
+          <a:lnRef idx="2">
+            <a:schemeClr val="accent1"/>
+          </a:lnRef>
+          <a:fillRef idx="0">
+            <a:schemeClr val="accent1"/>
+          </a:fillRef>
+          <a:effectRef idx="1">
+            <a:schemeClr val="accent1"/>
+          </a:effectRef>
+          <a:fontRef idx="minor">
+            <a:schemeClr val="tx1"/>
+          </a:fontRef>
+        </p:style>
+      </p:cxnSp>
+      <p:cxnSp>
+        <p:nvCxnSpPr>
+          <p:cNvPr id="47" name="Straight Arrow Connector 46"/>
+          <p:cNvCxnSpPr>
+            <a:stCxn id="41" idx="5"/>
+            <a:endCxn id="43" idx="0"/>
+          </p:cNvCxnSpPr>
+          <p:nvPr/>
+        </p:nvCxnSpPr>
+        <p:spPr>
+          <a:xfrm>
+            <a:off x="5471197" y="2499846"/>
+            <a:ext cx="478063" cy="446675"/>
+          </a:xfrm>
+          <a:prstGeom prst="straightConnector1">
+            <a:avLst/>
+          </a:prstGeom>
+          <a:ln w="19050" cmpd="sng">
+            <a:solidFill>
+              <a:schemeClr val="tx1"/>
+            </a:solidFill>
+            <a:headEnd type="none"/>
+            <a:tailEnd type="triangle" w="lg" len="med"/>
+          </a:ln>
+        </p:spPr>
+        <p:style>
+          <a:lnRef idx="2">
+            <a:schemeClr val="accent1"/>
+          </a:lnRef>
+          <a:fillRef idx="0">
+            <a:schemeClr val="accent1"/>
+          </a:fillRef>
+          <a:effectRef idx="1">
+            <a:schemeClr val="accent1"/>
+          </a:effectRef>
+          <a:fontRef idx="minor">
+            <a:schemeClr val="tx1"/>
+          </a:fontRef>
+        </p:style>
+      </p:cxnSp>
+      <p:cxnSp>
+        <p:nvCxnSpPr>
+          <p:cNvPr id="48" name="Straight Arrow Connector 47"/>
+          <p:cNvCxnSpPr>
+            <a:stCxn id="42" idx="4"/>
+            <a:endCxn id="44" idx="1"/>
+          </p:cNvCxnSpPr>
+          <p:nvPr/>
+        </p:nvCxnSpPr>
+        <p:spPr>
+          <a:xfrm>
+            <a:off x="4609219" y="3426278"/>
+            <a:ext cx="480141" cy="481952"/>
+          </a:xfrm>
+          <a:prstGeom prst="straightConnector1">
+            <a:avLst/>
+          </a:prstGeom>
+          <a:ln w="19050" cmpd="sng">
+            <a:solidFill>
+              <a:schemeClr val="tx1"/>
+            </a:solidFill>
+            <a:headEnd type="none"/>
+            <a:tailEnd type="triangle" w="lg" len="med"/>
+          </a:ln>
+        </p:spPr>
+        <p:style>
+          <a:lnRef idx="2">
+            <a:schemeClr val="accent1"/>
+          </a:lnRef>
+          <a:fillRef idx="0">
+            <a:schemeClr val="accent1"/>
+          </a:fillRef>
+          <a:effectRef idx="1">
+            <a:schemeClr val="accent1"/>
+          </a:effectRef>
+          <a:fontRef idx="minor">
+            <a:schemeClr val="tx1"/>
+          </a:fontRef>
+        </p:style>
+      </p:cxnSp>
+      <p:cxnSp>
+        <p:nvCxnSpPr>
+          <p:cNvPr id="49" name="Straight Arrow Connector 48"/>
+          <p:cNvCxnSpPr>
+            <a:stCxn id="43" idx="4"/>
+            <a:endCxn id="44" idx="7"/>
+          </p:cNvCxnSpPr>
+          <p:nvPr/>
+        </p:nvCxnSpPr>
+        <p:spPr>
+          <a:xfrm flipH="1">
+            <a:off x="5471197" y="3414520"/>
+            <a:ext cx="478063" cy="493710"/>
+          </a:xfrm>
+          <a:prstGeom prst="straightConnector1">
+            <a:avLst/>
+          </a:prstGeom>
+          <a:ln w="19050" cmpd="sng">
+            <a:solidFill>
+              <a:schemeClr val="tx1"/>
+            </a:solidFill>
+            <a:headEnd type="none"/>
+            <a:tailEnd type="triangle" w="lg" len="med"/>
+          </a:ln>
+        </p:spPr>
+        <p:style>
+          <a:lnRef idx="2">
+            <a:schemeClr val="accent1"/>
+          </a:lnRef>
+          <a:fillRef idx="0">
+            <a:schemeClr val="accent1"/>
+          </a:fillRef>
+          <a:effectRef idx="1">
+            <a:schemeClr val="accent1"/>
+          </a:effectRef>
+          <a:fontRef idx="minor">
+            <a:schemeClr val="tx1"/>
+          </a:fontRef>
+        </p:style>
+      </p:cxnSp>
+      <p:cxnSp>
+        <p:nvCxnSpPr>
+          <p:cNvPr id="50" name="Straight Arrow Connector 49"/>
+          <p:cNvCxnSpPr>
+            <a:stCxn id="43" idx="4"/>
+            <a:endCxn id="45" idx="1"/>
+          </p:cNvCxnSpPr>
+          <p:nvPr/>
+        </p:nvCxnSpPr>
+        <p:spPr>
+          <a:xfrm>
+            <a:off x="5949260" y="3414520"/>
+            <a:ext cx="467577" cy="493710"/>
+          </a:xfrm>
+          <a:prstGeom prst="straightConnector1">
+            <a:avLst/>
+          </a:prstGeom>
+          <a:ln w="19050" cmpd="sng">
+            <a:solidFill>
+              <a:schemeClr val="tx1"/>
+            </a:solidFill>
+            <a:headEnd type="none"/>
+            <a:tailEnd type="triangle" w="lg" len="med"/>
+          </a:ln>
+        </p:spPr>
+        <p:style>
+          <a:lnRef idx="2">
+            <a:schemeClr val="accent1"/>
+          </a:lnRef>
+          <a:fillRef idx="0">
+            <a:schemeClr val="accent1"/>
+          </a:fillRef>
+          <a:effectRef idx="1">
+            <a:schemeClr val="accent1"/>
+          </a:effectRef>
+          <a:fontRef idx="minor">
+            <a:schemeClr val="tx1"/>
+          </a:fontRef>
+        </p:style>
+      </p:cxnSp>
+      <p:graphicFrame>
+        <p:nvGraphicFramePr>
+          <p:cNvPr id="51" name="Object 50"/>
+          <p:cNvGraphicFramePr>
+            <a:graphicFrameLocks noChangeAspect="1"/>
+          </p:cNvGraphicFramePr>
+          <p:nvPr>
+            <p:extLst>
+              <p:ext uri="{D42A27DB-BD31-4B8C-83A1-F6EECF244321}">
+                <p14:modId xmlns:p14="http://schemas.microsoft.com/office/powerpoint/2010/main" val="2067814383"/>
+              </p:ext>
+            </p:extLst>
+          </p:nvPr>
+        </p:nvGraphicFramePr>
+        <p:xfrm>
+          <a:off x="4408904" y="3025077"/>
+          <a:ext cx="404813" cy="346075"/>
+        </p:xfrm>
+        <a:graphic>
+          <a:graphicData uri="http://schemas.openxmlformats.org/presentationml/2006/ole">
+            <mc:AlternateContent xmlns:mc="http://schemas.openxmlformats.org/markup-compatibility/2006">
+              <mc:Choice xmlns:v="urn:schemas-microsoft-com:vml" Requires="v">
+                <p:oleObj spid="_x0000_s1051" name="Equation" r:id="rId13" imgW="266700" imgH="228600" progId="Equation.3">
+                  <p:embed/>
+                </p:oleObj>
+              </mc:Choice>
+              <mc:Fallback>
+                <p:oleObj name="Equation" r:id="rId13" imgW="266700" imgH="228600" progId="Equation.3">
+                  <p:embed/>
+                  <p:pic>
+                    <p:nvPicPr>
+                      <p:cNvPr id="0" name=""/>
+                      <p:cNvPicPr/>
+                      <p:nvPr/>
+                    </p:nvPicPr>
+                    <p:blipFill>
+                      <a:blip r:embed="rId14"/>
+                      <a:stretch>
+                        <a:fillRect/>
+                      </a:stretch>
+                    </p:blipFill>
+                    <p:spPr>
+                      <a:xfrm>
+                        <a:off x="4408904" y="3025077"/>
+                        <a:ext cx="404813" cy="346075"/>
+                      </a:xfrm>
+                      <a:prstGeom prst="rect">
+                        <a:avLst/>
+                      </a:prstGeom>
+                    </p:spPr>
+                  </p:pic>
+                </p:oleObj>
+              </mc:Fallback>
+            </mc:AlternateContent>
+          </a:graphicData>
+        </a:graphic>
+      </p:graphicFrame>
+      <p:graphicFrame>
+        <p:nvGraphicFramePr>
+          <p:cNvPr id="52" name="Object 51"/>
+          <p:cNvGraphicFramePr>
+            <a:graphicFrameLocks noChangeAspect="1"/>
+          </p:cNvGraphicFramePr>
+          <p:nvPr>
+            <p:extLst>
+              <p:ext uri="{D42A27DB-BD31-4B8C-83A1-F6EECF244321}">
+                <p14:modId xmlns:p14="http://schemas.microsoft.com/office/powerpoint/2010/main" val="3505317652"/>
+              </p:ext>
+            </p:extLst>
+          </p:nvPr>
+        </p:nvGraphicFramePr>
+        <p:xfrm>
+          <a:off x="5080417" y="2158302"/>
+          <a:ext cx="404812" cy="346075"/>
+        </p:xfrm>
+        <a:graphic>
+          <a:graphicData uri="http://schemas.openxmlformats.org/presentationml/2006/ole">
+            <mc:AlternateContent xmlns:mc="http://schemas.openxmlformats.org/markup-compatibility/2006">
+              <mc:Choice xmlns:v="urn:schemas-microsoft-com:vml" Requires="v">
+                <p:oleObj spid="_x0000_s1052" name="Equation" r:id="rId15" imgW="266700" imgH="228600" progId="Equation.3">
+                  <p:embed/>
+                </p:oleObj>
+              </mc:Choice>
+              <mc:Fallback>
+                <p:oleObj name="Equation" r:id="rId15" imgW="266700" imgH="228600" progId="Equation.3">
+                  <p:embed/>
+                  <p:pic>
+                    <p:nvPicPr>
+                      <p:cNvPr id="0" name=""/>
+                      <p:cNvPicPr/>
+                      <p:nvPr/>
+                    </p:nvPicPr>
+                    <p:blipFill>
+                      <a:blip r:embed="rId16"/>
+                      <a:stretch>
+                        <a:fillRect/>
+                      </a:stretch>
+                    </p:blipFill>
+                    <p:spPr>
+                      <a:xfrm>
+                        <a:off x="5080417" y="2158302"/>
+                        <a:ext cx="404812" cy="346075"/>
+                      </a:xfrm>
+                      <a:prstGeom prst="rect">
+                        <a:avLst/>
+                      </a:prstGeom>
+                    </p:spPr>
+                  </p:pic>
+                </p:oleObj>
+              </mc:Fallback>
+            </mc:AlternateContent>
+          </a:graphicData>
+        </a:graphic>
+      </p:graphicFrame>
+      <p:graphicFrame>
+        <p:nvGraphicFramePr>
+          <p:cNvPr id="53" name="Object 52"/>
+          <p:cNvGraphicFramePr>
+            <a:graphicFrameLocks noChangeAspect="1"/>
+          </p:cNvGraphicFramePr>
+          <p:nvPr>
+            <p:extLst>
+              <p:ext uri="{D42A27DB-BD31-4B8C-83A1-F6EECF244321}">
+                <p14:modId xmlns:p14="http://schemas.microsoft.com/office/powerpoint/2010/main" val="1244546982"/>
+              </p:ext>
+            </p:extLst>
+          </p:nvPr>
+        </p:nvGraphicFramePr>
+        <p:xfrm>
+          <a:off x="5758279" y="2994915"/>
+          <a:ext cx="403225" cy="365125"/>
+        </p:xfrm>
+        <a:graphic>
+          <a:graphicData uri="http://schemas.openxmlformats.org/presentationml/2006/ole">
+            <mc:AlternateContent xmlns:mc="http://schemas.openxmlformats.org/markup-compatibility/2006">
+              <mc:Choice xmlns:v="urn:schemas-microsoft-com:vml" Requires="v">
+                <p:oleObj spid="_x0000_s1053" name="Equation" r:id="rId17" imgW="266700" imgH="241300" progId="Equation.3">
+                  <p:embed/>
+                </p:oleObj>
+              </mc:Choice>
+              <mc:Fallback>
+                <p:oleObj name="Equation" r:id="rId17" imgW="266700" imgH="241300" progId="Equation.3">
+                  <p:embed/>
+                  <p:pic>
+                    <p:nvPicPr>
+                      <p:cNvPr id="0" name=""/>
+                      <p:cNvPicPr/>
+                      <p:nvPr/>
+                    </p:nvPicPr>
+                    <p:blipFill>
+                      <a:blip r:embed="rId18"/>
+                      <a:stretch>
+                        <a:fillRect/>
+                      </a:stretch>
+                    </p:blipFill>
+                    <p:spPr>
+                      <a:xfrm>
+                        <a:off x="5758279" y="2994915"/>
+                        <a:ext cx="403225" cy="365125"/>
+                      </a:xfrm>
+                      <a:prstGeom prst="rect">
+                        <a:avLst/>
+                      </a:prstGeom>
+                    </p:spPr>
+                  </p:pic>
+                </p:oleObj>
+              </mc:Fallback>
+            </mc:AlternateContent>
+          </a:graphicData>
+        </a:graphic>
+      </p:graphicFrame>
+      <p:graphicFrame>
+        <p:nvGraphicFramePr>
+          <p:cNvPr id="54" name="Object 53"/>
+          <p:cNvGraphicFramePr>
+            <a:graphicFrameLocks noChangeAspect="1"/>
+          </p:cNvGraphicFramePr>
+          <p:nvPr>
+            <p:extLst>
+              <p:ext uri="{D42A27DB-BD31-4B8C-83A1-F6EECF244321}">
+                <p14:modId xmlns:p14="http://schemas.microsoft.com/office/powerpoint/2010/main" val="1733877107"/>
+              </p:ext>
+            </p:extLst>
+          </p:nvPr>
+        </p:nvGraphicFramePr>
+        <p:xfrm>
+          <a:off x="5080417" y="3907727"/>
+          <a:ext cx="404812" cy="346075"/>
+        </p:xfrm>
+        <a:graphic>
+          <a:graphicData uri="http://schemas.openxmlformats.org/presentationml/2006/ole">
+            <mc:AlternateContent xmlns:mc="http://schemas.openxmlformats.org/markup-compatibility/2006">
+              <mc:Choice xmlns:v="urn:schemas-microsoft-com:vml" Requires="v">
+                <p:oleObj spid="_x0000_s1054" name="Equation" r:id="rId19" imgW="266700" imgH="228600" progId="Equation.3">
+                  <p:embed/>
+                </p:oleObj>
+              </mc:Choice>
+              <mc:Fallback>
+                <p:oleObj name="Equation" r:id="rId19" imgW="266700" imgH="228600" progId="Equation.3">
+                  <p:embed/>
+                  <p:pic>
+                    <p:nvPicPr>
+                      <p:cNvPr id="0" name=""/>
+                      <p:cNvPicPr/>
+                      <p:nvPr/>
+                    </p:nvPicPr>
+                    <p:blipFill>
+                      <a:blip r:embed="rId20"/>
+                      <a:stretch>
+                        <a:fillRect/>
+                      </a:stretch>
+                    </p:blipFill>
+                    <p:spPr>
+                      <a:xfrm>
+                        <a:off x="5080417" y="3907727"/>
+                        <a:ext cx="404812" cy="346075"/>
+                      </a:xfrm>
+                      <a:prstGeom prst="rect">
+                        <a:avLst/>
+                      </a:prstGeom>
+                    </p:spPr>
+                  </p:pic>
+                </p:oleObj>
+              </mc:Fallback>
+            </mc:AlternateContent>
+          </a:graphicData>
+        </a:graphic>
+      </p:graphicFrame>
+      <p:graphicFrame>
+        <p:nvGraphicFramePr>
+          <p:cNvPr id="55" name="Object 54"/>
+          <p:cNvGraphicFramePr>
+            <a:graphicFrameLocks noChangeAspect="1"/>
+          </p:cNvGraphicFramePr>
+          <p:nvPr>
+            <p:extLst>
+              <p:ext uri="{D42A27DB-BD31-4B8C-83A1-F6EECF244321}">
+                <p14:modId xmlns:p14="http://schemas.microsoft.com/office/powerpoint/2010/main" val="3674497221"/>
+              </p:ext>
+            </p:extLst>
+          </p:nvPr>
+        </p:nvGraphicFramePr>
+        <p:xfrm>
+          <a:off x="6404392" y="3888677"/>
+          <a:ext cx="404812" cy="365125"/>
+        </p:xfrm>
+        <a:graphic>
+          <a:graphicData uri="http://schemas.openxmlformats.org/presentationml/2006/ole">
+            <mc:AlternateContent xmlns:mc="http://schemas.openxmlformats.org/markup-compatibility/2006">
+              <mc:Choice xmlns:v="urn:schemas-microsoft-com:vml" Requires="v">
+                <p:oleObj spid="_x0000_s1055" name="Equation" r:id="rId21" imgW="266700" imgH="241300" progId="Equation.3">
+                  <p:embed/>
+                </p:oleObj>
+              </mc:Choice>
+              <mc:Fallback>
+                <p:oleObj name="Equation" r:id="rId21" imgW="266700" imgH="241300" progId="Equation.3">
+                  <p:embed/>
+                  <p:pic>
+                    <p:nvPicPr>
+                      <p:cNvPr id="0" name=""/>
+                      <p:cNvPicPr/>
+                      <p:nvPr/>
+                    </p:nvPicPr>
+                    <p:blipFill>
+                      <a:blip r:embed="rId22"/>
+                      <a:stretch>
+                        <a:fillRect/>
+                      </a:stretch>
+                    </p:blipFill>
+                    <p:spPr>
+                      <a:xfrm>
+                        <a:off x="6404392" y="3888677"/>
+                        <a:ext cx="404812" cy="365125"/>
+                      </a:xfrm>
+                      <a:prstGeom prst="rect">
+                        <a:avLst/>
+                      </a:prstGeom>
+                    </p:spPr>
+                  </p:pic>
+                </p:oleObj>
+              </mc:Fallback>
+            </mc:AlternateContent>
+          </a:graphicData>
+        </a:graphic>
+      </p:graphicFrame>
+      <p:cxnSp>
+        <p:nvCxnSpPr>
+          <p:cNvPr id="57" name="Straight Arrow Connector 56"/>
+          <p:cNvCxnSpPr>
+            <a:stCxn id="4" idx="6"/>
+            <a:endCxn id="41" idx="2"/>
+          </p:cNvCxnSpPr>
+          <p:nvPr/>
+        </p:nvCxnSpPr>
+        <p:spPr>
+          <a:xfrm flipV="1">
+            <a:off x="2258261" y="2334384"/>
+            <a:ext cx="2752018" cy="2011"/>
+          </a:xfrm>
+          <a:prstGeom prst="straightConnector1">
+            <a:avLst/>
+          </a:prstGeom>
+          <a:ln w="19050" cmpd="sng">
+            <a:solidFill>
+              <a:schemeClr val="tx1"/>
+            </a:solidFill>
+            <a:headEnd type="none"/>
+            <a:tailEnd type="triangle" w="lg" len="med"/>
+          </a:ln>
+        </p:spPr>
+        <p:style>
+          <a:lnRef idx="2">
+            <a:schemeClr val="accent1"/>
+          </a:lnRef>
+          <a:fillRef idx="0">
+            <a:schemeClr val="accent1"/>
+          </a:fillRef>
+          <a:effectRef idx="1">
+            <a:schemeClr val="accent1"/>
+          </a:effectRef>
+          <a:fontRef idx="minor">
+            <a:schemeClr val="tx1"/>
+          </a:fontRef>
+        </p:style>
+      </p:cxnSp>
+    </p:spTree>
+    <p:extLst>
+      <p:ext uri="{BB962C8B-B14F-4D97-AF65-F5344CB8AC3E}">
+        <p14:creationId xmlns:p14="http://schemas.microsoft.com/office/powerpoint/2010/main" val="116950370"/>
       </p:ext>
     </p:extLst>
   </p:cSld>

--- a/doc/D2.3_SoftwareLibraryImplementation/figures/Figures Software Library Delivrable 2.3.pptx
+++ b/doc/D2.3_SoftwareLibraryImplementation/figures/Figures Software Library Delivrable 2.3.pptx
@@ -9,6 +9,7 @@
     <p:sldId id="263" r:id="rId3"/>
     <p:sldId id="264" r:id="rId4"/>
     <p:sldId id="266" r:id="rId5"/>
+    <p:sldId id="267" r:id="rId6"/>
   </p:sldIdLst>
   <p:sldSz cx="9144000" cy="6858000" type="screen4x3"/>
   <p:notesSz cx="6858000" cy="9144000"/>
@@ -291,7 +292,7 @@
           <a:p>
             <a:fld id="{51D87AEE-34D3-4B49-9DD5-3843C8C6A9BA}" type="datetimeFigureOut">
               <a:rPr lang="en-US" smtClean="0"/>
-              <a:t>03/03/15</a:t>
+              <a:t>06/03/15</a:t>
             </a:fld>
             <a:endParaRPr lang="en-US"/>
           </a:p>
@@ -461,7 +462,7 @@
           <a:p>
             <a:fld id="{51D87AEE-34D3-4B49-9DD5-3843C8C6A9BA}" type="datetimeFigureOut">
               <a:rPr lang="en-US" smtClean="0"/>
-              <a:t>03/03/15</a:t>
+              <a:t>06/03/15</a:t>
             </a:fld>
             <a:endParaRPr lang="en-US"/>
           </a:p>
@@ -641,7 +642,7 @@
           <a:p>
             <a:fld id="{51D87AEE-34D3-4B49-9DD5-3843C8C6A9BA}" type="datetimeFigureOut">
               <a:rPr lang="en-US" smtClean="0"/>
-              <a:t>03/03/15</a:t>
+              <a:t>06/03/15</a:t>
             </a:fld>
             <a:endParaRPr lang="en-US"/>
           </a:p>
@@ -811,7 +812,7 @@
           <a:p>
             <a:fld id="{51D87AEE-34D3-4B49-9DD5-3843C8C6A9BA}" type="datetimeFigureOut">
               <a:rPr lang="en-US" smtClean="0"/>
-              <a:t>03/03/15</a:t>
+              <a:t>06/03/15</a:t>
             </a:fld>
             <a:endParaRPr lang="en-US"/>
           </a:p>
@@ -1057,7 +1058,7 @@
           <a:p>
             <a:fld id="{51D87AEE-34D3-4B49-9DD5-3843C8C6A9BA}" type="datetimeFigureOut">
               <a:rPr lang="en-US" smtClean="0"/>
-              <a:t>03/03/15</a:t>
+              <a:t>06/03/15</a:t>
             </a:fld>
             <a:endParaRPr lang="en-US"/>
           </a:p>
@@ -1345,7 +1346,7 @@
           <a:p>
             <a:fld id="{51D87AEE-34D3-4B49-9DD5-3843C8C6A9BA}" type="datetimeFigureOut">
               <a:rPr lang="en-US" smtClean="0"/>
-              <a:t>03/03/15</a:t>
+              <a:t>06/03/15</a:t>
             </a:fld>
             <a:endParaRPr lang="en-US"/>
           </a:p>
@@ -1767,7 +1768,7 @@
           <a:p>
             <a:fld id="{51D87AEE-34D3-4B49-9DD5-3843C8C6A9BA}" type="datetimeFigureOut">
               <a:rPr lang="en-US" smtClean="0"/>
-              <a:t>03/03/15</a:t>
+              <a:t>06/03/15</a:t>
             </a:fld>
             <a:endParaRPr lang="en-US"/>
           </a:p>
@@ -1885,7 +1886,7 @@
           <a:p>
             <a:fld id="{51D87AEE-34D3-4B49-9DD5-3843C8C6A9BA}" type="datetimeFigureOut">
               <a:rPr lang="en-US" smtClean="0"/>
-              <a:t>03/03/15</a:t>
+              <a:t>06/03/15</a:t>
             </a:fld>
             <a:endParaRPr lang="en-US"/>
           </a:p>
@@ -1980,7 +1981,7 @@
           <a:p>
             <a:fld id="{51D87AEE-34D3-4B49-9DD5-3843C8C6A9BA}" type="datetimeFigureOut">
               <a:rPr lang="en-US" smtClean="0"/>
-              <a:t>03/03/15</a:t>
+              <a:t>06/03/15</a:t>
             </a:fld>
             <a:endParaRPr lang="en-US"/>
           </a:p>
@@ -2257,7 +2258,7 @@
           <a:p>
             <a:fld id="{51D87AEE-34D3-4B49-9DD5-3843C8C6A9BA}" type="datetimeFigureOut">
               <a:rPr lang="en-US" smtClean="0"/>
-              <a:t>03/03/15</a:t>
+              <a:t>06/03/15</a:t>
             </a:fld>
             <a:endParaRPr lang="en-US"/>
           </a:p>
@@ -2510,7 +2511,7 @@
           <a:p>
             <a:fld id="{51D87AEE-34D3-4B49-9DD5-3843C8C6A9BA}" type="datetimeFigureOut">
               <a:rPr lang="en-US" smtClean="0"/>
-              <a:t>03/03/15</a:t>
+              <a:t>06/03/15</a:t>
             </a:fld>
             <a:endParaRPr lang="en-US"/>
           </a:p>
@@ -2723,7 +2724,7 @@
           <a:p>
             <a:fld id="{51D87AEE-34D3-4B49-9DD5-3843C8C6A9BA}" type="datetimeFigureOut">
               <a:rPr lang="en-US" smtClean="0"/>
-              <a:t>03/03/15</a:t>
+              <a:t>06/03/15</a:t>
             </a:fld>
             <a:endParaRPr lang="en-US"/>
           </a:p>
@@ -6745,7 +6746,7 @@
           <a:graphicData uri="http://schemas.openxmlformats.org/presentationml/2006/ole">
             <mc:AlternateContent xmlns:mc="http://schemas.openxmlformats.org/markup-compatibility/2006">
               <mc:Choice xmlns:v="urn:schemas-microsoft-com:vml" Requires="v">
-                <p:oleObj spid="_x0000_s1046" name="Equation" r:id="rId3" imgW="203200" imgH="228600" progId="Equation.3">
+                <p:oleObj spid="_x0000_s1098" name="Equation" r:id="rId3" imgW="203200" imgH="228600" progId="Equation.3">
                   <p:embed/>
                 </p:oleObj>
               </mc:Choice>
@@ -6802,7 +6803,7 @@
           <a:graphicData uri="http://schemas.openxmlformats.org/presentationml/2006/ole">
             <mc:AlternateContent xmlns:mc="http://schemas.openxmlformats.org/markup-compatibility/2006">
               <mc:Choice xmlns:v="urn:schemas-microsoft-com:vml" Requires="v">
-                <p:oleObj spid="_x0000_s1047" name="Equation" r:id="rId5" imgW="190500" imgH="228600" progId="Equation.3">
+                <p:oleObj spid="_x0000_s1099" name="Equation" r:id="rId5" imgW="190500" imgH="228600" progId="Equation.3">
                   <p:embed/>
                 </p:oleObj>
               </mc:Choice>
@@ -6859,7 +6860,7 @@
           <a:graphicData uri="http://schemas.openxmlformats.org/presentationml/2006/ole">
             <mc:AlternateContent xmlns:mc="http://schemas.openxmlformats.org/markup-compatibility/2006">
               <mc:Choice xmlns:v="urn:schemas-microsoft-com:vml" Requires="v">
-                <p:oleObj spid="_x0000_s1048" name="Equation" r:id="rId7" imgW="190500" imgH="241300" progId="Equation.3">
+                <p:oleObj spid="_x0000_s1100" name="Equation" r:id="rId7" imgW="190500" imgH="241300" progId="Equation.3">
                   <p:embed/>
                 </p:oleObj>
               </mc:Choice>
@@ -6916,7 +6917,7 @@
           <a:graphicData uri="http://schemas.openxmlformats.org/presentationml/2006/ole">
             <mc:AlternateContent xmlns:mc="http://schemas.openxmlformats.org/markup-compatibility/2006">
               <mc:Choice xmlns:v="urn:schemas-microsoft-com:vml" Requires="v">
-                <p:oleObj spid="_x0000_s1049" name="Equation" r:id="rId9" imgW="203200" imgH="228600" progId="Equation.3">
+                <p:oleObj spid="_x0000_s1101" name="Equation" r:id="rId9" imgW="203200" imgH="228600" progId="Equation.3">
                   <p:embed/>
                 </p:oleObj>
               </mc:Choice>
@@ -6973,7 +6974,7 @@
           <a:graphicData uri="http://schemas.openxmlformats.org/presentationml/2006/ole">
             <mc:AlternateContent xmlns:mc="http://schemas.openxmlformats.org/markup-compatibility/2006">
               <mc:Choice xmlns:v="urn:schemas-microsoft-com:vml" Requires="v">
-                <p:oleObj spid="_x0000_s1050" name="Equation" r:id="rId11" imgW="203200" imgH="241300" progId="Equation.3">
+                <p:oleObj spid="_x0000_s1102" name="Equation" r:id="rId11" imgW="203200" imgH="241300" progId="Equation.3">
                   <p:embed/>
                 </p:oleObj>
               </mc:Choice>
@@ -7505,7 +7506,7 @@
           <a:graphicData uri="http://schemas.openxmlformats.org/presentationml/2006/ole">
             <mc:AlternateContent xmlns:mc="http://schemas.openxmlformats.org/markup-compatibility/2006">
               <mc:Choice xmlns:v="urn:schemas-microsoft-com:vml" Requires="v">
-                <p:oleObj spid="_x0000_s1051" name="Equation" r:id="rId13" imgW="266700" imgH="228600" progId="Equation.3">
+                <p:oleObj spid="_x0000_s1103" name="Equation" r:id="rId13" imgW="266700" imgH="228600" progId="Equation.3">
                   <p:embed/>
                 </p:oleObj>
               </mc:Choice>
@@ -7562,7 +7563,7 @@
           <a:graphicData uri="http://schemas.openxmlformats.org/presentationml/2006/ole">
             <mc:AlternateContent xmlns:mc="http://schemas.openxmlformats.org/markup-compatibility/2006">
               <mc:Choice xmlns:v="urn:schemas-microsoft-com:vml" Requires="v">
-                <p:oleObj spid="_x0000_s1052" name="Equation" r:id="rId15" imgW="266700" imgH="228600" progId="Equation.3">
+                <p:oleObj spid="_x0000_s1104" name="Equation" r:id="rId15" imgW="266700" imgH="228600" progId="Equation.3">
                   <p:embed/>
                 </p:oleObj>
               </mc:Choice>
@@ -7619,7 +7620,7 @@
           <a:graphicData uri="http://schemas.openxmlformats.org/presentationml/2006/ole">
             <mc:AlternateContent xmlns:mc="http://schemas.openxmlformats.org/markup-compatibility/2006">
               <mc:Choice xmlns:v="urn:schemas-microsoft-com:vml" Requires="v">
-                <p:oleObj spid="_x0000_s1053" name="Equation" r:id="rId17" imgW="266700" imgH="241300" progId="Equation.3">
+                <p:oleObj spid="_x0000_s1105" name="Equation" r:id="rId17" imgW="266700" imgH="241300" progId="Equation.3">
                   <p:embed/>
                 </p:oleObj>
               </mc:Choice>
@@ -7676,7 +7677,7 @@
           <a:graphicData uri="http://schemas.openxmlformats.org/presentationml/2006/ole">
             <mc:AlternateContent xmlns:mc="http://schemas.openxmlformats.org/markup-compatibility/2006">
               <mc:Choice xmlns:v="urn:schemas-microsoft-com:vml" Requires="v">
-                <p:oleObj spid="_x0000_s1054" name="Equation" r:id="rId19" imgW="266700" imgH="228600" progId="Equation.3">
+                <p:oleObj spid="_x0000_s1106" name="Equation" r:id="rId19" imgW="266700" imgH="228600" progId="Equation.3">
                   <p:embed/>
                 </p:oleObj>
               </mc:Choice>
@@ -7733,7 +7734,7 @@
           <a:graphicData uri="http://schemas.openxmlformats.org/presentationml/2006/ole">
             <mc:AlternateContent xmlns:mc="http://schemas.openxmlformats.org/markup-compatibility/2006">
               <mc:Choice xmlns:v="urn:schemas-microsoft-com:vml" Requires="v">
-                <p:oleObj spid="_x0000_s1055" name="Equation" r:id="rId21" imgW="266700" imgH="241300" progId="Equation.3">
+                <p:oleObj spid="_x0000_s1107" name="Equation" r:id="rId21" imgW="266700" imgH="241300" progId="Equation.3">
                   <p:embed/>
                 </p:oleObj>
               </mc:Choice>
@@ -7812,6 +7813,664 @@
     <p:extLst>
       <p:ext uri="{BB962C8B-B14F-4D97-AF65-F5344CB8AC3E}">
         <p14:creationId xmlns:p14="http://schemas.microsoft.com/office/powerpoint/2010/main" val="116950370"/>
+      </p:ext>
+    </p:extLst>
+  </p:cSld>
+  <p:clrMapOvr>
+    <a:masterClrMapping/>
+  </p:clrMapOvr>
+  <p:timing>
+    <p:tnLst>
+      <p:par>
+        <p:cTn xmlns:p14="http://schemas.microsoft.com/office/powerpoint/2010/main" id="1" dur="indefinite" restart="never" nodeType="tmRoot"/>
+      </p:par>
+    </p:tnLst>
+  </p:timing>
+</p:sld>
+</file>
+
+<file path=ppt/slides/slide5.xml><?xml version="1.0" encoding="utf-8"?>
+<p:sld xmlns:a="http://schemas.openxmlformats.org/drawingml/2006/main" xmlns:r="http://schemas.openxmlformats.org/officeDocument/2006/relationships" xmlns:p="http://schemas.openxmlformats.org/presentationml/2006/main">
+  <p:cSld>
+    <p:spTree>
+      <p:nvGrpSpPr>
+        <p:cNvPr id="1" name=""/>
+        <p:cNvGrpSpPr/>
+        <p:nvPr/>
+      </p:nvGrpSpPr>
+      <p:grpSpPr>
+        <a:xfrm>
+          <a:off x="0" y="0"/>
+          <a:ext cx="0" cy="0"/>
+          <a:chOff x="0" y="0"/>
+          <a:chExt cx="0" cy="0"/>
+        </a:xfrm>
+      </p:grpSpPr>
+      <p:sp>
+        <p:nvSpPr>
+          <p:cNvPr id="53" name="Rounded Rectangle 52"/>
+          <p:cNvSpPr/>
+          <p:nvPr/>
+        </p:nvSpPr>
+        <p:spPr>
+          <a:xfrm>
+            <a:off x="5270476" y="5070150"/>
+            <a:ext cx="1622068" cy="645090"/>
+          </a:xfrm>
+          <a:prstGeom prst="roundRect">
+            <a:avLst/>
+          </a:prstGeom>
+          <a:ln w="12700" cmpd="sng">
+            <a:solidFill>
+              <a:schemeClr val="tx1"/>
+            </a:solidFill>
+          </a:ln>
+        </p:spPr>
+        <p:style>
+          <a:lnRef idx="1">
+            <a:schemeClr val="accent1"/>
+          </a:lnRef>
+          <a:fillRef idx="3">
+            <a:schemeClr val="accent1"/>
+          </a:fillRef>
+          <a:effectRef idx="2">
+            <a:schemeClr val="accent1"/>
+          </a:effectRef>
+          <a:fontRef idx="minor">
+            <a:schemeClr val="lt1"/>
+          </a:fontRef>
+        </p:style>
+        <p:txBody>
+          <a:bodyPr rtlCol="0" anchor="ctr"/>
+          <a:lstStyle/>
+          <a:p>
+            <a:pPr algn="ctr"/>
+            <a:r>
+              <a:rPr lang="en-US" dirty="0" smtClean="0">
+                <a:solidFill>
+                  <a:schemeClr val="tx1"/>
+                </a:solidFill>
+              </a:rPr>
+              <a:t>DataStream</a:t>
+            </a:r>
+            <a:endParaRPr lang="en-US" dirty="0">
+              <a:solidFill>
+                <a:schemeClr val="tx1"/>
+              </a:solidFill>
+            </a:endParaRPr>
+          </a:p>
+        </p:txBody>
+      </p:sp>
+      <p:sp>
+        <p:nvSpPr>
+          <p:cNvPr id="55" name="Rounded Rectangle 54"/>
+          <p:cNvSpPr/>
+          <p:nvPr/>
+        </p:nvSpPr>
+        <p:spPr>
+          <a:xfrm>
+            <a:off x="3021004" y="3644646"/>
+            <a:ext cx="2253497" cy="612000"/>
+          </a:xfrm>
+          <a:prstGeom prst="roundRect">
+            <a:avLst/>
+          </a:prstGeom>
+          <a:ln w="12700" cmpd="sng">
+            <a:solidFill>
+              <a:schemeClr val="tx1"/>
+            </a:solidFill>
+          </a:ln>
+        </p:spPr>
+        <p:style>
+          <a:lnRef idx="1">
+            <a:schemeClr val="accent1"/>
+          </a:lnRef>
+          <a:fillRef idx="3">
+            <a:schemeClr val="accent1"/>
+          </a:fillRef>
+          <a:effectRef idx="2">
+            <a:schemeClr val="accent1"/>
+          </a:effectRef>
+          <a:fontRef idx="minor">
+            <a:schemeClr val="lt1"/>
+          </a:fontRef>
+        </p:style>
+        <p:txBody>
+          <a:bodyPr rtlCol="0" anchor="ctr"/>
+          <a:lstStyle/>
+          <a:p>
+            <a:pPr algn="ctr"/>
+            <a:r>
+              <a:rPr lang="en-US" sz="1600" dirty="0" smtClean="0">
+                <a:solidFill>
+                  <a:schemeClr val="tx1"/>
+                </a:solidFill>
+              </a:rPr>
+              <a:t>DataInstance</a:t>
+            </a:r>
+            <a:endParaRPr lang="en-US" sz="1600" dirty="0">
+              <a:solidFill>
+                <a:schemeClr val="tx1"/>
+              </a:solidFill>
+            </a:endParaRPr>
+          </a:p>
+        </p:txBody>
+      </p:sp>
+      <p:sp>
+        <p:nvSpPr>
+          <p:cNvPr id="62" name="Rectangle 61"/>
+          <p:cNvSpPr/>
+          <p:nvPr/>
+        </p:nvSpPr>
+        <p:spPr>
+          <a:xfrm>
+            <a:off x="3021004" y="1035994"/>
+            <a:ext cx="1619998" cy="647999"/>
+          </a:xfrm>
+          <a:prstGeom prst="rect">
+            <a:avLst/>
+          </a:prstGeom>
+          <a:ln w="28575" cmpd="sng">
+            <a:solidFill>
+              <a:schemeClr val="tx1"/>
+            </a:solidFill>
+          </a:ln>
+        </p:spPr>
+        <p:style>
+          <a:lnRef idx="1">
+            <a:schemeClr val="accent1"/>
+          </a:lnRef>
+          <a:fillRef idx="3">
+            <a:schemeClr val="accent1"/>
+          </a:fillRef>
+          <a:effectRef idx="2">
+            <a:schemeClr val="accent1"/>
+          </a:effectRef>
+          <a:fontRef idx="minor">
+            <a:schemeClr val="lt1"/>
+          </a:fontRef>
+        </p:style>
+        <p:txBody>
+          <a:bodyPr rtlCol="0" anchor="ctr"/>
+          <a:lstStyle/>
+          <a:p>
+            <a:pPr algn="ctr"/>
+            <a:r>
+              <a:rPr lang="en-US" sz="1600" dirty="0">
+                <a:solidFill>
+                  <a:schemeClr val="tx1"/>
+                </a:solidFill>
+              </a:rPr>
+              <a:t>PGM</a:t>
+            </a:r>
+          </a:p>
+        </p:txBody>
+      </p:sp>
+      <p:sp>
+        <p:nvSpPr>
+          <p:cNvPr id="59" name="Rectangle 58"/>
+          <p:cNvSpPr/>
+          <p:nvPr/>
+        </p:nvSpPr>
+        <p:spPr>
+          <a:xfrm>
+            <a:off x="5277655" y="1881541"/>
+            <a:ext cx="1619998" cy="719998"/>
+          </a:xfrm>
+          <a:prstGeom prst="rect">
+            <a:avLst/>
+          </a:prstGeom>
+          <a:ln w="28575" cmpd="sng">
+            <a:solidFill>
+              <a:schemeClr val="tx1"/>
+            </a:solidFill>
+          </a:ln>
+        </p:spPr>
+        <p:style>
+          <a:lnRef idx="1">
+            <a:schemeClr val="accent1"/>
+          </a:lnRef>
+          <a:fillRef idx="3">
+            <a:schemeClr val="accent1"/>
+          </a:fillRef>
+          <a:effectRef idx="2">
+            <a:schemeClr val="accent1"/>
+          </a:effectRef>
+          <a:fontRef idx="minor">
+            <a:schemeClr val="lt1"/>
+          </a:fontRef>
+        </p:style>
+        <p:txBody>
+          <a:bodyPr rtlCol="0" anchor="ctr"/>
+          <a:lstStyle/>
+          <a:p>
+            <a:pPr algn="ctr"/>
+            <a:r>
+              <a:rPr lang="en-US" sz="1600" dirty="0">
+                <a:solidFill>
+                  <a:schemeClr val="tx1"/>
+                </a:solidFill>
+              </a:rPr>
+              <a:t>Inference </a:t>
+            </a:r>
+            <a:r>
+              <a:rPr lang="en-US" sz="1600" dirty="0" smtClean="0">
+                <a:solidFill>
+                  <a:schemeClr val="tx1"/>
+                </a:solidFill>
+              </a:rPr>
+              <a:t>Engine</a:t>
+            </a:r>
+            <a:endParaRPr lang="en-US" sz="1600" dirty="0">
+              <a:solidFill>
+                <a:schemeClr val="tx1"/>
+              </a:solidFill>
+            </a:endParaRPr>
+          </a:p>
+        </p:txBody>
+      </p:sp>
+      <p:sp>
+        <p:nvSpPr>
+          <p:cNvPr id="64" name="Rectangle 63"/>
+          <p:cNvSpPr/>
+          <p:nvPr/>
+        </p:nvSpPr>
+        <p:spPr>
+          <a:xfrm>
+            <a:off x="755035" y="1901852"/>
+            <a:ext cx="1620000" cy="719998"/>
+          </a:xfrm>
+          <a:prstGeom prst="rect">
+            <a:avLst/>
+          </a:prstGeom>
+          <a:ln w="28575" cmpd="sng">
+            <a:solidFill>
+              <a:schemeClr val="tx1"/>
+            </a:solidFill>
+          </a:ln>
+        </p:spPr>
+        <p:style>
+          <a:lnRef idx="1">
+            <a:schemeClr val="accent1"/>
+          </a:lnRef>
+          <a:fillRef idx="3">
+            <a:schemeClr val="accent1"/>
+          </a:fillRef>
+          <a:effectRef idx="2">
+            <a:schemeClr val="accent1"/>
+          </a:effectRef>
+          <a:fontRef idx="minor">
+            <a:schemeClr val="lt1"/>
+          </a:fontRef>
+        </p:style>
+        <p:txBody>
+          <a:bodyPr rtlCol="0" anchor="ctr"/>
+          <a:lstStyle/>
+          <a:p>
+            <a:pPr algn="ctr"/>
+            <a:r>
+              <a:rPr lang="en-US" sz="1600" dirty="0" smtClean="0">
+                <a:solidFill>
+                  <a:schemeClr val="tx1"/>
+                </a:solidFill>
+              </a:rPr>
+              <a:t>Learning Engine</a:t>
+            </a:r>
+            <a:endParaRPr lang="en-US" sz="1600" dirty="0">
+              <a:solidFill>
+                <a:schemeClr val="tx1"/>
+              </a:solidFill>
+            </a:endParaRPr>
+          </a:p>
+        </p:txBody>
+      </p:sp>
+      <p:sp>
+        <p:nvSpPr>
+          <p:cNvPr id="65" name="Rounded Rectangle 64"/>
+          <p:cNvSpPr/>
+          <p:nvPr/>
+        </p:nvSpPr>
+        <p:spPr>
+          <a:xfrm>
+            <a:off x="6591691" y="3632160"/>
+            <a:ext cx="2051997" cy="648000"/>
+          </a:xfrm>
+          <a:prstGeom prst="roundRect">
+            <a:avLst/>
+          </a:prstGeom>
+          <a:ln w="12700" cmpd="sng">
+            <a:solidFill>
+              <a:schemeClr val="tx1"/>
+            </a:solidFill>
+          </a:ln>
+        </p:spPr>
+        <p:style>
+          <a:lnRef idx="1">
+            <a:schemeClr val="accent1"/>
+          </a:lnRef>
+          <a:fillRef idx="3">
+            <a:schemeClr val="accent1"/>
+          </a:fillRef>
+          <a:effectRef idx="2">
+            <a:schemeClr val="accent1"/>
+          </a:effectRef>
+          <a:fontRef idx="minor">
+            <a:schemeClr val="lt1"/>
+          </a:fontRef>
+        </p:style>
+        <p:txBody>
+          <a:bodyPr rtlCol="0" anchor="ctr"/>
+          <a:lstStyle/>
+          <a:p>
+            <a:pPr algn="ctr"/>
+            <a:r>
+              <a:rPr lang="en-US" sz="1600" dirty="0" smtClean="0">
+                <a:solidFill>
+                  <a:schemeClr val="tx1"/>
+                </a:solidFill>
+              </a:rPr>
+              <a:t>DynamicDataInstance</a:t>
+            </a:r>
+            <a:endParaRPr lang="en-US" sz="1600" dirty="0">
+              <a:solidFill>
+                <a:schemeClr val="tx1"/>
+              </a:solidFill>
+            </a:endParaRPr>
+          </a:p>
+        </p:txBody>
+      </p:sp>
+      <p:cxnSp>
+        <p:nvCxnSpPr>
+          <p:cNvPr id="66" name="Elbow Connector 65"/>
+          <p:cNvCxnSpPr/>
+          <p:nvPr/>
+        </p:nvCxnSpPr>
+        <p:spPr>
+          <a:xfrm>
+            <a:off x="4641527" y="1287678"/>
+            <a:ext cx="1439983" cy="575996"/>
+          </a:xfrm>
+          <a:prstGeom prst="bentConnector3">
+            <a:avLst>
+              <a:gd name="adj1" fmla="val 100320"/>
+            </a:avLst>
+          </a:prstGeom>
+          <a:ln w="22225" cmpd="sng">
+            <a:headEnd type="oval" w="med" len="med"/>
+            <a:tailEnd type="none" w="lg" len="lg"/>
+          </a:ln>
+        </p:spPr>
+        <p:style>
+          <a:lnRef idx="2">
+            <a:schemeClr val="dk1"/>
+          </a:lnRef>
+          <a:fillRef idx="0">
+            <a:schemeClr val="dk1"/>
+          </a:fillRef>
+          <a:effectRef idx="1">
+            <a:schemeClr val="dk1"/>
+          </a:effectRef>
+          <a:fontRef idx="minor">
+            <a:schemeClr val="tx1"/>
+          </a:fontRef>
+        </p:style>
+      </p:cxnSp>
+      <p:cxnSp>
+        <p:nvCxnSpPr>
+          <p:cNvPr id="67" name="Elbow Connector 66"/>
+          <p:cNvCxnSpPr>
+            <a:stCxn id="64" idx="2"/>
+            <a:endCxn id="53" idx="1"/>
+          </p:cNvCxnSpPr>
+          <p:nvPr/>
+        </p:nvCxnSpPr>
+        <p:spPr>
+          <a:xfrm rot="16200000" flipH="1">
+            <a:off x="2032333" y="2154551"/>
+            <a:ext cx="2770845" cy="3705441"/>
+          </a:xfrm>
+          <a:prstGeom prst="bentConnector2">
+            <a:avLst/>
+          </a:prstGeom>
+          <a:ln w="22225" cmpd="sng">
+            <a:headEnd type="oval" w="med" len="med"/>
+            <a:tailEnd type="none" w="lg" len="lg"/>
+          </a:ln>
+        </p:spPr>
+        <p:style>
+          <a:lnRef idx="2">
+            <a:schemeClr val="dk1"/>
+          </a:lnRef>
+          <a:fillRef idx="0">
+            <a:schemeClr val="dk1"/>
+          </a:fillRef>
+          <a:effectRef idx="1">
+            <a:schemeClr val="dk1"/>
+          </a:effectRef>
+          <a:fontRef idx="minor">
+            <a:schemeClr val="tx1"/>
+          </a:fontRef>
+        </p:style>
+      </p:cxnSp>
+      <p:cxnSp>
+        <p:nvCxnSpPr>
+          <p:cNvPr id="69" name="Elbow Connector 68"/>
+          <p:cNvCxnSpPr/>
+          <p:nvPr/>
+        </p:nvCxnSpPr>
+        <p:spPr>
+          <a:xfrm rot="10800000" flipV="1">
+            <a:off x="1582802" y="1317068"/>
+            <a:ext cx="1438203" cy="575993"/>
+          </a:xfrm>
+          <a:prstGeom prst="bentConnector2">
+            <a:avLst/>
+          </a:prstGeom>
+          <a:ln w="22225" cmpd="sng">
+            <a:headEnd type="oval" w="med" len="med"/>
+            <a:tailEnd type="none" w="lg" len="lg"/>
+          </a:ln>
+        </p:spPr>
+        <p:style>
+          <a:lnRef idx="2">
+            <a:schemeClr val="dk1"/>
+          </a:lnRef>
+          <a:fillRef idx="0">
+            <a:schemeClr val="dk1"/>
+          </a:fillRef>
+          <a:effectRef idx="1">
+            <a:schemeClr val="dk1"/>
+          </a:effectRef>
+          <a:fontRef idx="minor">
+            <a:schemeClr val="tx1"/>
+          </a:fontRef>
+        </p:style>
+      </p:cxnSp>
+      <p:cxnSp>
+        <p:nvCxnSpPr>
+          <p:cNvPr id="70" name="Elbow Connector 69"/>
+          <p:cNvCxnSpPr/>
+          <p:nvPr/>
+        </p:nvCxnSpPr>
+        <p:spPr>
+          <a:xfrm rot="5400000" flipH="1" flipV="1">
+            <a:off x="4773661" y="2305861"/>
+            <a:ext cx="1007990" cy="1619998"/>
+          </a:xfrm>
+          <a:prstGeom prst="bentConnector3">
+            <a:avLst>
+              <a:gd name="adj1" fmla="val 50000"/>
+            </a:avLst>
+          </a:prstGeom>
+          <a:ln w="22225" cmpd="sng">
+            <a:headEnd type="oval" w="med" len="med"/>
+            <a:tailEnd type="none" w="lg" len="lg"/>
+          </a:ln>
+        </p:spPr>
+        <p:style>
+          <a:lnRef idx="2">
+            <a:schemeClr val="dk1"/>
+          </a:lnRef>
+          <a:fillRef idx="0">
+            <a:schemeClr val="dk1"/>
+          </a:fillRef>
+          <a:effectRef idx="1">
+            <a:schemeClr val="dk1"/>
+          </a:effectRef>
+          <a:fontRef idx="minor">
+            <a:schemeClr val="tx1"/>
+          </a:fontRef>
+        </p:style>
+      </p:cxnSp>
+      <p:cxnSp>
+        <p:nvCxnSpPr>
+          <p:cNvPr id="78" name="Elbow Connector 77"/>
+          <p:cNvCxnSpPr>
+            <a:stCxn id="65" idx="1"/>
+            <a:endCxn id="55" idx="3"/>
+          </p:cNvCxnSpPr>
+          <p:nvPr/>
+        </p:nvCxnSpPr>
+        <p:spPr>
+          <a:xfrm rot="10800000">
+            <a:off x="5274501" y="3956160"/>
+            <a:ext cx="1317190" cy="0"/>
+          </a:xfrm>
+          <a:prstGeom prst="bentConnector3">
+            <a:avLst>
+              <a:gd name="adj1" fmla="val 50000"/>
+            </a:avLst>
+          </a:prstGeom>
+          <a:ln w="22225" cmpd="sng">
+            <a:solidFill>
+              <a:srgbClr val="882E2E"/>
+            </a:solidFill>
+            <a:tailEnd type="arrow"/>
+          </a:ln>
+        </p:spPr>
+        <p:style>
+          <a:lnRef idx="2">
+            <a:schemeClr val="accent1"/>
+          </a:lnRef>
+          <a:fillRef idx="0">
+            <a:schemeClr val="accent1"/>
+          </a:fillRef>
+          <a:effectRef idx="1">
+            <a:schemeClr val="accent1"/>
+          </a:effectRef>
+          <a:fontRef idx="minor">
+            <a:schemeClr val="tx1"/>
+          </a:fontRef>
+        </p:style>
+      </p:cxnSp>
+      <p:cxnSp>
+        <p:nvCxnSpPr>
+          <p:cNvPr id="84" name="Elbow Connector 83"/>
+          <p:cNvCxnSpPr/>
+          <p:nvPr/>
+        </p:nvCxnSpPr>
+        <p:spPr>
+          <a:xfrm rot="16200000" flipV="1">
+            <a:off x="6560673" y="2649934"/>
+            <a:ext cx="503996" cy="1438806"/>
+          </a:xfrm>
+          <a:prstGeom prst="bentConnector2">
+            <a:avLst/>
+          </a:prstGeom>
+          <a:ln w="22225" cmpd="sng">
+            <a:headEnd type="oval" w="med" len="med"/>
+            <a:tailEnd type="none" w="lg" len="lg"/>
+          </a:ln>
+        </p:spPr>
+        <p:style>
+          <a:lnRef idx="2">
+            <a:schemeClr val="dk1"/>
+          </a:lnRef>
+          <a:fillRef idx="0">
+            <a:schemeClr val="dk1"/>
+          </a:fillRef>
+          <a:effectRef idx="1">
+            <a:schemeClr val="dk1"/>
+          </a:effectRef>
+          <a:fontRef idx="minor">
+            <a:schemeClr val="tx1"/>
+          </a:fontRef>
+        </p:style>
+      </p:cxnSp>
+      <p:cxnSp>
+        <p:nvCxnSpPr>
+          <p:cNvPr id="85" name="Elbow Connector 84"/>
+          <p:cNvCxnSpPr/>
+          <p:nvPr/>
+        </p:nvCxnSpPr>
+        <p:spPr>
+          <a:xfrm rot="5400000" flipH="1" flipV="1">
+            <a:off x="6408666" y="3958123"/>
+            <a:ext cx="755995" cy="1403998"/>
+          </a:xfrm>
+          <a:prstGeom prst="bentConnector3">
+            <a:avLst>
+              <a:gd name="adj1" fmla="val 50000"/>
+            </a:avLst>
+          </a:prstGeom>
+          <a:ln w="22225" cmpd="sng">
+            <a:headEnd type="oval" w="med" len="med"/>
+            <a:tailEnd type="none" w="lg" len="lg"/>
+          </a:ln>
+        </p:spPr>
+        <p:style>
+          <a:lnRef idx="2">
+            <a:schemeClr val="dk1"/>
+          </a:lnRef>
+          <a:fillRef idx="0">
+            <a:schemeClr val="dk1"/>
+          </a:fillRef>
+          <a:effectRef idx="1">
+            <a:schemeClr val="dk1"/>
+          </a:effectRef>
+          <a:fontRef idx="minor">
+            <a:schemeClr val="tx1"/>
+          </a:fontRef>
+        </p:style>
+      </p:cxnSp>
+      <p:cxnSp>
+        <p:nvCxnSpPr>
+          <p:cNvPr id="91" name="Elbow Connector 90"/>
+          <p:cNvCxnSpPr/>
+          <p:nvPr/>
+        </p:nvCxnSpPr>
+        <p:spPr>
+          <a:xfrm rot="16200000" flipH="1">
+            <a:off x="5087614" y="3656014"/>
+            <a:ext cx="381507" cy="1629801"/>
+          </a:xfrm>
+          <a:prstGeom prst="bentConnector2">
+            <a:avLst/>
+          </a:prstGeom>
+          <a:ln w="22225" cmpd="sng">
+            <a:headEnd type="none" w="med" len="med"/>
+            <a:tailEnd type="none" w="lg" len="lg"/>
+          </a:ln>
+        </p:spPr>
+        <p:style>
+          <a:lnRef idx="2">
+            <a:schemeClr val="dk1"/>
+          </a:lnRef>
+          <a:fillRef idx="0">
+            <a:schemeClr val="dk1"/>
+          </a:fillRef>
+          <a:effectRef idx="1">
+            <a:schemeClr val="dk1"/>
+          </a:effectRef>
+          <a:fontRef idx="minor">
+            <a:schemeClr val="tx1"/>
+          </a:fontRef>
+        </p:style>
+      </p:cxnSp>
+    </p:spTree>
+    <p:extLst>
+      <p:ext uri="{BB962C8B-B14F-4D97-AF65-F5344CB8AC3E}">
+        <p14:creationId xmlns:p14="http://schemas.microsoft.com/office/powerpoint/2010/main" val="2021824236"/>
       </p:ext>
     </p:extLst>
   </p:cSld>

--- a/doc/D2.3_SoftwareLibraryImplementation/figures/Figures Software Library Delivrable 2.3.pptx
+++ b/doc/D2.3_SoftwareLibraryImplementation/figures/Figures Software Library Delivrable 2.3.pptx
@@ -4,12 +4,17 @@
   <p:sldMasterIdLst>
     <p:sldMasterId id="2147483648" r:id="rId1"/>
   </p:sldMasterIdLst>
+  <p:notesMasterIdLst>
+    <p:notesMasterId r:id="rId9"/>
+  </p:notesMasterIdLst>
   <p:sldIdLst>
     <p:sldId id="259" r:id="rId2"/>
     <p:sldId id="263" r:id="rId3"/>
     <p:sldId id="264" r:id="rId4"/>
     <p:sldId id="266" r:id="rId5"/>
     <p:sldId id="267" r:id="rId6"/>
+    <p:sldId id="268" r:id="rId7"/>
+    <p:sldId id="269" r:id="rId8"/>
   </p:sldIdLst>
   <p:sldSz cx="9144000" cy="6858000" type="screen4x3"/>
   <p:notesSz cx="6858000" cy="9144000"/>
@@ -111,6 +116,440 @@
 </p:presentation>
 </file>
 
+<file path=ppt/notesMasters/notesMaster1.xml><?xml version="1.0" encoding="utf-8"?>
+<p:notesMaster xmlns:a="http://schemas.openxmlformats.org/drawingml/2006/main" xmlns:r="http://schemas.openxmlformats.org/officeDocument/2006/relationships" xmlns:p="http://schemas.openxmlformats.org/presentationml/2006/main">
+  <p:cSld>
+    <p:bg>
+      <p:bgRef idx="1001">
+        <a:schemeClr val="bg1"/>
+      </p:bgRef>
+    </p:bg>
+    <p:spTree>
+      <p:nvGrpSpPr>
+        <p:cNvPr id="1" name=""/>
+        <p:cNvGrpSpPr/>
+        <p:nvPr/>
+      </p:nvGrpSpPr>
+      <p:grpSpPr>
+        <a:xfrm>
+          <a:off x="0" y="0"/>
+          <a:ext cx="0" cy="0"/>
+          <a:chOff x="0" y="0"/>
+          <a:chExt cx="0" cy="0"/>
+        </a:xfrm>
+      </p:grpSpPr>
+      <p:sp>
+        <p:nvSpPr>
+          <p:cNvPr id="2" name="Header Placeholder 1"/>
+          <p:cNvSpPr>
+            <a:spLocks noGrp="1"/>
+          </p:cNvSpPr>
+          <p:nvPr>
+            <p:ph type="hdr" sz="quarter"/>
+          </p:nvPr>
+        </p:nvSpPr>
+        <p:spPr>
+          <a:xfrm>
+            <a:off x="0" y="0"/>
+            <a:ext cx="2971800" cy="457200"/>
+          </a:xfrm>
+          <a:prstGeom prst="rect">
+            <a:avLst/>
+          </a:prstGeom>
+        </p:spPr>
+        <p:txBody>
+          <a:bodyPr vert="horz" lIns="91440" tIns="45720" rIns="91440" bIns="45720" rtlCol="0"/>
+          <a:lstStyle>
+            <a:lvl1pPr algn="l">
+              <a:defRPr sz="1200"/>
+            </a:lvl1pPr>
+          </a:lstStyle>
+          <a:p>
+            <a:endParaRPr lang="en-US"/>
+          </a:p>
+        </p:txBody>
+      </p:sp>
+      <p:sp>
+        <p:nvSpPr>
+          <p:cNvPr id="3" name="Date Placeholder 2"/>
+          <p:cNvSpPr>
+            <a:spLocks noGrp="1"/>
+          </p:cNvSpPr>
+          <p:nvPr>
+            <p:ph type="dt" idx="1"/>
+          </p:nvPr>
+        </p:nvSpPr>
+        <p:spPr>
+          <a:xfrm>
+            <a:off x="3884613" y="0"/>
+            <a:ext cx="2971800" cy="457200"/>
+          </a:xfrm>
+          <a:prstGeom prst="rect">
+            <a:avLst/>
+          </a:prstGeom>
+        </p:spPr>
+        <p:txBody>
+          <a:bodyPr vert="horz" lIns="91440" tIns="45720" rIns="91440" bIns="45720" rtlCol="0"/>
+          <a:lstStyle>
+            <a:lvl1pPr algn="r">
+              <a:defRPr sz="1200"/>
+            </a:lvl1pPr>
+          </a:lstStyle>
+          <a:p>
+            <a:fld id="{F0FC2CAC-F828-E34E-9CD7-C3A5166B188F}" type="datetimeFigureOut">
+              <a:rPr lang="en-US" smtClean="0"/>
+              <a:t>16/03/15</a:t>
+            </a:fld>
+            <a:endParaRPr lang="en-US"/>
+          </a:p>
+        </p:txBody>
+      </p:sp>
+      <p:sp>
+        <p:nvSpPr>
+          <p:cNvPr id="4" name="Slide Image Placeholder 3"/>
+          <p:cNvSpPr>
+            <a:spLocks noGrp="1" noRot="1" noChangeAspect="1"/>
+          </p:cNvSpPr>
+          <p:nvPr>
+            <p:ph type="sldImg" idx="2"/>
+          </p:nvPr>
+        </p:nvSpPr>
+        <p:spPr>
+          <a:xfrm>
+            <a:off x="1143000" y="685800"/>
+            <a:ext cx="4572000" cy="3429000"/>
+          </a:xfrm>
+          <a:prstGeom prst="rect">
+            <a:avLst/>
+          </a:prstGeom>
+          <a:noFill/>
+          <a:ln w="12700">
+            <a:solidFill>
+              <a:prstClr val="black"/>
+            </a:solidFill>
+          </a:ln>
+        </p:spPr>
+        <p:txBody>
+          <a:bodyPr vert="horz" lIns="91440" tIns="45720" rIns="91440" bIns="45720" rtlCol="0" anchor="ctr"/>
+          <a:lstStyle/>
+          <a:p>
+            <a:endParaRPr lang="en-US"/>
+          </a:p>
+        </p:txBody>
+      </p:sp>
+      <p:sp>
+        <p:nvSpPr>
+          <p:cNvPr id="5" name="Notes Placeholder 4"/>
+          <p:cNvSpPr>
+            <a:spLocks noGrp="1"/>
+          </p:cNvSpPr>
+          <p:nvPr>
+            <p:ph type="body" sz="quarter" idx="3"/>
+          </p:nvPr>
+        </p:nvSpPr>
+        <p:spPr>
+          <a:xfrm>
+            <a:off x="685800" y="4343400"/>
+            <a:ext cx="5486400" cy="4114800"/>
+          </a:xfrm>
+          <a:prstGeom prst="rect">
+            <a:avLst/>
+          </a:prstGeom>
+        </p:spPr>
+        <p:txBody>
+          <a:bodyPr vert="horz" lIns="91440" tIns="45720" rIns="91440" bIns="45720" rtlCol="0"/>
+          <a:lstStyle/>
+          <a:p>
+            <a:pPr lvl="0"/>
+            <a:r>
+              <a:rPr lang="en-US" smtClean="0"/>
+              <a:t>Click to edit Master text styles</a:t>
+            </a:r>
+          </a:p>
+          <a:p>
+            <a:pPr lvl="1"/>
+            <a:r>
+              <a:rPr lang="en-US" smtClean="0"/>
+              <a:t>Second level</a:t>
+            </a:r>
+          </a:p>
+          <a:p>
+            <a:pPr lvl="2"/>
+            <a:r>
+              <a:rPr lang="en-US" smtClean="0"/>
+              <a:t>Third level</a:t>
+            </a:r>
+          </a:p>
+          <a:p>
+            <a:pPr lvl="3"/>
+            <a:r>
+              <a:rPr lang="en-US" smtClean="0"/>
+              <a:t>Fourth level</a:t>
+            </a:r>
+          </a:p>
+          <a:p>
+            <a:pPr lvl="4"/>
+            <a:r>
+              <a:rPr lang="en-US" smtClean="0"/>
+              <a:t>Fifth level</a:t>
+            </a:r>
+            <a:endParaRPr lang="en-US"/>
+          </a:p>
+        </p:txBody>
+      </p:sp>
+      <p:sp>
+        <p:nvSpPr>
+          <p:cNvPr id="6" name="Footer Placeholder 5"/>
+          <p:cNvSpPr>
+            <a:spLocks noGrp="1"/>
+          </p:cNvSpPr>
+          <p:nvPr>
+            <p:ph type="ftr" sz="quarter" idx="4"/>
+          </p:nvPr>
+        </p:nvSpPr>
+        <p:spPr>
+          <a:xfrm>
+            <a:off x="0" y="8685213"/>
+            <a:ext cx="2971800" cy="457200"/>
+          </a:xfrm>
+          <a:prstGeom prst="rect">
+            <a:avLst/>
+          </a:prstGeom>
+        </p:spPr>
+        <p:txBody>
+          <a:bodyPr vert="horz" lIns="91440" tIns="45720" rIns="91440" bIns="45720" rtlCol="0" anchor="b"/>
+          <a:lstStyle>
+            <a:lvl1pPr algn="l">
+              <a:defRPr sz="1200"/>
+            </a:lvl1pPr>
+          </a:lstStyle>
+          <a:p>
+            <a:endParaRPr lang="en-US"/>
+          </a:p>
+        </p:txBody>
+      </p:sp>
+      <p:sp>
+        <p:nvSpPr>
+          <p:cNvPr id="7" name="Slide Number Placeholder 6"/>
+          <p:cNvSpPr>
+            <a:spLocks noGrp="1"/>
+          </p:cNvSpPr>
+          <p:nvPr>
+            <p:ph type="sldNum" sz="quarter" idx="5"/>
+          </p:nvPr>
+        </p:nvSpPr>
+        <p:spPr>
+          <a:xfrm>
+            <a:off x="3884613" y="8685213"/>
+            <a:ext cx="2971800" cy="457200"/>
+          </a:xfrm>
+          <a:prstGeom prst="rect">
+            <a:avLst/>
+          </a:prstGeom>
+        </p:spPr>
+        <p:txBody>
+          <a:bodyPr vert="horz" lIns="91440" tIns="45720" rIns="91440" bIns="45720" rtlCol="0" anchor="b"/>
+          <a:lstStyle>
+            <a:lvl1pPr algn="r">
+              <a:defRPr sz="1200"/>
+            </a:lvl1pPr>
+          </a:lstStyle>
+          <a:p>
+            <a:fld id="{FCE09C36-4E0C-6143-96FA-D5A3B9810761}" type="slidenum">
+              <a:rPr lang="en-US" smtClean="0"/>
+              <a:t>‹#›</a:t>
+            </a:fld>
+            <a:endParaRPr lang="en-US"/>
+          </a:p>
+        </p:txBody>
+      </p:sp>
+    </p:spTree>
+    <p:extLst>
+      <p:ext uri="{BB962C8B-B14F-4D97-AF65-F5344CB8AC3E}">
+        <p14:creationId xmlns:p14="http://schemas.microsoft.com/office/powerpoint/2010/main" val="4025475538"/>
+      </p:ext>
+    </p:extLst>
+  </p:cSld>
+  <p:clrMap bg1="lt1" tx1="dk1" bg2="lt2" tx2="dk2" accent1="accent1" accent2="accent2" accent3="accent3" accent4="accent4" accent5="accent5" accent6="accent6" hlink="hlink" folHlink="folHlink"/>
+  <p:notesStyle>
+    <a:lvl1pPr marL="0" algn="l" defTabSz="457200" rtl="0" eaLnBrk="1" latinLnBrk="0" hangingPunct="1">
+      <a:defRPr sz="1200" kern="1200">
+        <a:solidFill>
+          <a:schemeClr val="tx1"/>
+        </a:solidFill>
+        <a:latin typeface="+mn-lt"/>
+        <a:ea typeface="+mn-ea"/>
+        <a:cs typeface="+mn-cs"/>
+      </a:defRPr>
+    </a:lvl1pPr>
+    <a:lvl2pPr marL="457200" algn="l" defTabSz="457200" rtl="0" eaLnBrk="1" latinLnBrk="0" hangingPunct="1">
+      <a:defRPr sz="1200" kern="1200">
+        <a:solidFill>
+          <a:schemeClr val="tx1"/>
+        </a:solidFill>
+        <a:latin typeface="+mn-lt"/>
+        <a:ea typeface="+mn-ea"/>
+        <a:cs typeface="+mn-cs"/>
+      </a:defRPr>
+    </a:lvl2pPr>
+    <a:lvl3pPr marL="914400" algn="l" defTabSz="457200" rtl="0" eaLnBrk="1" latinLnBrk="0" hangingPunct="1">
+      <a:defRPr sz="1200" kern="1200">
+        <a:solidFill>
+          <a:schemeClr val="tx1"/>
+        </a:solidFill>
+        <a:latin typeface="+mn-lt"/>
+        <a:ea typeface="+mn-ea"/>
+        <a:cs typeface="+mn-cs"/>
+      </a:defRPr>
+    </a:lvl3pPr>
+    <a:lvl4pPr marL="1371600" algn="l" defTabSz="457200" rtl="0" eaLnBrk="1" latinLnBrk="0" hangingPunct="1">
+      <a:defRPr sz="1200" kern="1200">
+        <a:solidFill>
+          <a:schemeClr val="tx1"/>
+        </a:solidFill>
+        <a:latin typeface="+mn-lt"/>
+        <a:ea typeface="+mn-ea"/>
+        <a:cs typeface="+mn-cs"/>
+      </a:defRPr>
+    </a:lvl4pPr>
+    <a:lvl5pPr marL="1828800" algn="l" defTabSz="457200" rtl="0" eaLnBrk="1" latinLnBrk="0" hangingPunct="1">
+      <a:defRPr sz="1200" kern="1200">
+        <a:solidFill>
+          <a:schemeClr val="tx1"/>
+        </a:solidFill>
+        <a:latin typeface="+mn-lt"/>
+        <a:ea typeface="+mn-ea"/>
+        <a:cs typeface="+mn-cs"/>
+      </a:defRPr>
+    </a:lvl5pPr>
+    <a:lvl6pPr marL="2286000" algn="l" defTabSz="457200" rtl="0" eaLnBrk="1" latinLnBrk="0" hangingPunct="1">
+      <a:defRPr sz="1200" kern="1200">
+        <a:solidFill>
+          <a:schemeClr val="tx1"/>
+        </a:solidFill>
+        <a:latin typeface="+mn-lt"/>
+        <a:ea typeface="+mn-ea"/>
+        <a:cs typeface="+mn-cs"/>
+      </a:defRPr>
+    </a:lvl6pPr>
+    <a:lvl7pPr marL="2743200" algn="l" defTabSz="457200" rtl="0" eaLnBrk="1" latinLnBrk="0" hangingPunct="1">
+      <a:defRPr sz="1200" kern="1200">
+        <a:solidFill>
+          <a:schemeClr val="tx1"/>
+        </a:solidFill>
+        <a:latin typeface="+mn-lt"/>
+        <a:ea typeface="+mn-ea"/>
+        <a:cs typeface="+mn-cs"/>
+      </a:defRPr>
+    </a:lvl7pPr>
+    <a:lvl8pPr marL="3200400" algn="l" defTabSz="457200" rtl="0" eaLnBrk="1" latinLnBrk="0" hangingPunct="1">
+      <a:defRPr sz="1200" kern="1200">
+        <a:solidFill>
+          <a:schemeClr val="tx1"/>
+        </a:solidFill>
+        <a:latin typeface="+mn-lt"/>
+        <a:ea typeface="+mn-ea"/>
+        <a:cs typeface="+mn-cs"/>
+      </a:defRPr>
+    </a:lvl8pPr>
+    <a:lvl9pPr marL="3657600" algn="l" defTabSz="457200" rtl="0" eaLnBrk="1" latinLnBrk="0" hangingPunct="1">
+      <a:defRPr sz="1200" kern="1200">
+        <a:solidFill>
+          <a:schemeClr val="tx1"/>
+        </a:solidFill>
+        <a:latin typeface="+mn-lt"/>
+        <a:ea typeface="+mn-ea"/>
+        <a:cs typeface="+mn-cs"/>
+      </a:defRPr>
+    </a:lvl9pPr>
+  </p:notesStyle>
+</p:notesMaster>
+</file>
+
+<file path=ppt/notesSlides/notesSlide1.xml><?xml version="1.0" encoding="utf-8"?>
+<p:notes xmlns:a="http://schemas.openxmlformats.org/drawingml/2006/main" xmlns:r="http://schemas.openxmlformats.org/officeDocument/2006/relationships" xmlns:p="http://schemas.openxmlformats.org/presentationml/2006/main">
+  <p:cSld>
+    <p:spTree>
+      <p:nvGrpSpPr>
+        <p:cNvPr id="1" name=""/>
+        <p:cNvGrpSpPr/>
+        <p:nvPr/>
+      </p:nvGrpSpPr>
+      <p:grpSpPr>
+        <a:xfrm>
+          <a:off x="0" y="0"/>
+          <a:ext cx="0" cy="0"/>
+          <a:chOff x="0" y="0"/>
+          <a:chExt cx="0" cy="0"/>
+        </a:xfrm>
+      </p:grpSpPr>
+      <p:sp>
+        <p:nvSpPr>
+          <p:cNvPr id="2" name="Slide Image Placeholder 1"/>
+          <p:cNvSpPr>
+            <a:spLocks noGrp="1" noRot="1" noChangeAspect="1"/>
+          </p:cNvSpPr>
+          <p:nvPr>
+            <p:ph type="sldImg"/>
+          </p:nvPr>
+        </p:nvSpPr>
+        <p:spPr/>
+      </p:sp>
+      <p:sp>
+        <p:nvSpPr>
+          <p:cNvPr id="3" name="Notes Placeholder 2"/>
+          <p:cNvSpPr>
+            <a:spLocks noGrp="1"/>
+          </p:cNvSpPr>
+          <p:nvPr>
+            <p:ph type="body" idx="1"/>
+          </p:nvPr>
+        </p:nvSpPr>
+        <p:spPr/>
+        <p:txBody>
+          <a:bodyPr/>
+          <a:lstStyle/>
+          <a:p>
+            <a:endParaRPr lang="en-US" dirty="0"/>
+          </a:p>
+        </p:txBody>
+      </p:sp>
+      <p:sp>
+        <p:nvSpPr>
+          <p:cNvPr id="4" name="Slide Number Placeholder 3"/>
+          <p:cNvSpPr>
+            <a:spLocks noGrp="1"/>
+          </p:cNvSpPr>
+          <p:nvPr>
+            <p:ph type="sldNum" sz="quarter" idx="10"/>
+          </p:nvPr>
+        </p:nvSpPr>
+        <p:spPr/>
+        <p:txBody>
+          <a:bodyPr/>
+          <a:lstStyle/>
+          <a:p>
+            <a:fld id="{89CA3F1B-9FBF-D14B-AA95-07126EDF8E7C}" type="slidenum">
+              <a:rPr lang="en-US" smtClean="0"/>
+              <a:t>6</a:t>
+            </a:fld>
+            <a:endParaRPr lang="en-US"/>
+          </a:p>
+        </p:txBody>
+      </p:sp>
+    </p:spTree>
+    <p:extLst>
+      <p:ext uri="{BB962C8B-B14F-4D97-AF65-F5344CB8AC3E}">
+        <p14:creationId xmlns:p14="http://schemas.microsoft.com/office/powerpoint/2010/main" val="3101932077"/>
+      </p:ext>
+    </p:extLst>
+  </p:cSld>
+  <p:clrMapOvr>
+    <a:masterClrMapping/>
+  </p:clrMapOvr>
+</p:notes>
+</file>
+
 <file path=ppt/slideLayouts/slideLayout1.xml><?xml version="1.0" encoding="utf-8"?>
 <p:sldLayout xmlns:a="http://schemas.openxmlformats.org/drawingml/2006/main" xmlns:r="http://schemas.openxmlformats.org/officeDocument/2006/relationships" xmlns:p="http://schemas.openxmlformats.org/presentationml/2006/main" type="title" preserve="1">
   <p:cSld name="Title Slide">
@@ -292,7 +731,7 @@
           <a:p>
             <a:fld id="{51D87AEE-34D3-4B49-9DD5-3843C8C6A9BA}" type="datetimeFigureOut">
               <a:rPr lang="en-US" smtClean="0"/>
-              <a:t>06/03/15</a:t>
+              <a:t>16/03/15</a:t>
             </a:fld>
             <a:endParaRPr lang="en-US"/>
           </a:p>
@@ -462,7 +901,7 @@
           <a:p>
             <a:fld id="{51D87AEE-34D3-4B49-9DD5-3843C8C6A9BA}" type="datetimeFigureOut">
               <a:rPr lang="en-US" smtClean="0"/>
-              <a:t>06/03/15</a:t>
+              <a:t>16/03/15</a:t>
             </a:fld>
             <a:endParaRPr lang="en-US"/>
           </a:p>
@@ -642,7 +1081,7 @@
           <a:p>
             <a:fld id="{51D87AEE-34D3-4B49-9DD5-3843C8C6A9BA}" type="datetimeFigureOut">
               <a:rPr lang="en-US" smtClean="0"/>
-              <a:t>06/03/15</a:t>
+              <a:t>16/03/15</a:t>
             </a:fld>
             <a:endParaRPr lang="en-US"/>
           </a:p>
@@ -812,7 +1251,7 @@
           <a:p>
             <a:fld id="{51D87AEE-34D3-4B49-9DD5-3843C8C6A9BA}" type="datetimeFigureOut">
               <a:rPr lang="en-US" smtClean="0"/>
-              <a:t>06/03/15</a:t>
+              <a:t>16/03/15</a:t>
             </a:fld>
             <a:endParaRPr lang="en-US"/>
           </a:p>
@@ -1058,7 +1497,7 @@
           <a:p>
             <a:fld id="{51D87AEE-34D3-4B49-9DD5-3843C8C6A9BA}" type="datetimeFigureOut">
               <a:rPr lang="en-US" smtClean="0"/>
-              <a:t>06/03/15</a:t>
+              <a:t>16/03/15</a:t>
             </a:fld>
             <a:endParaRPr lang="en-US"/>
           </a:p>
@@ -1346,7 +1785,7 @@
           <a:p>
             <a:fld id="{51D87AEE-34D3-4B49-9DD5-3843C8C6A9BA}" type="datetimeFigureOut">
               <a:rPr lang="en-US" smtClean="0"/>
-              <a:t>06/03/15</a:t>
+              <a:t>16/03/15</a:t>
             </a:fld>
             <a:endParaRPr lang="en-US"/>
           </a:p>
@@ -1768,7 +2207,7 @@
           <a:p>
             <a:fld id="{51D87AEE-34D3-4B49-9DD5-3843C8C6A9BA}" type="datetimeFigureOut">
               <a:rPr lang="en-US" smtClean="0"/>
-              <a:t>06/03/15</a:t>
+              <a:t>16/03/15</a:t>
             </a:fld>
             <a:endParaRPr lang="en-US"/>
           </a:p>
@@ -1886,7 +2325,7 @@
           <a:p>
             <a:fld id="{51D87AEE-34D3-4B49-9DD5-3843C8C6A9BA}" type="datetimeFigureOut">
               <a:rPr lang="en-US" smtClean="0"/>
-              <a:t>06/03/15</a:t>
+              <a:t>16/03/15</a:t>
             </a:fld>
             <a:endParaRPr lang="en-US"/>
           </a:p>
@@ -1981,7 +2420,7 @@
           <a:p>
             <a:fld id="{51D87AEE-34D3-4B49-9DD5-3843C8C6A9BA}" type="datetimeFigureOut">
               <a:rPr lang="en-US" smtClean="0"/>
-              <a:t>06/03/15</a:t>
+              <a:t>16/03/15</a:t>
             </a:fld>
             <a:endParaRPr lang="en-US"/>
           </a:p>
@@ -2258,7 +2697,7 @@
           <a:p>
             <a:fld id="{51D87AEE-34D3-4B49-9DD5-3843C8C6A9BA}" type="datetimeFigureOut">
               <a:rPr lang="en-US" smtClean="0"/>
-              <a:t>06/03/15</a:t>
+              <a:t>16/03/15</a:t>
             </a:fld>
             <a:endParaRPr lang="en-US"/>
           </a:p>
@@ -2511,7 +2950,7 @@
           <a:p>
             <a:fld id="{51D87AEE-34D3-4B49-9DD5-3843C8C6A9BA}" type="datetimeFigureOut">
               <a:rPr lang="en-US" smtClean="0"/>
-              <a:t>06/03/15</a:t>
+              <a:t>16/03/15</a:t>
             </a:fld>
             <a:endParaRPr lang="en-US"/>
           </a:p>
@@ -2724,7 +3163,7 @@
           <a:p>
             <a:fld id="{51D87AEE-34D3-4B49-9DD5-3843C8C6A9BA}" type="datetimeFigureOut">
               <a:rPr lang="en-US" smtClean="0"/>
-              <a:t>06/03/15</a:t>
+              <a:t>16/03/15</a:t>
             </a:fld>
             <a:endParaRPr lang="en-US"/>
           </a:p>
@@ -3987,7 +4426,7 @@
         </p:nvSpPr>
         <p:spPr>
           <a:xfrm>
-            <a:off x="3760696" y="292191"/>
+            <a:off x="3760696" y="68789"/>
             <a:ext cx="1619998" cy="647999"/>
           </a:xfrm>
           <a:prstGeom prst="rect">
@@ -4037,7 +4476,7 @@
         </p:nvSpPr>
         <p:spPr>
           <a:xfrm>
-            <a:off x="3465877" y="1456590"/>
+            <a:off x="3465877" y="1233188"/>
             <a:ext cx="1007994" cy="575999"/>
           </a:xfrm>
           <a:prstGeom prst="roundRect">
@@ -4092,7 +4531,7 @@
         </p:nvSpPr>
         <p:spPr>
           <a:xfrm>
-            <a:off x="4714406" y="1453559"/>
+            <a:off x="4714406" y="1230157"/>
             <a:ext cx="1007994" cy="575999"/>
           </a:xfrm>
           <a:prstGeom prst="roundRect">
@@ -4147,7 +4586,7 @@
         </p:nvCxnSpPr>
         <p:spPr>
           <a:xfrm rot="5400000" flipH="1" flipV="1">
-            <a:off x="4010104" y="886200"/>
+            <a:off x="4010104" y="662798"/>
             <a:ext cx="503999" cy="611979"/>
           </a:xfrm>
           <a:prstGeom prst="bentConnector3">
@@ -4185,7 +4624,7 @@
         </p:nvCxnSpPr>
         <p:spPr>
           <a:xfrm rot="16200000" flipV="1">
-            <a:off x="4629352" y="889460"/>
+            <a:off x="4629352" y="666058"/>
             <a:ext cx="503999" cy="611979"/>
           </a:xfrm>
           <a:prstGeom prst="bentConnector3">
@@ -4223,7 +4662,7 @@
         </p:nvSpPr>
         <p:spPr>
           <a:xfrm>
-            <a:off x="3741740" y="2434514"/>
+            <a:off x="3741740" y="2211112"/>
             <a:ext cx="1730067" cy="648000"/>
           </a:xfrm>
           <a:prstGeom prst="roundRect">
@@ -4278,7 +4717,7 @@
         </p:nvSpPr>
         <p:spPr>
           <a:xfrm>
-            <a:off x="555164" y="1441293"/>
+            <a:off x="555164" y="1217891"/>
             <a:ext cx="1007994" cy="575999"/>
           </a:xfrm>
           <a:prstGeom prst="roundRect">
@@ -4344,7 +4783,7 @@
         </p:nvSpPr>
         <p:spPr>
           <a:xfrm>
-            <a:off x="7593770" y="1460362"/>
+            <a:off x="7593770" y="1236960"/>
             <a:ext cx="1007994" cy="575999"/>
           </a:xfrm>
           <a:prstGeom prst="roundRect">
@@ -4410,7 +4849,7 @@
         </p:nvSpPr>
         <p:spPr>
           <a:xfrm>
-            <a:off x="2006776" y="1433087"/>
+            <a:off x="2006776" y="1209685"/>
             <a:ext cx="1007994" cy="575999"/>
           </a:xfrm>
           <a:prstGeom prst="roundRect">
@@ -4465,7 +4904,7 @@
         </p:nvSpPr>
         <p:spPr>
           <a:xfrm>
-            <a:off x="6150718" y="1460362"/>
+            <a:off x="6150718" y="1236960"/>
             <a:ext cx="1007994" cy="575999"/>
           </a:xfrm>
           <a:prstGeom prst="roundRect">
@@ -4520,8 +4959,8 @@
         </p:nvSpPr>
         <p:spPr>
           <a:xfrm>
-            <a:off x="4930693" y="3556317"/>
-            <a:ext cx="3062319" cy="2880000"/>
+            <a:off x="4930693" y="3332915"/>
+            <a:ext cx="3062319" cy="2772000"/>
           </a:xfrm>
           <a:prstGeom prst="rect">
             <a:avLst/>
@@ -4564,7 +5003,7 @@
         </p:nvSpPr>
         <p:spPr>
           <a:xfrm>
-            <a:off x="5156948" y="3618201"/>
+            <a:off x="5156948" y="3336009"/>
             <a:ext cx="2663297" cy="369332"/>
           </a:xfrm>
           <a:prstGeom prst="rect">
@@ -4602,7 +5041,7 @@
         </p:nvCxnSpPr>
         <p:spPr>
           <a:xfrm>
-            <a:off x="3014770" y="1721087"/>
+            <a:off x="3014770" y="1497685"/>
             <a:ext cx="432000" cy="0"/>
           </a:xfrm>
           <a:prstGeom prst="line">
@@ -4638,7 +5077,7 @@
         </p:nvCxnSpPr>
         <p:spPr>
           <a:xfrm>
-            <a:off x="5722400" y="1741558"/>
+            <a:off x="5722400" y="1518156"/>
             <a:ext cx="428318" cy="0"/>
           </a:xfrm>
           <a:prstGeom prst="line">
@@ -4675,7 +5114,7 @@
         </p:nvCxnSpPr>
         <p:spPr>
           <a:xfrm flipV="1">
-            <a:off x="1563158" y="1721087"/>
+            <a:off x="1563158" y="1497685"/>
             <a:ext cx="431999" cy="0"/>
           </a:xfrm>
           <a:prstGeom prst="line">
@@ -4711,7 +5150,7 @@
         </p:nvCxnSpPr>
         <p:spPr>
           <a:xfrm flipH="1">
-            <a:off x="4606774" y="2029558"/>
+            <a:off x="4606774" y="1806156"/>
             <a:ext cx="611629" cy="404956"/>
           </a:xfrm>
           <a:prstGeom prst="line">
@@ -4748,7 +5187,7 @@
         </p:nvCxnSpPr>
         <p:spPr>
           <a:xfrm>
-            <a:off x="3969874" y="2032589"/>
+            <a:off x="3969874" y="1809187"/>
             <a:ext cx="636900" cy="401925"/>
           </a:xfrm>
           <a:prstGeom prst="line">
@@ -4782,7 +5221,7 @@
         </p:nvCxnSpPr>
         <p:spPr>
           <a:xfrm rot="5400000" flipH="1" flipV="1">
-            <a:off x="3475193" y="2398065"/>
+            <a:off x="3475193" y="2174663"/>
             <a:ext cx="467999" cy="1835967"/>
           </a:xfrm>
           <a:prstGeom prst="bentConnector3">
@@ -4820,7 +5259,7 @@
         </p:nvCxnSpPr>
         <p:spPr>
           <a:xfrm rot="16200000" flipV="1">
-            <a:off x="5318416" y="2399417"/>
+            <a:off x="5318416" y="2176015"/>
             <a:ext cx="467999" cy="1835966"/>
           </a:xfrm>
           <a:prstGeom prst="bentConnector3">
@@ -4858,8 +5297,8 @@
         </p:nvSpPr>
         <p:spPr>
           <a:xfrm>
-            <a:off x="1230124" y="3546842"/>
-            <a:ext cx="3059993" cy="2879994"/>
+            <a:off x="1230124" y="3323440"/>
+            <a:ext cx="3059993" cy="3527994"/>
           </a:xfrm>
           <a:prstGeom prst="rect">
             <a:avLst/>
@@ -4930,7 +5369,7 @@
         </p:nvSpPr>
         <p:spPr>
           <a:xfrm>
-            <a:off x="1853378" y="3616839"/>
+            <a:off x="1853378" y="3334647"/>
             <a:ext cx="1903085" cy="369332"/>
           </a:xfrm>
           <a:prstGeom prst="rect">
@@ -4969,7 +5408,7 @@
         </p:nvCxnSpPr>
         <p:spPr>
           <a:xfrm>
-            <a:off x="7158712" y="1748362"/>
+            <a:off x="7158712" y="1524960"/>
             <a:ext cx="435058" cy="0"/>
           </a:xfrm>
           <a:prstGeom prst="line">
@@ -5003,7 +5442,7 @@
         </p:nvSpPr>
         <p:spPr>
           <a:xfrm>
-            <a:off x="1466863" y="4068605"/>
+            <a:off x="1466863" y="3751139"/>
             <a:ext cx="2592000" cy="287997"/>
           </a:xfrm>
           <a:prstGeom prst="roundRect">
@@ -5058,7 +5497,7 @@
         </p:nvSpPr>
         <p:spPr>
           <a:xfrm>
-            <a:off x="1457297" y="4830469"/>
+            <a:off x="1457297" y="4513003"/>
             <a:ext cx="2592000" cy="287997"/>
           </a:xfrm>
           <a:prstGeom prst="roundRect">
@@ -5108,7 +5547,7 @@
         </p:nvSpPr>
         <p:spPr>
           <a:xfrm>
-            <a:off x="1455642" y="4447959"/>
+            <a:off x="1455642" y="4130493"/>
             <a:ext cx="2592000" cy="287997"/>
           </a:xfrm>
           <a:prstGeom prst="roundRect">
@@ -5158,7 +5597,7 @@
         </p:nvSpPr>
         <p:spPr>
           <a:xfrm>
-            <a:off x="1475150" y="5225402"/>
+            <a:off x="1475150" y="4896178"/>
             <a:ext cx="2592000" cy="287997"/>
           </a:xfrm>
           <a:prstGeom prst="roundRect">
@@ -5213,7 +5652,7 @@
         </p:nvSpPr>
         <p:spPr>
           <a:xfrm>
-            <a:off x="1465672" y="5610782"/>
+            <a:off x="1465672" y="5281558"/>
             <a:ext cx="2592000" cy="287997"/>
           </a:xfrm>
           <a:prstGeom prst="roundRect">
@@ -5268,7 +5707,7 @@
         </p:nvSpPr>
         <p:spPr>
           <a:xfrm>
-            <a:off x="1475902" y="6009584"/>
+            <a:off x="1475902" y="5680360"/>
             <a:ext cx="2592051" cy="287997"/>
           </a:xfrm>
           <a:prstGeom prst="roundRect">
@@ -5323,7 +5762,7 @@
         </p:nvSpPr>
         <p:spPr>
           <a:xfrm>
-            <a:off x="5156948" y="4068605"/>
+            <a:off x="5156948" y="3751139"/>
             <a:ext cx="2592000" cy="287997"/>
           </a:xfrm>
           <a:prstGeom prst="roundRect">
@@ -5378,7 +5817,7 @@
         </p:nvSpPr>
         <p:spPr>
           <a:xfrm>
-            <a:off x="5165235" y="5225402"/>
+            <a:off x="5165235" y="4907936"/>
             <a:ext cx="2592000" cy="287997"/>
           </a:xfrm>
           <a:prstGeom prst="roundRect">
@@ -5433,7 +5872,7 @@
         </p:nvSpPr>
         <p:spPr>
           <a:xfrm>
-            <a:off x="5155757" y="5610782"/>
+            <a:off x="5155757" y="5293316"/>
             <a:ext cx="2592000" cy="287997"/>
           </a:xfrm>
           <a:prstGeom prst="roundRect">
@@ -5488,7 +5927,7 @@
         </p:nvSpPr>
         <p:spPr>
           <a:xfrm>
-            <a:off x="5165987" y="6009584"/>
+            <a:off x="5165987" y="5692118"/>
             <a:ext cx="2592051" cy="287997"/>
           </a:xfrm>
           <a:prstGeom prst="roundRect">
@@ -5543,7 +5982,7 @@
         </p:nvSpPr>
         <p:spPr>
           <a:xfrm>
-            <a:off x="5166890" y="4830469"/>
+            <a:off x="5166890" y="4513003"/>
             <a:ext cx="2592000" cy="287997"/>
           </a:xfrm>
           <a:prstGeom prst="roundRect">
@@ -5593,7 +6032,7 @@
         </p:nvSpPr>
         <p:spPr>
           <a:xfrm>
-            <a:off x="5165235" y="4447959"/>
+            <a:off x="5165235" y="4130493"/>
             <a:ext cx="2592000" cy="287997"/>
           </a:xfrm>
           <a:prstGeom prst="roundRect">
@@ -5631,6 +6070,106 @@
                 </a:solidFill>
               </a:rPr>
               <a:t>Multinomial|Multinomial</a:t>
+            </a:r>
+          </a:p>
+        </p:txBody>
+      </p:sp>
+      <p:sp>
+        <p:nvSpPr>
+          <p:cNvPr id="36" name="Rounded Rectangle 35"/>
+          <p:cNvSpPr/>
+          <p:nvPr/>
+        </p:nvSpPr>
+        <p:spPr>
+          <a:xfrm>
+            <a:off x="1477084" y="6082081"/>
+            <a:ext cx="2591987" cy="287999"/>
+          </a:xfrm>
+          <a:prstGeom prst="roundRect">
+            <a:avLst/>
+          </a:prstGeom>
+          <a:ln>
+            <a:solidFill>
+              <a:schemeClr val="tx1"/>
+            </a:solidFill>
+          </a:ln>
+        </p:spPr>
+        <p:style>
+          <a:lnRef idx="1">
+            <a:schemeClr val="accent1"/>
+          </a:lnRef>
+          <a:fillRef idx="3">
+            <a:schemeClr val="accent1"/>
+          </a:fillRef>
+          <a:effectRef idx="2">
+            <a:schemeClr val="accent1"/>
+          </a:effectRef>
+          <a:fontRef idx="minor">
+            <a:schemeClr val="lt1"/>
+          </a:fontRef>
+        </p:style>
+        <p:txBody>
+          <a:bodyPr rtlCol="0" anchor="ctr"/>
+          <a:lstStyle/>
+          <a:p>
+            <a:pPr algn="ctr"/>
+            <a:r>
+              <a:rPr lang="en-US" sz="1600" dirty="0">
+                <a:solidFill>
+                  <a:srgbClr val="000000"/>
+                </a:solidFill>
+              </a:rPr>
+              <a:t>Conjugate Priors</a:t>
+            </a:r>
+          </a:p>
+        </p:txBody>
+      </p:sp>
+      <p:sp>
+        <p:nvSpPr>
+          <p:cNvPr id="37" name="Rounded Rectangle 36"/>
+          <p:cNvSpPr/>
+          <p:nvPr/>
+        </p:nvSpPr>
+        <p:spPr>
+          <a:xfrm>
+            <a:off x="1476995" y="6459950"/>
+            <a:ext cx="2591987" cy="287999"/>
+          </a:xfrm>
+          <a:prstGeom prst="roundRect">
+            <a:avLst/>
+          </a:prstGeom>
+          <a:ln>
+            <a:solidFill>
+              <a:schemeClr val="tx1"/>
+            </a:solidFill>
+          </a:ln>
+        </p:spPr>
+        <p:style>
+          <a:lnRef idx="1">
+            <a:schemeClr val="accent1"/>
+          </a:lnRef>
+          <a:fillRef idx="3">
+            <a:schemeClr val="accent1"/>
+          </a:fillRef>
+          <a:effectRef idx="2">
+            <a:schemeClr val="accent1"/>
+          </a:effectRef>
+          <a:fontRef idx="minor">
+            <a:schemeClr val="lt1"/>
+          </a:fontRef>
+        </p:style>
+        <p:txBody>
+          <a:bodyPr rtlCol="0" anchor="ctr"/>
+          <a:lstStyle/>
+          <a:p>
+            <a:pPr algn="ctr"/>
+            <a:r>
+              <a:rPr lang="en-US" sz="1600" dirty="0">
+                <a:solidFill>
+                  <a:srgbClr val="000000"/>
+                </a:solidFill>
+              </a:rPr>
+              <a:t>Multivariate</a:t>
             </a:r>
           </a:p>
         </p:txBody>
@@ -6746,7 +7285,7 @@
           <a:graphicData uri="http://schemas.openxmlformats.org/presentationml/2006/ole">
             <mc:AlternateContent xmlns:mc="http://schemas.openxmlformats.org/markup-compatibility/2006">
               <mc:Choice xmlns:v="urn:schemas-microsoft-com:vml" Requires="v">
-                <p:oleObj spid="_x0000_s1098" name="Equation" r:id="rId3" imgW="203200" imgH="228600" progId="Equation.3">
+                <p:oleObj spid="_x0000_s1151" name="Equation" r:id="rId3" imgW="203200" imgH="228600" progId="Equation.3">
                   <p:embed/>
                 </p:oleObj>
               </mc:Choice>
@@ -6803,7 +7342,7 @@
           <a:graphicData uri="http://schemas.openxmlformats.org/presentationml/2006/ole">
             <mc:AlternateContent xmlns:mc="http://schemas.openxmlformats.org/markup-compatibility/2006">
               <mc:Choice xmlns:v="urn:schemas-microsoft-com:vml" Requires="v">
-                <p:oleObj spid="_x0000_s1099" name="Equation" r:id="rId5" imgW="190500" imgH="228600" progId="Equation.3">
+                <p:oleObj spid="_x0000_s1152" name="Equation" r:id="rId5" imgW="190500" imgH="228600" progId="Equation.3">
                   <p:embed/>
                 </p:oleObj>
               </mc:Choice>
@@ -6860,7 +7399,7 @@
           <a:graphicData uri="http://schemas.openxmlformats.org/presentationml/2006/ole">
             <mc:AlternateContent xmlns:mc="http://schemas.openxmlformats.org/markup-compatibility/2006">
               <mc:Choice xmlns:v="urn:schemas-microsoft-com:vml" Requires="v">
-                <p:oleObj spid="_x0000_s1100" name="Equation" r:id="rId7" imgW="190500" imgH="241300" progId="Equation.3">
+                <p:oleObj spid="_x0000_s1153" name="Equation" r:id="rId7" imgW="190500" imgH="241300" progId="Equation.3">
                   <p:embed/>
                 </p:oleObj>
               </mc:Choice>
@@ -6917,7 +7456,7 @@
           <a:graphicData uri="http://schemas.openxmlformats.org/presentationml/2006/ole">
             <mc:AlternateContent xmlns:mc="http://schemas.openxmlformats.org/markup-compatibility/2006">
               <mc:Choice xmlns:v="urn:schemas-microsoft-com:vml" Requires="v">
-                <p:oleObj spid="_x0000_s1101" name="Equation" r:id="rId9" imgW="203200" imgH="228600" progId="Equation.3">
+                <p:oleObj spid="_x0000_s1154" name="Equation" r:id="rId9" imgW="203200" imgH="228600" progId="Equation.3">
                   <p:embed/>
                 </p:oleObj>
               </mc:Choice>
@@ -6974,7 +7513,7 @@
           <a:graphicData uri="http://schemas.openxmlformats.org/presentationml/2006/ole">
             <mc:AlternateContent xmlns:mc="http://schemas.openxmlformats.org/markup-compatibility/2006">
               <mc:Choice xmlns:v="urn:schemas-microsoft-com:vml" Requires="v">
-                <p:oleObj spid="_x0000_s1102" name="Equation" r:id="rId11" imgW="203200" imgH="241300" progId="Equation.3">
+                <p:oleObj spid="_x0000_s1155" name="Equation" r:id="rId11" imgW="203200" imgH="241300" progId="Equation.3">
                   <p:embed/>
                 </p:oleObj>
               </mc:Choice>
@@ -7506,7 +8045,7 @@
           <a:graphicData uri="http://schemas.openxmlformats.org/presentationml/2006/ole">
             <mc:AlternateContent xmlns:mc="http://schemas.openxmlformats.org/markup-compatibility/2006">
               <mc:Choice xmlns:v="urn:schemas-microsoft-com:vml" Requires="v">
-                <p:oleObj spid="_x0000_s1103" name="Equation" r:id="rId13" imgW="266700" imgH="228600" progId="Equation.3">
+                <p:oleObj spid="_x0000_s1156" name="Equation" r:id="rId13" imgW="266700" imgH="228600" progId="Equation.3">
                   <p:embed/>
                 </p:oleObj>
               </mc:Choice>
@@ -7563,7 +8102,7 @@
           <a:graphicData uri="http://schemas.openxmlformats.org/presentationml/2006/ole">
             <mc:AlternateContent xmlns:mc="http://schemas.openxmlformats.org/markup-compatibility/2006">
               <mc:Choice xmlns:v="urn:schemas-microsoft-com:vml" Requires="v">
-                <p:oleObj spid="_x0000_s1104" name="Equation" r:id="rId15" imgW="266700" imgH="228600" progId="Equation.3">
+                <p:oleObj spid="_x0000_s1157" name="Equation" r:id="rId15" imgW="266700" imgH="228600" progId="Equation.3">
                   <p:embed/>
                 </p:oleObj>
               </mc:Choice>
@@ -7620,7 +8159,7 @@
           <a:graphicData uri="http://schemas.openxmlformats.org/presentationml/2006/ole">
             <mc:AlternateContent xmlns:mc="http://schemas.openxmlformats.org/markup-compatibility/2006">
               <mc:Choice xmlns:v="urn:schemas-microsoft-com:vml" Requires="v">
-                <p:oleObj spid="_x0000_s1105" name="Equation" r:id="rId17" imgW="266700" imgH="241300" progId="Equation.3">
+                <p:oleObj spid="_x0000_s1158" name="Equation" r:id="rId17" imgW="266700" imgH="241300" progId="Equation.3">
                   <p:embed/>
                 </p:oleObj>
               </mc:Choice>
@@ -7677,7 +8216,7 @@
           <a:graphicData uri="http://schemas.openxmlformats.org/presentationml/2006/ole">
             <mc:AlternateContent xmlns:mc="http://schemas.openxmlformats.org/markup-compatibility/2006">
               <mc:Choice xmlns:v="urn:schemas-microsoft-com:vml" Requires="v">
-                <p:oleObj spid="_x0000_s1106" name="Equation" r:id="rId19" imgW="266700" imgH="228600" progId="Equation.3">
+                <p:oleObj spid="_x0000_s1159" name="Equation" r:id="rId19" imgW="266700" imgH="228600" progId="Equation.3">
                   <p:embed/>
                 </p:oleObj>
               </mc:Choice>
@@ -7734,7 +8273,7 @@
           <a:graphicData uri="http://schemas.openxmlformats.org/presentationml/2006/ole">
             <mc:AlternateContent xmlns:mc="http://schemas.openxmlformats.org/markup-compatibility/2006">
               <mc:Choice xmlns:v="urn:schemas-microsoft-com:vml" Requires="v">
-                <p:oleObj spid="_x0000_s1107" name="Equation" r:id="rId21" imgW="266700" imgH="241300" progId="Equation.3">
+                <p:oleObj spid="_x0000_s1160" name="Equation" r:id="rId21" imgW="266700" imgH="241300" progId="Equation.3">
                   <p:embed/>
                 </p:oleObj>
               </mc:Choice>
@@ -8471,6 +9010,2688 @@
     <p:extLst>
       <p:ext uri="{BB962C8B-B14F-4D97-AF65-F5344CB8AC3E}">
         <p14:creationId xmlns:p14="http://schemas.microsoft.com/office/powerpoint/2010/main" val="2021824236"/>
+      </p:ext>
+    </p:extLst>
+  </p:cSld>
+  <p:clrMapOvr>
+    <a:masterClrMapping/>
+  </p:clrMapOvr>
+  <p:timing>
+    <p:tnLst>
+      <p:par>
+        <p:cTn xmlns:p14="http://schemas.microsoft.com/office/powerpoint/2010/main" id="1" dur="indefinite" restart="never" nodeType="tmRoot"/>
+      </p:par>
+    </p:tnLst>
+  </p:timing>
+</p:sld>
+</file>
+
+<file path=ppt/slides/slide6.xml><?xml version="1.0" encoding="utf-8"?>
+<p:sld xmlns:a="http://schemas.openxmlformats.org/drawingml/2006/main" xmlns:r="http://schemas.openxmlformats.org/officeDocument/2006/relationships" xmlns:p="http://schemas.openxmlformats.org/presentationml/2006/main">
+  <p:cSld>
+    <p:spTree>
+      <p:nvGrpSpPr>
+        <p:cNvPr id="1" name=""/>
+        <p:cNvGrpSpPr/>
+        <p:nvPr/>
+      </p:nvGrpSpPr>
+      <p:grpSpPr>
+        <a:xfrm>
+          <a:off x="0" y="0"/>
+          <a:ext cx="0" cy="0"/>
+          <a:chOff x="0" y="0"/>
+          <a:chExt cx="0" cy="0"/>
+        </a:xfrm>
+      </p:grpSpPr>
+      <p:sp>
+        <p:nvSpPr>
+          <p:cNvPr id="53" name="Rounded Rectangle 52"/>
+          <p:cNvSpPr/>
+          <p:nvPr/>
+        </p:nvSpPr>
+        <p:spPr>
+          <a:xfrm>
+            <a:off x="5249232" y="2216976"/>
+            <a:ext cx="1622068" cy="717090"/>
+          </a:xfrm>
+          <a:prstGeom prst="roundRect">
+            <a:avLst/>
+          </a:prstGeom>
+          <a:ln w="12700" cmpd="sng">
+            <a:solidFill>
+              <a:schemeClr val="tx1"/>
+            </a:solidFill>
+          </a:ln>
+        </p:spPr>
+        <p:style>
+          <a:lnRef idx="1">
+            <a:schemeClr val="accent1"/>
+          </a:lnRef>
+          <a:fillRef idx="3">
+            <a:schemeClr val="accent1"/>
+          </a:fillRef>
+          <a:effectRef idx="2">
+            <a:schemeClr val="accent1"/>
+          </a:effectRef>
+          <a:fontRef idx="minor">
+            <a:schemeClr val="lt1"/>
+          </a:fontRef>
+        </p:style>
+        <p:txBody>
+          <a:bodyPr rtlCol="0" anchor="ctr"/>
+          <a:lstStyle/>
+          <a:p>
+            <a:pPr algn="ctr"/>
+            <a:r>
+              <a:rPr lang="en-US" sz="2000" dirty="0" smtClean="0">
+                <a:solidFill>
+                  <a:schemeClr val="tx1"/>
+                </a:solidFill>
+              </a:rPr>
+              <a:t>DataStream</a:t>
+            </a:r>
+            <a:endParaRPr lang="en-US" sz="2000" dirty="0">
+              <a:solidFill>
+                <a:schemeClr val="tx1"/>
+              </a:solidFill>
+            </a:endParaRPr>
+          </a:p>
+        </p:txBody>
+      </p:sp>
+      <p:sp>
+        <p:nvSpPr>
+          <p:cNvPr id="55" name="Rounded Rectangle 54"/>
+          <p:cNvSpPr/>
+          <p:nvPr/>
+        </p:nvSpPr>
+        <p:spPr>
+          <a:xfrm>
+            <a:off x="3152837" y="3654626"/>
+            <a:ext cx="2052000" cy="648000"/>
+          </a:xfrm>
+          <a:prstGeom prst="roundRect">
+            <a:avLst/>
+          </a:prstGeom>
+          <a:ln w="12700" cmpd="sng">
+            <a:solidFill>
+              <a:schemeClr val="tx1"/>
+            </a:solidFill>
+          </a:ln>
+        </p:spPr>
+        <p:style>
+          <a:lnRef idx="1">
+            <a:schemeClr val="accent1"/>
+          </a:lnRef>
+          <a:fillRef idx="3">
+            <a:schemeClr val="accent1"/>
+          </a:fillRef>
+          <a:effectRef idx="2">
+            <a:schemeClr val="accent1"/>
+          </a:effectRef>
+          <a:fontRef idx="minor">
+            <a:schemeClr val="lt1"/>
+          </a:fontRef>
+        </p:style>
+        <p:txBody>
+          <a:bodyPr rtlCol="0" anchor="ctr"/>
+          <a:lstStyle/>
+          <a:p>
+            <a:pPr algn="ctr"/>
+            <a:r>
+              <a:rPr lang="en-US" sz="1600" dirty="0" smtClean="0">
+                <a:solidFill>
+                  <a:schemeClr val="tx1"/>
+                </a:solidFill>
+              </a:rPr>
+              <a:t>DataInstance</a:t>
+            </a:r>
+            <a:endParaRPr lang="en-US" sz="1600" dirty="0">
+              <a:solidFill>
+                <a:schemeClr val="tx1"/>
+              </a:solidFill>
+            </a:endParaRPr>
+          </a:p>
+        </p:txBody>
+      </p:sp>
+      <p:sp>
+        <p:nvSpPr>
+          <p:cNvPr id="62" name="Rectangle 61"/>
+          <p:cNvSpPr/>
+          <p:nvPr/>
+        </p:nvSpPr>
+        <p:spPr>
+          <a:xfrm>
+            <a:off x="358590" y="5579533"/>
+            <a:ext cx="1619998" cy="719999"/>
+          </a:xfrm>
+          <a:prstGeom prst="rect">
+            <a:avLst/>
+          </a:prstGeom>
+          <a:ln w="28575" cmpd="sng">
+            <a:solidFill>
+              <a:schemeClr val="tx1"/>
+            </a:solidFill>
+          </a:ln>
+        </p:spPr>
+        <p:style>
+          <a:lnRef idx="1">
+            <a:schemeClr val="accent1"/>
+          </a:lnRef>
+          <a:fillRef idx="3">
+            <a:schemeClr val="accent1"/>
+          </a:fillRef>
+          <a:effectRef idx="2">
+            <a:schemeClr val="accent1"/>
+          </a:effectRef>
+          <a:fontRef idx="minor">
+            <a:schemeClr val="lt1"/>
+          </a:fontRef>
+        </p:style>
+        <p:txBody>
+          <a:bodyPr rtlCol="0" anchor="ctr"/>
+          <a:lstStyle/>
+          <a:p>
+            <a:pPr algn="ctr"/>
+            <a:r>
+              <a:rPr lang="en-US" dirty="0">
+                <a:solidFill>
+                  <a:schemeClr val="tx1"/>
+                </a:solidFill>
+              </a:rPr>
+              <a:t>PGM</a:t>
+            </a:r>
+          </a:p>
+        </p:txBody>
+      </p:sp>
+      <p:sp>
+        <p:nvSpPr>
+          <p:cNvPr id="59" name="Rectangle 58"/>
+          <p:cNvSpPr/>
+          <p:nvPr/>
+        </p:nvSpPr>
+        <p:spPr>
+          <a:xfrm>
+            <a:off x="5276114" y="5585341"/>
+            <a:ext cx="1619998" cy="719998"/>
+          </a:xfrm>
+          <a:prstGeom prst="rect">
+            <a:avLst/>
+          </a:prstGeom>
+          <a:ln w="28575" cmpd="sng">
+            <a:solidFill>
+              <a:schemeClr val="tx1"/>
+            </a:solidFill>
+          </a:ln>
+        </p:spPr>
+        <p:style>
+          <a:lnRef idx="1">
+            <a:schemeClr val="accent1"/>
+          </a:lnRef>
+          <a:fillRef idx="3">
+            <a:schemeClr val="accent1"/>
+          </a:fillRef>
+          <a:effectRef idx="2">
+            <a:schemeClr val="accent1"/>
+          </a:effectRef>
+          <a:fontRef idx="minor">
+            <a:schemeClr val="lt1"/>
+          </a:fontRef>
+        </p:style>
+        <p:txBody>
+          <a:bodyPr rtlCol="0" anchor="ctr"/>
+          <a:lstStyle/>
+          <a:p>
+            <a:pPr algn="ctr"/>
+            <a:r>
+              <a:rPr lang="en-US" dirty="0">
+                <a:solidFill>
+                  <a:schemeClr val="tx1"/>
+                </a:solidFill>
+              </a:rPr>
+              <a:t>Inference </a:t>
+            </a:r>
+            <a:r>
+              <a:rPr lang="en-US" dirty="0" smtClean="0">
+                <a:solidFill>
+                  <a:schemeClr val="tx1"/>
+                </a:solidFill>
+              </a:rPr>
+              <a:t>Engine</a:t>
+            </a:r>
+            <a:endParaRPr lang="en-US" dirty="0">
+              <a:solidFill>
+                <a:schemeClr val="tx1"/>
+              </a:solidFill>
+            </a:endParaRPr>
+          </a:p>
+        </p:txBody>
+      </p:sp>
+      <p:sp>
+        <p:nvSpPr>
+          <p:cNvPr id="64" name="Rectangle 63"/>
+          <p:cNvSpPr/>
+          <p:nvPr/>
+        </p:nvSpPr>
+        <p:spPr>
+          <a:xfrm>
+            <a:off x="358588" y="3786153"/>
+            <a:ext cx="1620000" cy="719998"/>
+          </a:xfrm>
+          <a:prstGeom prst="rect">
+            <a:avLst/>
+          </a:prstGeom>
+          <a:ln w="28575" cmpd="sng">
+            <a:solidFill>
+              <a:schemeClr val="tx1"/>
+            </a:solidFill>
+          </a:ln>
+        </p:spPr>
+        <p:style>
+          <a:lnRef idx="1">
+            <a:schemeClr val="accent1"/>
+          </a:lnRef>
+          <a:fillRef idx="3">
+            <a:schemeClr val="accent1"/>
+          </a:fillRef>
+          <a:effectRef idx="2">
+            <a:schemeClr val="accent1"/>
+          </a:effectRef>
+          <a:fontRef idx="minor">
+            <a:schemeClr val="lt1"/>
+          </a:fontRef>
+        </p:style>
+        <p:txBody>
+          <a:bodyPr rtlCol="0" anchor="ctr"/>
+          <a:lstStyle/>
+          <a:p>
+            <a:pPr algn="ctr"/>
+            <a:r>
+              <a:rPr lang="en-US" dirty="0" smtClean="0">
+                <a:solidFill>
+                  <a:schemeClr val="tx1"/>
+                </a:solidFill>
+              </a:rPr>
+              <a:t>Learning Engine</a:t>
+            </a:r>
+            <a:endParaRPr lang="en-US" dirty="0">
+              <a:solidFill>
+                <a:schemeClr val="tx1"/>
+              </a:solidFill>
+            </a:endParaRPr>
+          </a:p>
+        </p:txBody>
+      </p:sp>
+      <p:sp>
+        <p:nvSpPr>
+          <p:cNvPr id="65" name="Rounded Rectangle 64"/>
+          <p:cNvSpPr/>
+          <p:nvPr/>
+        </p:nvSpPr>
+        <p:spPr>
+          <a:xfrm>
+            <a:off x="6836588" y="3641900"/>
+            <a:ext cx="2051997" cy="648000"/>
+          </a:xfrm>
+          <a:prstGeom prst="roundRect">
+            <a:avLst/>
+          </a:prstGeom>
+          <a:ln w="12700" cmpd="sng">
+            <a:solidFill>
+              <a:schemeClr val="tx1"/>
+            </a:solidFill>
+          </a:ln>
+        </p:spPr>
+        <p:style>
+          <a:lnRef idx="1">
+            <a:schemeClr val="accent1"/>
+          </a:lnRef>
+          <a:fillRef idx="3">
+            <a:schemeClr val="accent1"/>
+          </a:fillRef>
+          <a:effectRef idx="2">
+            <a:schemeClr val="accent1"/>
+          </a:effectRef>
+          <a:fontRef idx="minor">
+            <a:schemeClr val="lt1"/>
+          </a:fontRef>
+        </p:style>
+        <p:txBody>
+          <a:bodyPr rtlCol="0" anchor="ctr"/>
+          <a:lstStyle/>
+          <a:p>
+            <a:pPr algn="ctr"/>
+            <a:r>
+              <a:rPr lang="en-US" sz="1600" dirty="0" smtClean="0">
+                <a:solidFill>
+                  <a:schemeClr val="tx1"/>
+                </a:solidFill>
+              </a:rPr>
+              <a:t>DynamicDataInstance</a:t>
+            </a:r>
+            <a:endParaRPr lang="en-US" sz="1600" dirty="0">
+              <a:solidFill>
+                <a:schemeClr val="tx1"/>
+              </a:solidFill>
+            </a:endParaRPr>
+          </a:p>
+        </p:txBody>
+      </p:sp>
+      <p:cxnSp>
+        <p:nvCxnSpPr>
+          <p:cNvPr id="66" name="Elbow Connector 65"/>
+          <p:cNvCxnSpPr>
+            <a:endCxn id="59" idx="1"/>
+          </p:cNvCxnSpPr>
+          <p:nvPr/>
+        </p:nvCxnSpPr>
+        <p:spPr>
+          <a:xfrm flipV="1">
+            <a:off x="1974832" y="5945339"/>
+            <a:ext cx="3301282" cy="0"/>
+          </a:xfrm>
+          <a:prstGeom prst="bentConnector3">
+            <a:avLst>
+              <a:gd name="adj1" fmla="val 50000"/>
+            </a:avLst>
+          </a:prstGeom>
+          <a:ln w="22225" cmpd="sng">
+            <a:headEnd type="oval" w="med" len="med"/>
+            <a:tailEnd type="none" w="lg" len="lg"/>
+          </a:ln>
+        </p:spPr>
+        <p:style>
+          <a:lnRef idx="2">
+            <a:schemeClr val="dk1"/>
+          </a:lnRef>
+          <a:fillRef idx="0">
+            <a:schemeClr val="dk1"/>
+          </a:fillRef>
+          <a:effectRef idx="1">
+            <a:schemeClr val="dk1"/>
+          </a:effectRef>
+          <a:fontRef idx="minor">
+            <a:schemeClr val="tx1"/>
+          </a:fontRef>
+        </p:style>
+      </p:cxnSp>
+      <p:cxnSp>
+        <p:nvCxnSpPr>
+          <p:cNvPr id="67" name="Elbow Connector 66"/>
+          <p:cNvCxnSpPr/>
+          <p:nvPr/>
+        </p:nvCxnSpPr>
+        <p:spPr>
+          <a:xfrm rot="5400000" flipH="1" flipV="1">
+            <a:off x="2609488" y="1147391"/>
+            <a:ext cx="1187973" cy="4067990"/>
+          </a:xfrm>
+          <a:prstGeom prst="bentConnector4">
+            <a:avLst>
+              <a:gd name="adj1" fmla="val 99831"/>
+              <a:gd name="adj2" fmla="val 61160"/>
+            </a:avLst>
+          </a:prstGeom>
+          <a:ln w="22225" cmpd="sng">
+            <a:headEnd type="oval" w="med" len="med"/>
+            <a:tailEnd type="none" w="lg" len="lg"/>
+          </a:ln>
+        </p:spPr>
+        <p:style>
+          <a:lnRef idx="2">
+            <a:schemeClr val="dk1"/>
+          </a:lnRef>
+          <a:fillRef idx="0">
+            <a:schemeClr val="dk1"/>
+          </a:fillRef>
+          <a:effectRef idx="1">
+            <a:schemeClr val="dk1"/>
+          </a:effectRef>
+          <a:fontRef idx="minor">
+            <a:schemeClr val="tx1"/>
+          </a:fontRef>
+        </p:style>
+      </p:cxnSp>
+      <p:cxnSp>
+        <p:nvCxnSpPr>
+          <p:cNvPr id="69" name="Elbow Connector 68"/>
+          <p:cNvCxnSpPr>
+            <a:stCxn id="62" idx="0"/>
+            <a:endCxn id="64" idx="2"/>
+          </p:cNvCxnSpPr>
+          <p:nvPr/>
+        </p:nvCxnSpPr>
+        <p:spPr>
+          <a:xfrm rot="16200000" flipV="1">
+            <a:off x="631898" y="5042841"/>
+            <a:ext cx="1073382" cy="1"/>
+          </a:xfrm>
+          <a:prstGeom prst="bentConnector3">
+            <a:avLst>
+              <a:gd name="adj1" fmla="val 50000"/>
+            </a:avLst>
+          </a:prstGeom>
+          <a:ln w="22225" cmpd="sng">
+            <a:headEnd type="oval" w="med" len="med"/>
+            <a:tailEnd type="none" w="lg" len="lg"/>
+          </a:ln>
+        </p:spPr>
+        <p:style>
+          <a:lnRef idx="2">
+            <a:schemeClr val="dk1"/>
+          </a:lnRef>
+          <a:fillRef idx="0">
+            <a:schemeClr val="dk1"/>
+          </a:fillRef>
+          <a:effectRef idx="1">
+            <a:schemeClr val="dk1"/>
+          </a:effectRef>
+          <a:fontRef idx="minor">
+            <a:schemeClr val="tx1"/>
+          </a:fontRef>
+        </p:style>
+      </p:cxnSp>
+      <p:cxnSp>
+        <p:nvCxnSpPr>
+          <p:cNvPr id="70" name="Elbow Connector 69"/>
+          <p:cNvCxnSpPr/>
+          <p:nvPr/>
+        </p:nvCxnSpPr>
+        <p:spPr>
+          <a:xfrm rot="5400000">
+            <a:off x="6269079" y="4038361"/>
+            <a:ext cx="1292954" cy="1799994"/>
+          </a:xfrm>
+          <a:prstGeom prst="bentConnector3">
+            <a:avLst>
+              <a:gd name="adj1" fmla="val 50000"/>
+            </a:avLst>
+          </a:prstGeom>
+          <a:ln w="22225" cmpd="sng">
+            <a:headEnd type="oval" w="med" len="med"/>
+            <a:tailEnd type="none" w="lg" len="lg"/>
+          </a:ln>
+        </p:spPr>
+        <p:style>
+          <a:lnRef idx="2">
+            <a:schemeClr val="dk1"/>
+          </a:lnRef>
+          <a:fillRef idx="0">
+            <a:schemeClr val="dk1"/>
+          </a:fillRef>
+          <a:effectRef idx="1">
+            <a:schemeClr val="dk1"/>
+          </a:effectRef>
+          <a:fontRef idx="minor">
+            <a:schemeClr val="tx1"/>
+          </a:fontRef>
+        </p:style>
+      </p:cxnSp>
+      <p:cxnSp>
+        <p:nvCxnSpPr>
+          <p:cNvPr id="78" name="Elbow Connector 77"/>
+          <p:cNvCxnSpPr>
+            <a:stCxn id="65" idx="1"/>
+            <a:endCxn id="55" idx="3"/>
+          </p:cNvCxnSpPr>
+          <p:nvPr/>
+        </p:nvCxnSpPr>
+        <p:spPr>
+          <a:xfrm rot="10800000" flipV="1">
+            <a:off x="5204838" y="3978626"/>
+            <a:ext cx="1631751" cy="0"/>
+          </a:xfrm>
+          <a:prstGeom prst="bentConnector3">
+            <a:avLst>
+              <a:gd name="adj1" fmla="val 50000"/>
+            </a:avLst>
+          </a:prstGeom>
+          <a:ln w="22225" cmpd="sng">
+            <a:solidFill>
+              <a:srgbClr val="882E2E"/>
+            </a:solidFill>
+            <a:tailEnd type="arrow"/>
+          </a:ln>
+        </p:spPr>
+        <p:style>
+          <a:lnRef idx="2">
+            <a:schemeClr val="accent1"/>
+          </a:lnRef>
+          <a:fillRef idx="0">
+            <a:schemeClr val="accent1"/>
+          </a:fillRef>
+          <a:effectRef idx="1">
+            <a:schemeClr val="accent1"/>
+          </a:effectRef>
+          <a:fontRef idx="minor">
+            <a:schemeClr val="tx1"/>
+          </a:fontRef>
+        </p:style>
+      </p:cxnSp>
+      <p:cxnSp>
+        <p:nvCxnSpPr>
+          <p:cNvPr id="84" name="Elbow Connector 83"/>
+          <p:cNvCxnSpPr/>
+          <p:nvPr/>
+        </p:nvCxnSpPr>
+        <p:spPr>
+          <a:xfrm rot="16200000" flipH="1">
+            <a:off x="4796652" y="3719102"/>
+            <a:ext cx="615138" cy="1835997"/>
+          </a:xfrm>
+          <a:prstGeom prst="bentConnector2">
+            <a:avLst/>
+          </a:prstGeom>
+          <a:ln w="22225" cmpd="sng">
+            <a:headEnd type="oval" w="med" len="med"/>
+            <a:tailEnd type="none" w="lg" len="lg"/>
+          </a:ln>
+        </p:spPr>
+        <p:style>
+          <a:lnRef idx="2">
+            <a:schemeClr val="dk1"/>
+          </a:lnRef>
+          <a:fillRef idx="0">
+            <a:schemeClr val="dk1"/>
+          </a:fillRef>
+          <a:effectRef idx="1">
+            <a:schemeClr val="dk1"/>
+          </a:effectRef>
+          <a:fontRef idx="minor">
+            <a:schemeClr val="tx1"/>
+          </a:fontRef>
+        </p:style>
+      </p:cxnSp>
+      <p:cxnSp>
+        <p:nvCxnSpPr>
+          <p:cNvPr id="91" name="Elbow Connector 90"/>
+          <p:cNvCxnSpPr/>
+          <p:nvPr/>
+        </p:nvCxnSpPr>
+        <p:spPr>
+          <a:xfrm>
+            <a:off x="6058661" y="3297970"/>
+            <a:ext cx="1799996" cy="356656"/>
+          </a:xfrm>
+          <a:prstGeom prst="bentConnector2">
+            <a:avLst/>
+          </a:prstGeom>
+          <a:ln w="22225" cmpd="sng">
+            <a:headEnd type="none" w="med" len="med"/>
+            <a:tailEnd type="none" w="lg" len="lg"/>
+          </a:ln>
+        </p:spPr>
+        <p:style>
+          <a:lnRef idx="2">
+            <a:schemeClr val="dk1"/>
+          </a:lnRef>
+          <a:fillRef idx="0">
+            <a:schemeClr val="dk1"/>
+          </a:fillRef>
+          <a:effectRef idx="1">
+            <a:schemeClr val="dk1"/>
+          </a:effectRef>
+          <a:fontRef idx="minor">
+            <a:schemeClr val="tx1"/>
+          </a:fontRef>
+        </p:style>
+      </p:cxnSp>
+      <p:cxnSp>
+        <p:nvCxnSpPr>
+          <p:cNvPr id="36" name="Elbow Connector 35"/>
+          <p:cNvCxnSpPr/>
+          <p:nvPr/>
+        </p:nvCxnSpPr>
+        <p:spPr>
+          <a:xfrm rot="5400000">
+            <a:off x="4764186" y="2368355"/>
+            <a:ext cx="716958" cy="1871991"/>
+          </a:xfrm>
+          <a:prstGeom prst="bentConnector3">
+            <a:avLst>
+              <a:gd name="adj1" fmla="val 50000"/>
+            </a:avLst>
+          </a:prstGeom>
+          <a:ln w="22225" cmpd="sng">
+            <a:headEnd type="oval" w="med" len="med"/>
+            <a:tailEnd type="none" w="lg" len="lg"/>
+          </a:ln>
+        </p:spPr>
+        <p:style>
+          <a:lnRef idx="2">
+            <a:schemeClr val="dk1"/>
+          </a:lnRef>
+          <a:fillRef idx="0">
+            <a:schemeClr val="dk1"/>
+          </a:fillRef>
+          <a:effectRef idx="1">
+            <a:schemeClr val="dk1"/>
+          </a:effectRef>
+          <a:fontRef idx="minor">
+            <a:schemeClr val="tx1"/>
+          </a:fontRef>
+        </p:style>
+      </p:cxnSp>
+      <p:sp>
+        <p:nvSpPr>
+          <p:cNvPr id="16" name="Rounded Rectangle 15"/>
+          <p:cNvSpPr/>
+          <p:nvPr/>
+        </p:nvSpPr>
+        <p:spPr>
+          <a:xfrm>
+            <a:off x="3399808" y="802042"/>
+            <a:ext cx="1619990" cy="648000"/>
+          </a:xfrm>
+          <a:prstGeom prst="roundRect">
+            <a:avLst/>
+          </a:prstGeom>
+          <a:ln w="12700" cmpd="sng">
+            <a:solidFill>
+              <a:schemeClr val="tx1"/>
+            </a:solidFill>
+          </a:ln>
+        </p:spPr>
+        <p:style>
+          <a:lnRef idx="1">
+            <a:schemeClr val="accent1"/>
+          </a:lnRef>
+          <a:fillRef idx="3">
+            <a:schemeClr val="accent1"/>
+          </a:fillRef>
+          <a:effectRef idx="2">
+            <a:schemeClr val="accent1"/>
+          </a:effectRef>
+          <a:fontRef idx="minor">
+            <a:schemeClr val="lt1"/>
+          </a:fontRef>
+        </p:style>
+        <p:txBody>
+          <a:bodyPr rtlCol="0" anchor="ctr"/>
+          <a:lstStyle/>
+          <a:p>
+            <a:pPr algn="ctr"/>
+            <a:r>
+              <a:rPr lang="en-US" sz="1600" dirty="0" smtClean="0">
+                <a:solidFill>
+                  <a:schemeClr val="tx1"/>
+                </a:solidFill>
+              </a:rPr>
+              <a:t>DataOnMemory</a:t>
+            </a:r>
+            <a:endParaRPr lang="en-US" sz="1600" dirty="0">
+              <a:solidFill>
+                <a:schemeClr val="tx1"/>
+              </a:solidFill>
+            </a:endParaRPr>
+          </a:p>
+        </p:txBody>
+      </p:sp>
+      <p:sp>
+        <p:nvSpPr>
+          <p:cNvPr id="17" name="Rounded Rectangle 16"/>
+          <p:cNvSpPr/>
+          <p:nvPr/>
+        </p:nvSpPr>
+        <p:spPr>
+          <a:xfrm>
+            <a:off x="5280068" y="802042"/>
+            <a:ext cx="1619990" cy="648000"/>
+          </a:xfrm>
+          <a:prstGeom prst="roundRect">
+            <a:avLst/>
+          </a:prstGeom>
+          <a:ln w="12700" cmpd="sng">
+            <a:solidFill>
+              <a:schemeClr val="tx1"/>
+            </a:solidFill>
+          </a:ln>
+        </p:spPr>
+        <p:style>
+          <a:lnRef idx="1">
+            <a:schemeClr val="accent1"/>
+          </a:lnRef>
+          <a:fillRef idx="3">
+            <a:schemeClr val="accent1"/>
+          </a:fillRef>
+          <a:effectRef idx="2">
+            <a:schemeClr val="accent1"/>
+          </a:effectRef>
+          <a:fontRef idx="minor">
+            <a:schemeClr val="lt1"/>
+          </a:fontRef>
+        </p:style>
+        <p:txBody>
+          <a:bodyPr rtlCol="0" anchor="ctr"/>
+          <a:lstStyle/>
+          <a:p>
+            <a:pPr algn="ctr"/>
+            <a:r>
+              <a:rPr lang="en-US" sz="1600" dirty="0" smtClean="0">
+                <a:solidFill>
+                  <a:schemeClr val="tx1"/>
+                </a:solidFill>
+              </a:rPr>
+              <a:t>DataOnDisk</a:t>
+            </a:r>
+            <a:endParaRPr lang="en-US" sz="1600" dirty="0">
+              <a:solidFill>
+                <a:schemeClr val="tx1"/>
+              </a:solidFill>
+            </a:endParaRPr>
+          </a:p>
+        </p:txBody>
+      </p:sp>
+      <p:sp>
+        <p:nvSpPr>
+          <p:cNvPr id="18" name="Rounded Rectangle 17"/>
+          <p:cNvSpPr/>
+          <p:nvPr/>
+        </p:nvSpPr>
+        <p:spPr>
+          <a:xfrm>
+            <a:off x="7166252" y="802042"/>
+            <a:ext cx="1619990" cy="648000"/>
+          </a:xfrm>
+          <a:prstGeom prst="roundRect">
+            <a:avLst/>
+          </a:prstGeom>
+          <a:ln w="12700" cmpd="sng">
+            <a:solidFill>
+              <a:schemeClr val="tx1"/>
+            </a:solidFill>
+          </a:ln>
+        </p:spPr>
+        <p:style>
+          <a:lnRef idx="1">
+            <a:schemeClr val="accent1"/>
+          </a:lnRef>
+          <a:fillRef idx="3">
+            <a:schemeClr val="accent1"/>
+          </a:fillRef>
+          <a:effectRef idx="2">
+            <a:schemeClr val="accent1"/>
+          </a:effectRef>
+          <a:fontRef idx="minor">
+            <a:schemeClr val="lt1"/>
+          </a:fontRef>
+        </p:style>
+        <p:txBody>
+          <a:bodyPr rtlCol="0" anchor="ctr"/>
+          <a:lstStyle/>
+          <a:p>
+            <a:pPr algn="ctr"/>
+            <a:r>
+              <a:rPr lang="en-US" sz="1600" dirty="0" smtClean="0">
+                <a:solidFill>
+                  <a:schemeClr val="tx1"/>
+                </a:solidFill>
+              </a:rPr>
+              <a:t>DistributedData</a:t>
+            </a:r>
+            <a:endParaRPr lang="en-US" sz="1600" dirty="0">
+              <a:solidFill>
+                <a:schemeClr val="tx1"/>
+              </a:solidFill>
+            </a:endParaRPr>
+          </a:p>
+        </p:txBody>
+      </p:sp>
+      <p:cxnSp>
+        <p:nvCxnSpPr>
+          <p:cNvPr id="19" name="Elbow Connector 18"/>
+          <p:cNvCxnSpPr>
+            <a:stCxn id="53" idx="0"/>
+            <a:endCxn id="16" idx="2"/>
+          </p:cNvCxnSpPr>
+          <p:nvPr/>
+        </p:nvCxnSpPr>
+        <p:spPr>
+          <a:xfrm rot="16200000" flipV="1">
+            <a:off x="4751568" y="908277"/>
+            <a:ext cx="766934" cy="1850463"/>
+          </a:xfrm>
+          <a:prstGeom prst="bentConnector3">
+            <a:avLst>
+              <a:gd name="adj1" fmla="val 50000"/>
+            </a:avLst>
+          </a:prstGeom>
+          <a:ln w="22225" cmpd="sng">
+            <a:headEnd type="oval" w="med" len="med"/>
+            <a:tailEnd type="none" w="lg" len="lg"/>
+          </a:ln>
+        </p:spPr>
+        <p:style>
+          <a:lnRef idx="2">
+            <a:schemeClr val="dk1"/>
+          </a:lnRef>
+          <a:fillRef idx="0">
+            <a:schemeClr val="dk1"/>
+          </a:fillRef>
+          <a:effectRef idx="1">
+            <a:schemeClr val="dk1"/>
+          </a:effectRef>
+          <a:fontRef idx="minor">
+            <a:schemeClr val="tx1"/>
+          </a:fontRef>
+        </p:style>
+      </p:cxnSp>
+      <p:cxnSp>
+        <p:nvCxnSpPr>
+          <p:cNvPr id="22" name="Elbow Connector 21"/>
+          <p:cNvCxnSpPr/>
+          <p:nvPr/>
+        </p:nvCxnSpPr>
+        <p:spPr>
+          <a:xfrm flipV="1">
+            <a:off x="6072026" y="1461800"/>
+            <a:ext cx="1915978" cy="372487"/>
+          </a:xfrm>
+          <a:prstGeom prst="bentConnector2">
+            <a:avLst/>
+          </a:prstGeom>
+          <a:ln w="22225" cmpd="sng">
+            <a:headEnd type="none" w="med" len="med"/>
+            <a:tailEnd type="none" w="lg" len="lg"/>
+          </a:ln>
+        </p:spPr>
+        <p:style>
+          <a:lnRef idx="2">
+            <a:schemeClr val="dk1"/>
+          </a:lnRef>
+          <a:fillRef idx="0">
+            <a:schemeClr val="dk1"/>
+          </a:fillRef>
+          <a:effectRef idx="1">
+            <a:schemeClr val="dk1"/>
+          </a:effectRef>
+          <a:fontRef idx="minor">
+            <a:schemeClr val="tx1"/>
+          </a:fontRef>
+        </p:style>
+      </p:cxnSp>
+      <p:cxnSp>
+        <p:nvCxnSpPr>
+          <p:cNvPr id="26" name="Elbow Connector 25"/>
+          <p:cNvCxnSpPr/>
+          <p:nvPr/>
+        </p:nvCxnSpPr>
+        <p:spPr>
+          <a:xfrm rot="16200000" flipV="1">
+            <a:off x="5868145" y="1642163"/>
+            <a:ext cx="384246" cy="2"/>
+          </a:xfrm>
+          <a:prstGeom prst="bentConnector3">
+            <a:avLst>
+              <a:gd name="adj1" fmla="val 50000"/>
+            </a:avLst>
+          </a:prstGeom>
+          <a:ln w="22225" cmpd="sng">
+            <a:headEnd type="none" w="med" len="med"/>
+            <a:tailEnd type="none" w="lg" len="lg"/>
+          </a:ln>
+        </p:spPr>
+        <p:style>
+          <a:lnRef idx="2">
+            <a:schemeClr val="dk1"/>
+          </a:lnRef>
+          <a:fillRef idx="0">
+            <a:schemeClr val="dk1"/>
+          </a:fillRef>
+          <a:effectRef idx="1">
+            <a:schemeClr val="dk1"/>
+          </a:effectRef>
+          <a:fontRef idx="minor">
+            <a:schemeClr val="tx1"/>
+          </a:fontRef>
+        </p:style>
+      </p:cxnSp>
+    </p:spTree>
+    <p:extLst>
+      <p:ext uri="{BB962C8B-B14F-4D97-AF65-F5344CB8AC3E}">
+        <p14:creationId xmlns:p14="http://schemas.microsoft.com/office/powerpoint/2010/main" val="1007605209"/>
+      </p:ext>
+    </p:extLst>
+  </p:cSld>
+  <p:clrMapOvr>
+    <a:masterClrMapping/>
+  </p:clrMapOvr>
+  <p:timing>
+    <p:tnLst>
+      <p:par>
+        <p:cTn xmlns:p14="http://schemas.microsoft.com/office/powerpoint/2010/main" id="1" dur="indefinite" restart="never" nodeType="tmRoot"/>
+      </p:par>
+    </p:tnLst>
+  </p:timing>
+</p:sld>
+</file>
+
+<file path=ppt/slides/slide7.xml><?xml version="1.0" encoding="utf-8"?>
+<p:sld xmlns:a="http://schemas.openxmlformats.org/drawingml/2006/main" xmlns:r="http://schemas.openxmlformats.org/officeDocument/2006/relationships" xmlns:p="http://schemas.openxmlformats.org/presentationml/2006/main">
+  <p:cSld>
+    <p:spTree>
+      <p:nvGrpSpPr>
+        <p:cNvPr id="1" name=""/>
+        <p:cNvGrpSpPr/>
+        <p:nvPr/>
+      </p:nvGrpSpPr>
+      <p:grpSpPr>
+        <a:xfrm>
+          <a:off x="0" y="0"/>
+          <a:ext cx="0" cy="0"/>
+          <a:chOff x="0" y="0"/>
+          <a:chExt cx="0" cy="0"/>
+        </a:xfrm>
+      </p:grpSpPr>
+      <p:sp>
+        <p:nvSpPr>
+          <p:cNvPr id="4" name="Rectangle 3"/>
+          <p:cNvSpPr/>
+          <p:nvPr/>
+        </p:nvSpPr>
+        <p:spPr>
+          <a:xfrm>
+            <a:off x="3760696" y="209885"/>
+            <a:ext cx="1619998" cy="647999"/>
+          </a:xfrm>
+          <a:prstGeom prst="rect">
+            <a:avLst/>
+          </a:prstGeom>
+          <a:ln w="28575" cmpd="sng">
+            <a:solidFill>
+              <a:schemeClr val="tx1"/>
+            </a:solidFill>
+          </a:ln>
+        </p:spPr>
+        <p:style>
+          <a:lnRef idx="1">
+            <a:schemeClr val="accent1"/>
+          </a:lnRef>
+          <a:fillRef idx="3">
+            <a:schemeClr val="accent1"/>
+          </a:fillRef>
+          <a:effectRef idx="2">
+            <a:schemeClr val="accent1"/>
+          </a:effectRef>
+          <a:fontRef idx="minor">
+            <a:schemeClr val="lt1"/>
+          </a:fontRef>
+        </p:style>
+        <p:txBody>
+          <a:bodyPr rtlCol="0" anchor="ctr"/>
+          <a:lstStyle/>
+          <a:p>
+            <a:pPr algn="ctr"/>
+            <a:r>
+              <a:rPr lang="en-US" dirty="0">
+                <a:solidFill>
+                  <a:schemeClr val="tx1"/>
+                </a:solidFill>
+              </a:rPr>
+              <a:t>PGM</a:t>
+            </a:r>
+          </a:p>
+        </p:txBody>
+      </p:sp>
+      <p:sp>
+        <p:nvSpPr>
+          <p:cNvPr id="5" name="Rounded Rectangle 4"/>
+          <p:cNvSpPr/>
+          <p:nvPr/>
+        </p:nvSpPr>
+        <p:spPr>
+          <a:xfrm>
+            <a:off x="3465877" y="1374284"/>
+            <a:ext cx="1007994" cy="575999"/>
+          </a:xfrm>
+          <a:prstGeom prst="roundRect">
+            <a:avLst/>
+          </a:prstGeom>
+          <a:ln w="12700" cmpd="sng">
+            <a:solidFill>
+              <a:schemeClr val="tx1"/>
+            </a:solidFill>
+          </a:ln>
+        </p:spPr>
+        <p:style>
+          <a:lnRef idx="1">
+            <a:schemeClr val="accent1"/>
+          </a:lnRef>
+          <a:fillRef idx="3">
+            <a:schemeClr val="accent1"/>
+          </a:fillRef>
+          <a:effectRef idx="2">
+            <a:schemeClr val="accent1"/>
+          </a:effectRef>
+          <a:fontRef idx="minor">
+            <a:schemeClr val="lt1"/>
+          </a:fontRef>
+        </p:style>
+        <p:txBody>
+          <a:bodyPr rtlCol="0" anchor="ctr"/>
+          <a:lstStyle/>
+          <a:p>
+            <a:pPr algn="ctr"/>
+            <a:r>
+              <a:rPr lang="en-US" sz="1600" dirty="0" smtClean="0">
+                <a:solidFill>
+                  <a:schemeClr val="tx1"/>
+                </a:solidFill>
+              </a:rPr>
+              <a:t>BN</a:t>
+            </a:r>
+            <a:endParaRPr lang="en-US" sz="1600" dirty="0">
+              <a:solidFill>
+                <a:schemeClr val="tx1"/>
+              </a:solidFill>
+            </a:endParaRPr>
+          </a:p>
+        </p:txBody>
+      </p:sp>
+      <p:sp>
+        <p:nvSpPr>
+          <p:cNvPr id="6" name="Rounded Rectangle 5"/>
+          <p:cNvSpPr/>
+          <p:nvPr/>
+        </p:nvSpPr>
+        <p:spPr>
+          <a:xfrm>
+            <a:off x="4714406" y="1371253"/>
+            <a:ext cx="1007994" cy="575999"/>
+          </a:xfrm>
+          <a:prstGeom prst="roundRect">
+            <a:avLst/>
+          </a:prstGeom>
+          <a:ln w="12700" cmpd="sng">
+            <a:solidFill>
+              <a:schemeClr val="tx1"/>
+            </a:solidFill>
+          </a:ln>
+        </p:spPr>
+        <p:style>
+          <a:lnRef idx="1">
+            <a:schemeClr val="accent1"/>
+          </a:lnRef>
+          <a:fillRef idx="3">
+            <a:schemeClr val="accent1"/>
+          </a:fillRef>
+          <a:effectRef idx="2">
+            <a:schemeClr val="accent1"/>
+          </a:effectRef>
+          <a:fontRef idx="minor">
+            <a:schemeClr val="lt1"/>
+          </a:fontRef>
+        </p:style>
+        <p:txBody>
+          <a:bodyPr rtlCol="0" anchor="ctr"/>
+          <a:lstStyle/>
+          <a:p>
+            <a:pPr algn="ctr"/>
+            <a:r>
+              <a:rPr lang="en-US" sz="1600" dirty="0" smtClean="0">
+                <a:solidFill>
+                  <a:schemeClr val="tx1"/>
+                </a:solidFill>
+              </a:rPr>
+              <a:t>2T-DBN</a:t>
+            </a:r>
+            <a:endParaRPr lang="en-US" sz="1600" dirty="0">
+              <a:solidFill>
+                <a:schemeClr val="tx1"/>
+              </a:solidFill>
+            </a:endParaRPr>
+          </a:p>
+        </p:txBody>
+      </p:sp>
+      <p:cxnSp>
+        <p:nvCxnSpPr>
+          <p:cNvPr id="7" name="Elbow Connector 6"/>
+          <p:cNvCxnSpPr/>
+          <p:nvPr/>
+        </p:nvCxnSpPr>
+        <p:spPr>
+          <a:xfrm rot="5400000" flipH="1" flipV="1">
+            <a:off x="4010104" y="803894"/>
+            <a:ext cx="503999" cy="611979"/>
+          </a:xfrm>
+          <a:prstGeom prst="bentConnector3">
+            <a:avLst>
+              <a:gd name="adj1" fmla="val 50000"/>
+            </a:avLst>
+          </a:prstGeom>
+          <a:ln w="22225" cmpd="sng">
+            <a:solidFill>
+              <a:srgbClr val="882E2E"/>
+            </a:solidFill>
+            <a:tailEnd type="arrow"/>
+          </a:ln>
+        </p:spPr>
+        <p:style>
+          <a:lnRef idx="2">
+            <a:schemeClr val="accent1"/>
+          </a:lnRef>
+          <a:fillRef idx="0">
+            <a:schemeClr val="accent1"/>
+          </a:fillRef>
+          <a:effectRef idx="1">
+            <a:schemeClr val="accent1"/>
+          </a:effectRef>
+          <a:fontRef idx="minor">
+            <a:schemeClr val="tx1"/>
+          </a:fontRef>
+        </p:style>
+      </p:cxnSp>
+      <p:cxnSp>
+        <p:nvCxnSpPr>
+          <p:cNvPr id="8" name="Elbow Connector 7"/>
+          <p:cNvCxnSpPr/>
+          <p:nvPr/>
+        </p:nvCxnSpPr>
+        <p:spPr>
+          <a:xfrm rot="16200000" flipV="1">
+            <a:off x="4629352" y="807154"/>
+            <a:ext cx="503999" cy="611979"/>
+          </a:xfrm>
+          <a:prstGeom prst="bentConnector3">
+            <a:avLst>
+              <a:gd name="adj1" fmla="val 50000"/>
+            </a:avLst>
+          </a:prstGeom>
+          <a:ln w="22225" cmpd="sng">
+            <a:solidFill>
+              <a:srgbClr val="882E2E"/>
+            </a:solidFill>
+            <a:tailEnd type="arrow"/>
+          </a:ln>
+        </p:spPr>
+        <p:style>
+          <a:lnRef idx="2">
+            <a:schemeClr val="accent1"/>
+          </a:lnRef>
+          <a:fillRef idx="0">
+            <a:schemeClr val="accent1"/>
+          </a:fillRef>
+          <a:effectRef idx="1">
+            <a:schemeClr val="accent1"/>
+          </a:effectRef>
+          <a:fontRef idx="minor">
+            <a:schemeClr val="tx1"/>
+          </a:fontRef>
+        </p:style>
+      </p:cxnSp>
+      <p:sp>
+        <p:nvSpPr>
+          <p:cNvPr id="9" name="Rounded Rectangle 8"/>
+          <p:cNvSpPr/>
+          <p:nvPr/>
+        </p:nvSpPr>
+        <p:spPr>
+          <a:xfrm>
+            <a:off x="3741740" y="2352208"/>
+            <a:ext cx="1730067" cy="648000"/>
+          </a:xfrm>
+          <a:prstGeom prst="roundRect">
+            <a:avLst/>
+          </a:prstGeom>
+          <a:ln w="19050" cmpd="sng">
+            <a:solidFill>
+              <a:schemeClr val="tx1"/>
+            </a:solidFill>
+          </a:ln>
+        </p:spPr>
+        <p:style>
+          <a:lnRef idx="1">
+            <a:schemeClr val="accent1"/>
+          </a:lnRef>
+          <a:fillRef idx="3">
+            <a:schemeClr val="accent1"/>
+          </a:fillRef>
+          <a:effectRef idx="2">
+            <a:schemeClr val="accent1"/>
+          </a:effectRef>
+          <a:fontRef idx="minor">
+            <a:schemeClr val="lt1"/>
+          </a:fontRef>
+        </p:style>
+        <p:txBody>
+          <a:bodyPr rtlCol="0" anchor="ctr"/>
+          <a:lstStyle/>
+          <a:p>
+            <a:pPr algn="ctr"/>
+            <a:r>
+              <a:rPr lang="en-US" dirty="0" smtClean="0">
+                <a:solidFill>
+                  <a:srgbClr val="000000"/>
+                </a:solidFill>
+              </a:rPr>
+              <a:t>Distributions</a:t>
+            </a:r>
+            <a:endParaRPr lang="en-US" dirty="0">
+              <a:solidFill>
+                <a:srgbClr val="000000"/>
+              </a:solidFill>
+            </a:endParaRPr>
+          </a:p>
+        </p:txBody>
+      </p:sp>
+      <p:sp>
+        <p:nvSpPr>
+          <p:cNvPr id="17" name="Rounded Rectangle 16"/>
+          <p:cNvSpPr/>
+          <p:nvPr/>
+        </p:nvSpPr>
+        <p:spPr>
+          <a:xfrm>
+            <a:off x="555164" y="1358987"/>
+            <a:ext cx="1007994" cy="575999"/>
+          </a:xfrm>
+          <a:prstGeom prst="roundRect">
+            <a:avLst/>
+          </a:prstGeom>
+          <a:ln>
+            <a:solidFill>
+              <a:schemeClr val="tx1"/>
+            </a:solidFill>
+          </a:ln>
+        </p:spPr>
+        <p:style>
+          <a:lnRef idx="1">
+            <a:schemeClr val="accent1"/>
+          </a:lnRef>
+          <a:fillRef idx="3">
+            <a:schemeClr val="accent1"/>
+          </a:fillRef>
+          <a:effectRef idx="2">
+            <a:schemeClr val="accent1"/>
+          </a:effectRef>
+          <a:fontRef idx="minor">
+            <a:schemeClr val="lt1"/>
+          </a:fontRef>
+        </p:style>
+        <p:txBody>
+          <a:bodyPr rtlCol="0" anchor="ctr"/>
+          <a:lstStyle/>
+          <a:p>
+            <a:pPr algn="ctr"/>
+            <a:r>
+              <a:rPr lang="en-US" sz="1600" dirty="0" smtClean="0">
+                <a:solidFill>
+                  <a:srgbClr val="000000"/>
+                </a:solidFill>
+              </a:rPr>
+              <a:t>Static </a:t>
+            </a:r>
+          </a:p>
+          <a:p>
+            <a:pPr algn="ctr"/>
+            <a:r>
+              <a:rPr lang="en-US" sz="1600" dirty="0" smtClean="0">
+                <a:solidFill>
+                  <a:srgbClr val="000000"/>
+                </a:solidFill>
+              </a:rPr>
+              <a:t>variables</a:t>
+            </a:r>
+            <a:endParaRPr lang="en-US" sz="1600" dirty="0">
+              <a:solidFill>
+                <a:srgbClr val="000000"/>
+              </a:solidFill>
+            </a:endParaRPr>
+          </a:p>
+        </p:txBody>
+      </p:sp>
+      <p:sp>
+        <p:nvSpPr>
+          <p:cNvPr id="18" name="Rounded Rectangle 17"/>
+          <p:cNvSpPr/>
+          <p:nvPr/>
+        </p:nvSpPr>
+        <p:spPr>
+          <a:xfrm>
+            <a:off x="7593770" y="1378056"/>
+            <a:ext cx="1007994" cy="575999"/>
+          </a:xfrm>
+          <a:prstGeom prst="roundRect">
+            <a:avLst/>
+          </a:prstGeom>
+          <a:ln>
+            <a:solidFill>
+              <a:schemeClr val="tx1"/>
+            </a:solidFill>
+          </a:ln>
+        </p:spPr>
+        <p:style>
+          <a:lnRef idx="1">
+            <a:schemeClr val="accent1"/>
+          </a:lnRef>
+          <a:fillRef idx="3">
+            <a:schemeClr val="accent1"/>
+          </a:fillRef>
+          <a:effectRef idx="2">
+            <a:schemeClr val="accent1"/>
+          </a:effectRef>
+          <a:fontRef idx="minor">
+            <a:schemeClr val="lt1"/>
+          </a:fontRef>
+        </p:style>
+        <p:txBody>
+          <a:bodyPr rtlCol="0" anchor="ctr"/>
+          <a:lstStyle/>
+          <a:p>
+            <a:pPr algn="ctr"/>
+            <a:r>
+              <a:rPr lang="en-US" sz="1600" dirty="0" smtClean="0">
+                <a:solidFill>
+                  <a:srgbClr val="000000"/>
+                </a:solidFill>
+              </a:rPr>
+              <a:t>Dynamic </a:t>
+            </a:r>
+          </a:p>
+          <a:p>
+            <a:pPr algn="ctr"/>
+            <a:r>
+              <a:rPr lang="en-US" sz="1600" dirty="0" smtClean="0">
+                <a:solidFill>
+                  <a:srgbClr val="000000"/>
+                </a:solidFill>
+              </a:rPr>
+              <a:t>variables</a:t>
+            </a:r>
+            <a:endParaRPr lang="en-US" sz="1600" dirty="0">
+              <a:solidFill>
+                <a:srgbClr val="000000"/>
+              </a:solidFill>
+            </a:endParaRPr>
+          </a:p>
+        </p:txBody>
+      </p:sp>
+      <p:sp>
+        <p:nvSpPr>
+          <p:cNvPr id="19" name="Rounded Rectangle 18"/>
+          <p:cNvSpPr/>
+          <p:nvPr/>
+        </p:nvSpPr>
+        <p:spPr>
+          <a:xfrm>
+            <a:off x="2006776" y="1350781"/>
+            <a:ext cx="1007994" cy="575999"/>
+          </a:xfrm>
+          <a:prstGeom prst="roundRect">
+            <a:avLst/>
+          </a:prstGeom>
+          <a:ln>
+            <a:solidFill>
+              <a:schemeClr val="tx1"/>
+            </a:solidFill>
+          </a:ln>
+        </p:spPr>
+        <p:style>
+          <a:lnRef idx="1">
+            <a:schemeClr val="accent1"/>
+          </a:lnRef>
+          <a:fillRef idx="3">
+            <a:schemeClr val="accent1"/>
+          </a:fillRef>
+          <a:effectRef idx="2">
+            <a:schemeClr val="accent1"/>
+          </a:effectRef>
+          <a:fontRef idx="minor">
+            <a:schemeClr val="lt1"/>
+          </a:fontRef>
+        </p:style>
+        <p:txBody>
+          <a:bodyPr rtlCol="0" anchor="ctr"/>
+          <a:lstStyle/>
+          <a:p>
+            <a:pPr algn="ctr"/>
+            <a:r>
+              <a:rPr lang="en-US" sz="1600" dirty="0" smtClean="0">
+                <a:solidFill>
+                  <a:srgbClr val="000000"/>
+                </a:solidFill>
+              </a:rPr>
+              <a:t>DAG</a:t>
+            </a:r>
+            <a:endParaRPr lang="en-US" sz="1600" dirty="0">
+              <a:solidFill>
+                <a:srgbClr val="000000"/>
+              </a:solidFill>
+            </a:endParaRPr>
+          </a:p>
+        </p:txBody>
+      </p:sp>
+      <p:sp>
+        <p:nvSpPr>
+          <p:cNvPr id="23" name="Rounded Rectangle 22"/>
+          <p:cNvSpPr/>
+          <p:nvPr/>
+        </p:nvSpPr>
+        <p:spPr>
+          <a:xfrm>
+            <a:off x="6150718" y="1378056"/>
+            <a:ext cx="1007994" cy="575999"/>
+          </a:xfrm>
+          <a:prstGeom prst="roundRect">
+            <a:avLst/>
+          </a:prstGeom>
+          <a:ln>
+            <a:solidFill>
+              <a:schemeClr val="tx1"/>
+            </a:solidFill>
+          </a:ln>
+        </p:spPr>
+        <p:style>
+          <a:lnRef idx="1">
+            <a:schemeClr val="accent1"/>
+          </a:lnRef>
+          <a:fillRef idx="3">
+            <a:schemeClr val="accent1"/>
+          </a:fillRef>
+          <a:effectRef idx="2">
+            <a:schemeClr val="accent1"/>
+          </a:effectRef>
+          <a:fontRef idx="minor">
+            <a:schemeClr val="lt1"/>
+          </a:fontRef>
+        </p:style>
+        <p:txBody>
+          <a:bodyPr rtlCol="0" anchor="ctr"/>
+          <a:lstStyle/>
+          <a:p>
+            <a:pPr algn="ctr"/>
+            <a:r>
+              <a:rPr lang="en-US" sz="1600" dirty="0" smtClean="0">
+                <a:solidFill>
+                  <a:srgbClr val="000000"/>
+                </a:solidFill>
+              </a:rPr>
+              <a:t>Dynamic DAG</a:t>
+            </a:r>
+            <a:endParaRPr lang="en-US" sz="1600" dirty="0">
+              <a:solidFill>
+                <a:srgbClr val="000000"/>
+              </a:solidFill>
+            </a:endParaRPr>
+          </a:p>
+        </p:txBody>
+      </p:sp>
+      <p:sp>
+        <p:nvSpPr>
+          <p:cNvPr id="28" name="Rectangle 27"/>
+          <p:cNvSpPr/>
+          <p:nvPr/>
+        </p:nvSpPr>
+        <p:spPr>
+          <a:xfrm>
+            <a:off x="4930693" y="3474011"/>
+            <a:ext cx="3062319" cy="2772000"/>
+          </a:xfrm>
+          <a:prstGeom prst="rect">
+            <a:avLst/>
+          </a:prstGeom>
+          <a:noFill/>
+          <a:ln>
+            <a:solidFill>
+              <a:schemeClr val="tx1"/>
+            </a:solidFill>
+          </a:ln>
+        </p:spPr>
+        <p:style>
+          <a:lnRef idx="1">
+            <a:schemeClr val="accent1"/>
+          </a:lnRef>
+          <a:fillRef idx="3">
+            <a:schemeClr val="accent1"/>
+          </a:fillRef>
+          <a:effectRef idx="2">
+            <a:schemeClr val="accent1"/>
+          </a:effectRef>
+          <a:fontRef idx="minor">
+            <a:schemeClr val="lt1"/>
+          </a:fontRef>
+        </p:style>
+        <p:txBody>
+          <a:bodyPr rtlCol="0" anchor="ctr"/>
+          <a:lstStyle/>
+          <a:p>
+            <a:pPr algn="ctr"/>
+            <a:endParaRPr lang="en-US"/>
+          </a:p>
+        </p:txBody>
+      </p:sp>
+      <p:sp>
+        <p:nvSpPr>
+          <p:cNvPr id="42" name="Rectangle 41"/>
+          <p:cNvSpPr/>
+          <p:nvPr/>
+        </p:nvSpPr>
+        <p:spPr>
+          <a:xfrm>
+            <a:off x="5156948" y="3477105"/>
+            <a:ext cx="2663297" cy="369332"/>
+          </a:xfrm>
+          <a:prstGeom prst="rect">
+            <a:avLst/>
+          </a:prstGeom>
+        </p:spPr>
+        <p:txBody>
+          <a:bodyPr wrap="none">
+            <a:spAutoFit/>
+          </a:bodyPr>
+          <a:lstStyle/>
+          <a:p>
+            <a:pPr algn="ctr"/>
+            <a:r>
+              <a:rPr lang="en-US" dirty="0" smtClean="0">
+                <a:latin typeface="Abadi MT Condensed Extra Bold"/>
+                <a:cs typeface="Abadi MT Condensed Extra Bold"/>
+              </a:rPr>
+              <a:t>Conditional Linear Gaussian</a:t>
+            </a:r>
+            <a:endParaRPr lang="en-US" dirty="0">
+              <a:latin typeface="Abadi MT Condensed Extra Bold"/>
+              <a:cs typeface="Abadi MT Condensed Extra Bold"/>
+            </a:endParaRPr>
+          </a:p>
+        </p:txBody>
+      </p:sp>
+      <p:cxnSp>
+        <p:nvCxnSpPr>
+          <p:cNvPr id="44" name="Straight Connector 43"/>
+          <p:cNvCxnSpPr>
+            <a:stCxn id="19" idx="3"/>
+          </p:cNvCxnSpPr>
+          <p:nvPr/>
+        </p:nvCxnSpPr>
+        <p:spPr>
+          <a:xfrm>
+            <a:off x="3014770" y="1638781"/>
+            <a:ext cx="432000" cy="0"/>
+          </a:xfrm>
+          <a:prstGeom prst="line">
+            <a:avLst/>
+          </a:prstGeom>
+          <a:ln w="22225">
+            <a:tailEnd type="oval" w="med" len="med"/>
+          </a:ln>
+        </p:spPr>
+        <p:style>
+          <a:lnRef idx="2">
+            <a:schemeClr val="dk1"/>
+          </a:lnRef>
+          <a:fillRef idx="0">
+            <a:schemeClr val="dk1"/>
+          </a:fillRef>
+          <a:effectRef idx="1">
+            <a:schemeClr val="dk1"/>
+          </a:effectRef>
+          <a:fontRef idx="minor">
+            <a:schemeClr val="tx1"/>
+          </a:fontRef>
+        </p:style>
+      </p:cxnSp>
+      <p:cxnSp>
+        <p:nvCxnSpPr>
+          <p:cNvPr id="47" name="Straight Connector 46"/>
+          <p:cNvCxnSpPr>
+            <a:stCxn id="6" idx="3"/>
+            <a:endCxn id="23" idx="1"/>
+          </p:cNvCxnSpPr>
+          <p:nvPr/>
+        </p:nvCxnSpPr>
+        <p:spPr>
+          <a:xfrm>
+            <a:off x="5722400" y="1659252"/>
+            <a:ext cx="428318" cy="0"/>
+          </a:xfrm>
+          <a:prstGeom prst="line">
+            <a:avLst/>
+          </a:prstGeom>
+          <a:ln w="22225">
+            <a:headEnd type="oval" w="med" len="med"/>
+            <a:tailEnd type="none" w="lg" len="lg"/>
+          </a:ln>
+        </p:spPr>
+        <p:style>
+          <a:lnRef idx="2">
+            <a:schemeClr val="dk1"/>
+          </a:lnRef>
+          <a:fillRef idx="0">
+            <a:schemeClr val="dk1"/>
+          </a:fillRef>
+          <a:effectRef idx="1">
+            <a:schemeClr val="dk1"/>
+          </a:effectRef>
+          <a:fontRef idx="minor">
+            <a:schemeClr val="tx1"/>
+          </a:fontRef>
+        </p:style>
+      </p:cxnSp>
+      <p:cxnSp>
+        <p:nvCxnSpPr>
+          <p:cNvPr id="49" name="Straight Connector 48"/>
+          <p:cNvCxnSpPr>
+            <a:stCxn id="17" idx="3"/>
+            <a:endCxn id="19" idx="1"/>
+          </p:cNvCxnSpPr>
+          <p:nvPr/>
+        </p:nvCxnSpPr>
+        <p:spPr>
+          <a:xfrm flipV="1">
+            <a:off x="1563158" y="1638781"/>
+            <a:ext cx="431999" cy="0"/>
+          </a:xfrm>
+          <a:prstGeom prst="line">
+            <a:avLst/>
+          </a:prstGeom>
+          <a:ln w="22225">
+            <a:tailEnd type="oval" w="med" len="med"/>
+          </a:ln>
+        </p:spPr>
+        <p:style>
+          <a:lnRef idx="2">
+            <a:schemeClr val="dk1"/>
+          </a:lnRef>
+          <a:fillRef idx="0">
+            <a:schemeClr val="dk1"/>
+          </a:fillRef>
+          <a:effectRef idx="1">
+            <a:schemeClr val="dk1"/>
+          </a:effectRef>
+          <a:fontRef idx="minor">
+            <a:schemeClr val="tx1"/>
+          </a:fontRef>
+        </p:style>
+      </p:cxnSp>
+      <p:cxnSp>
+        <p:nvCxnSpPr>
+          <p:cNvPr id="55" name="Straight Connector 54"/>
+          <p:cNvCxnSpPr>
+            <a:stCxn id="6" idx="2"/>
+            <a:endCxn id="9" idx="0"/>
+          </p:cNvCxnSpPr>
+          <p:nvPr/>
+        </p:nvCxnSpPr>
+        <p:spPr>
+          <a:xfrm flipH="1">
+            <a:off x="4606774" y="1947252"/>
+            <a:ext cx="611629" cy="404956"/>
+          </a:xfrm>
+          <a:prstGeom prst="line">
+            <a:avLst/>
+          </a:prstGeom>
+          <a:ln w="22225">
+            <a:headEnd type="oval" w="med" len="med"/>
+            <a:tailEnd type="none" w="lg" len="lg"/>
+          </a:ln>
+        </p:spPr>
+        <p:style>
+          <a:lnRef idx="2">
+            <a:schemeClr val="dk1"/>
+          </a:lnRef>
+          <a:fillRef idx="0">
+            <a:schemeClr val="dk1"/>
+          </a:fillRef>
+          <a:effectRef idx="1">
+            <a:schemeClr val="dk1"/>
+          </a:effectRef>
+          <a:fontRef idx="minor">
+            <a:schemeClr val="tx1"/>
+          </a:fontRef>
+        </p:style>
+      </p:cxnSp>
+      <p:cxnSp>
+        <p:nvCxnSpPr>
+          <p:cNvPr id="57" name="Straight Connector 56"/>
+          <p:cNvCxnSpPr>
+            <a:stCxn id="5" idx="2"/>
+            <a:endCxn id="9" idx="0"/>
+          </p:cNvCxnSpPr>
+          <p:nvPr/>
+        </p:nvCxnSpPr>
+        <p:spPr>
+          <a:xfrm>
+            <a:off x="3969874" y="1950283"/>
+            <a:ext cx="636900" cy="401925"/>
+          </a:xfrm>
+          <a:prstGeom prst="line">
+            <a:avLst/>
+          </a:prstGeom>
+          <a:ln w="22225">
+            <a:headEnd type="oval" w="med" len="med"/>
+            <a:tailEnd type="none" w="lg" len="lg"/>
+          </a:ln>
+        </p:spPr>
+        <p:style>
+          <a:lnRef idx="2">
+            <a:schemeClr val="dk1"/>
+          </a:lnRef>
+          <a:fillRef idx="0">
+            <a:schemeClr val="dk1"/>
+          </a:fillRef>
+          <a:effectRef idx="1">
+            <a:schemeClr val="dk1"/>
+          </a:effectRef>
+          <a:fontRef idx="minor">
+            <a:schemeClr val="tx1"/>
+          </a:fontRef>
+        </p:style>
+      </p:cxnSp>
+      <p:cxnSp>
+        <p:nvCxnSpPr>
+          <p:cNvPr id="89" name="Elbow Connector 88"/>
+          <p:cNvCxnSpPr/>
+          <p:nvPr/>
+        </p:nvCxnSpPr>
+        <p:spPr>
+          <a:xfrm rot="5400000" flipH="1" flipV="1">
+            <a:off x="3475193" y="2315759"/>
+            <a:ext cx="467999" cy="1835967"/>
+          </a:xfrm>
+          <a:prstGeom prst="bentConnector3">
+            <a:avLst>
+              <a:gd name="adj1" fmla="val 50000"/>
+            </a:avLst>
+          </a:prstGeom>
+          <a:ln w="22225" cmpd="sng">
+            <a:solidFill>
+              <a:srgbClr val="882E2E"/>
+            </a:solidFill>
+            <a:tailEnd type="arrow"/>
+          </a:ln>
+        </p:spPr>
+        <p:style>
+          <a:lnRef idx="2">
+            <a:schemeClr val="accent1"/>
+          </a:lnRef>
+          <a:fillRef idx="0">
+            <a:schemeClr val="accent1"/>
+          </a:fillRef>
+          <a:effectRef idx="1">
+            <a:schemeClr val="accent1"/>
+          </a:effectRef>
+          <a:fontRef idx="minor">
+            <a:schemeClr val="tx1"/>
+          </a:fontRef>
+        </p:style>
+      </p:cxnSp>
+      <p:cxnSp>
+        <p:nvCxnSpPr>
+          <p:cNvPr id="90" name="Elbow Connector 89"/>
+          <p:cNvCxnSpPr/>
+          <p:nvPr/>
+        </p:nvCxnSpPr>
+        <p:spPr>
+          <a:xfrm rot="16200000" flipV="1">
+            <a:off x="5318416" y="2317111"/>
+            <a:ext cx="467999" cy="1835966"/>
+          </a:xfrm>
+          <a:prstGeom prst="bentConnector3">
+            <a:avLst>
+              <a:gd name="adj1" fmla="val 50000"/>
+            </a:avLst>
+          </a:prstGeom>
+          <a:ln w="22225" cmpd="sng">
+            <a:solidFill>
+              <a:srgbClr val="882E2E"/>
+            </a:solidFill>
+            <a:tailEnd type="arrow"/>
+          </a:ln>
+        </p:spPr>
+        <p:style>
+          <a:lnRef idx="2">
+            <a:schemeClr val="accent1"/>
+          </a:lnRef>
+          <a:fillRef idx="0">
+            <a:schemeClr val="accent1"/>
+          </a:fillRef>
+          <a:effectRef idx="1">
+            <a:schemeClr val="accent1"/>
+          </a:effectRef>
+          <a:fontRef idx="minor">
+            <a:schemeClr val="tx1"/>
+          </a:fontRef>
+        </p:style>
+      </p:cxnSp>
+      <p:sp>
+        <p:nvSpPr>
+          <p:cNvPr id="50" name="Rectangle 49"/>
+          <p:cNvSpPr/>
+          <p:nvPr/>
+        </p:nvSpPr>
+        <p:spPr>
+          <a:xfrm>
+            <a:off x="1230124" y="3464540"/>
+            <a:ext cx="3059993" cy="3167987"/>
+          </a:xfrm>
+          <a:prstGeom prst="rect">
+            <a:avLst/>
+          </a:prstGeom>
+          <a:noFill/>
+          <a:ln>
+            <a:solidFill>
+              <a:srgbClr val="000000"/>
+            </a:solidFill>
+          </a:ln>
+        </p:spPr>
+        <p:style>
+          <a:lnRef idx="1">
+            <a:schemeClr val="accent1"/>
+          </a:lnRef>
+          <a:fillRef idx="3">
+            <a:schemeClr val="accent1"/>
+          </a:fillRef>
+          <a:effectRef idx="2">
+            <a:schemeClr val="accent1"/>
+          </a:effectRef>
+          <a:fontRef idx="minor">
+            <a:schemeClr val="lt1"/>
+          </a:fontRef>
+        </p:style>
+        <p:txBody>
+          <a:bodyPr rtlCol="0" anchor="ctr"/>
+          <a:lstStyle/>
+          <a:p>
+            <a:pPr algn="ctr"/>
+            <a:endParaRPr lang="en-US" dirty="0" smtClean="0"/>
+          </a:p>
+          <a:p>
+            <a:pPr algn="ctr"/>
+            <a:endParaRPr lang="en-US" dirty="0"/>
+          </a:p>
+          <a:p>
+            <a:pPr algn="ctr"/>
+            <a:endParaRPr lang="en-US" dirty="0" smtClean="0"/>
+          </a:p>
+          <a:p>
+            <a:pPr algn="ctr"/>
+            <a:endParaRPr lang="en-US" dirty="0" smtClean="0">
+              <a:solidFill>
+                <a:schemeClr val="tx1"/>
+              </a:solidFill>
+              <a:latin typeface="Abadi MT Condensed Extra Bold"/>
+              <a:cs typeface="Abadi MT Condensed Extra Bold"/>
+            </a:endParaRPr>
+          </a:p>
+          <a:p>
+            <a:pPr algn="ctr"/>
+            <a:endParaRPr lang="en-US" dirty="0">
+              <a:solidFill>
+                <a:schemeClr val="tx1"/>
+              </a:solidFill>
+              <a:latin typeface="Abadi MT Condensed Extra Bold"/>
+              <a:cs typeface="Abadi MT Condensed Extra Bold"/>
+            </a:endParaRPr>
+          </a:p>
+        </p:txBody>
+      </p:sp>
+      <p:sp>
+        <p:nvSpPr>
+          <p:cNvPr id="64" name="Rectangle 63"/>
+          <p:cNvSpPr/>
+          <p:nvPr/>
+        </p:nvSpPr>
+        <p:spPr>
+          <a:xfrm>
+            <a:off x="1853378" y="3475743"/>
+            <a:ext cx="1903085" cy="369332"/>
+          </a:xfrm>
+          <a:prstGeom prst="rect">
+            <a:avLst/>
+          </a:prstGeom>
+        </p:spPr>
+        <p:txBody>
+          <a:bodyPr wrap="none">
+            <a:spAutoFit/>
+          </a:bodyPr>
+          <a:lstStyle/>
+          <a:p>
+            <a:pPr algn="ctr"/>
+            <a:r>
+              <a:rPr lang="en-US" dirty="0" smtClean="0">
+                <a:latin typeface="Abadi MT Condensed Extra Bold"/>
+                <a:cs typeface="Abadi MT Condensed Extra Bold"/>
+              </a:rPr>
+              <a:t>Exponential Family</a:t>
+            </a:r>
+            <a:endParaRPr lang="en-US" dirty="0">
+              <a:latin typeface="Abadi MT Condensed Extra Bold"/>
+              <a:cs typeface="Abadi MT Condensed Extra Bold"/>
+            </a:endParaRPr>
+          </a:p>
+        </p:txBody>
+      </p:sp>
+      <p:cxnSp>
+        <p:nvCxnSpPr>
+          <p:cNvPr id="68" name="Straight Connector 67"/>
+          <p:cNvCxnSpPr>
+            <a:stCxn id="23" idx="3"/>
+            <a:endCxn id="18" idx="1"/>
+          </p:cNvCxnSpPr>
+          <p:nvPr/>
+        </p:nvCxnSpPr>
+        <p:spPr>
+          <a:xfrm>
+            <a:off x="7158712" y="1666056"/>
+            <a:ext cx="435058" cy="0"/>
+          </a:xfrm>
+          <a:prstGeom prst="line">
+            <a:avLst/>
+          </a:prstGeom>
+          <a:ln w="22225">
+            <a:headEnd type="oval" w="med" len="med"/>
+            <a:tailEnd type="none" w="lg" len="lg"/>
+          </a:ln>
+        </p:spPr>
+        <p:style>
+          <a:lnRef idx="2">
+            <a:schemeClr val="dk1"/>
+          </a:lnRef>
+          <a:fillRef idx="0">
+            <a:schemeClr val="dk1"/>
+          </a:fillRef>
+          <a:effectRef idx="1">
+            <a:schemeClr val="dk1"/>
+          </a:effectRef>
+          <a:fontRef idx="minor">
+            <a:schemeClr val="tx1"/>
+          </a:fontRef>
+        </p:style>
+      </p:cxnSp>
+      <p:sp>
+        <p:nvSpPr>
+          <p:cNvPr id="52" name="Rounded Rectangle 51"/>
+          <p:cNvSpPr/>
+          <p:nvPr/>
+        </p:nvSpPr>
+        <p:spPr>
+          <a:xfrm>
+            <a:off x="1466863" y="3892235"/>
+            <a:ext cx="2592000" cy="287997"/>
+          </a:xfrm>
+          <a:prstGeom prst="roundRect">
+            <a:avLst/>
+          </a:prstGeom>
+          <a:ln>
+            <a:solidFill>
+              <a:schemeClr val="tx1"/>
+            </a:solidFill>
+          </a:ln>
+        </p:spPr>
+        <p:style>
+          <a:lnRef idx="1">
+            <a:schemeClr val="accent1"/>
+          </a:lnRef>
+          <a:fillRef idx="3">
+            <a:schemeClr val="accent1"/>
+          </a:fillRef>
+          <a:effectRef idx="2">
+            <a:schemeClr val="accent1"/>
+          </a:effectRef>
+          <a:fontRef idx="minor">
+            <a:schemeClr val="lt1"/>
+          </a:fontRef>
+        </p:style>
+        <p:txBody>
+          <a:bodyPr rtlCol="0" anchor="ctr"/>
+          <a:lstStyle/>
+          <a:p>
+            <a:pPr algn="ctr"/>
+            <a:r>
+              <a:rPr lang="en-US" sz="1600" dirty="0" smtClean="0">
+                <a:solidFill>
+                  <a:srgbClr val="000000"/>
+                </a:solidFill>
+              </a:rPr>
+              <a:t>Multinomial </a:t>
+            </a:r>
+            <a:endParaRPr lang="en-US" sz="1600" dirty="0">
+              <a:solidFill>
+                <a:srgbClr val="000000"/>
+              </a:solidFill>
+            </a:endParaRPr>
+          </a:p>
+        </p:txBody>
+      </p:sp>
+      <p:sp>
+        <p:nvSpPr>
+          <p:cNvPr id="54" name="Rounded Rectangle 53"/>
+          <p:cNvSpPr/>
+          <p:nvPr/>
+        </p:nvSpPr>
+        <p:spPr>
+          <a:xfrm>
+            <a:off x="1457297" y="4654099"/>
+            <a:ext cx="2592000" cy="287997"/>
+          </a:xfrm>
+          <a:prstGeom prst="roundRect">
+            <a:avLst/>
+          </a:prstGeom>
+          <a:ln>
+            <a:solidFill>
+              <a:schemeClr val="tx1"/>
+            </a:solidFill>
+          </a:ln>
+        </p:spPr>
+        <p:style>
+          <a:lnRef idx="1">
+            <a:schemeClr val="accent1"/>
+          </a:lnRef>
+          <a:fillRef idx="3">
+            <a:schemeClr val="accent1"/>
+          </a:fillRef>
+          <a:effectRef idx="2">
+            <a:schemeClr val="accent1"/>
+          </a:effectRef>
+          <a:fontRef idx="minor">
+            <a:schemeClr val="lt1"/>
+          </a:fontRef>
+        </p:style>
+        <p:txBody>
+          <a:bodyPr rtlCol="0" anchor="ctr"/>
+          <a:lstStyle/>
+          <a:p>
+            <a:pPr algn="ctr"/>
+            <a:r>
+              <a:rPr lang="en-US" sz="1600" dirty="0">
+                <a:solidFill>
+                  <a:srgbClr val="000000"/>
+                </a:solidFill>
+              </a:rPr>
+              <a:t>Normal </a:t>
+            </a:r>
+          </a:p>
+        </p:txBody>
+      </p:sp>
+      <p:sp>
+        <p:nvSpPr>
+          <p:cNvPr id="56" name="Rounded Rectangle 55"/>
+          <p:cNvSpPr/>
+          <p:nvPr/>
+        </p:nvSpPr>
+        <p:spPr>
+          <a:xfrm>
+            <a:off x="1455642" y="4271589"/>
+            <a:ext cx="2592000" cy="287997"/>
+          </a:xfrm>
+          <a:prstGeom prst="roundRect">
+            <a:avLst/>
+          </a:prstGeom>
+          <a:ln>
+            <a:solidFill>
+              <a:schemeClr val="tx1"/>
+            </a:solidFill>
+          </a:ln>
+        </p:spPr>
+        <p:style>
+          <a:lnRef idx="1">
+            <a:schemeClr val="accent1"/>
+          </a:lnRef>
+          <a:fillRef idx="3">
+            <a:schemeClr val="accent1"/>
+          </a:fillRef>
+          <a:effectRef idx="2">
+            <a:schemeClr val="accent1"/>
+          </a:effectRef>
+          <a:fontRef idx="minor">
+            <a:schemeClr val="lt1"/>
+          </a:fontRef>
+        </p:style>
+        <p:txBody>
+          <a:bodyPr rtlCol="0" anchor="ctr"/>
+          <a:lstStyle/>
+          <a:p>
+            <a:pPr algn="ctr"/>
+            <a:r>
+              <a:rPr lang="en-US" sz="1600" dirty="0">
+                <a:solidFill>
+                  <a:srgbClr val="000000"/>
+                </a:solidFill>
+              </a:rPr>
+              <a:t>Multinomial|Multinomial</a:t>
+            </a:r>
+          </a:p>
+        </p:txBody>
+      </p:sp>
+      <p:sp>
+        <p:nvSpPr>
+          <p:cNvPr id="65" name="Rounded Rectangle 64"/>
+          <p:cNvSpPr/>
+          <p:nvPr/>
+        </p:nvSpPr>
+        <p:spPr>
+          <a:xfrm>
+            <a:off x="1475150" y="5037274"/>
+            <a:ext cx="2592000" cy="287997"/>
+          </a:xfrm>
+          <a:prstGeom prst="roundRect">
+            <a:avLst/>
+          </a:prstGeom>
+          <a:ln>
+            <a:solidFill>
+              <a:schemeClr val="tx1"/>
+            </a:solidFill>
+          </a:ln>
+        </p:spPr>
+        <p:style>
+          <a:lnRef idx="1">
+            <a:schemeClr val="accent1"/>
+          </a:lnRef>
+          <a:fillRef idx="3">
+            <a:schemeClr val="accent1"/>
+          </a:fillRef>
+          <a:effectRef idx="2">
+            <a:schemeClr val="accent1"/>
+          </a:effectRef>
+          <a:fontRef idx="minor">
+            <a:schemeClr val="lt1"/>
+          </a:fontRef>
+        </p:style>
+        <p:txBody>
+          <a:bodyPr rtlCol="0" anchor="ctr"/>
+          <a:lstStyle/>
+          <a:p>
+            <a:pPr algn="ctr"/>
+            <a:r>
+              <a:rPr lang="en-US" sz="1600" dirty="0" smtClean="0">
+                <a:solidFill>
+                  <a:srgbClr val="000000"/>
+                </a:solidFill>
+              </a:rPr>
+              <a:t>Normal|Normal</a:t>
+            </a:r>
+            <a:endParaRPr lang="en-US" sz="1600" dirty="0">
+              <a:solidFill>
+                <a:srgbClr val="000000"/>
+              </a:solidFill>
+            </a:endParaRPr>
+          </a:p>
+        </p:txBody>
+      </p:sp>
+      <p:sp>
+        <p:nvSpPr>
+          <p:cNvPr id="66" name="Rounded Rectangle 65"/>
+          <p:cNvSpPr/>
+          <p:nvPr/>
+        </p:nvSpPr>
+        <p:spPr>
+          <a:xfrm>
+            <a:off x="1465672" y="5422654"/>
+            <a:ext cx="2592000" cy="287997"/>
+          </a:xfrm>
+          <a:prstGeom prst="roundRect">
+            <a:avLst/>
+          </a:prstGeom>
+          <a:ln>
+            <a:solidFill>
+              <a:schemeClr val="tx1"/>
+            </a:solidFill>
+          </a:ln>
+        </p:spPr>
+        <p:style>
+          <a:lnRef idx="1">
+            <a:schemeClr val="accent1"/>
+          </a:lnRef>
+          <a:fillRef idx="3">
+            <a:schemeClr val="accent1"/>
+          </a:fillRef>
+          <a:effectRef idx="2">
+            <a:schemeClr val="accent1"/>
+          </a:effectRef>
+          <a:fontRef idx="minor">
+            <a:schemeClr val="lt1"/>
+          </a:fontRef>
+        </p:style>
+        <p:txBody>
+          <a:bodyPr rtlCol="0" anchor="ctr"/>
+          <a:lstStyle/>
+          <a:p>
+            <a:pPr algn="ctr"/>
+            <a:r>
+              <a:rPr lang="en-US" sz="1600" dirty="0" smtClean="0">
+                <a:solidFill>
+                  <a:srgbClr val="000000"/>
+                </a:solidFill>
+              </a:rPr>
+              <a:t>Normal|Multinomial</a:t>
+            </a:r>
+            <a:endParaRPr lang="en-US" sz="1600" dirty="0">
+              <a:solidFill>
+                <a:srgbClr val="000000"/>
+              </a:solidFill>
+            </a:endParaRPr>
+          </a:p>
+        </p:txBody>
+      </p:sp>
+      <p:sp>
+        <p:nvSpPr>
+          <p:cNvPr id="67" name="Rounded Rectangle 66"/>
+          <p:cNvSpPr/>
+          <p:nvPr/>
+        </p:nvSpPr>
+        <p:spPr>
+          <a:xfrm>
+            <a:off x="1475902" y="5821456"/>
+            <a:ext cx="2592051" cy="287997"/>
+          </a:xfrm>
+          <a:prstGeom prst="roundRect">
+            <a:avLst/>
+          </a:prstGeom>
+          <a:ln>
+            <a:solidFill>
+              <a:schemeClr val="tx1"/>
+            </a:solidFill>
+          </a:ln>
+        </p:spPr>
+        <p:style>
+          <a:lnRef idx="1">
+            <a:schemeClr val="accent1"/>
+          </a:lnRef>
+          <a:fillRef idx="3">
+            <a:schemeClr val="accent1"/>
+          </a:fillRef>
+          <a:effectRef idx="2">
+            <a:schemeClr val="accent1"/>
+          </a:effectRef>
+          <a:fontRef idx="minor">
+            <a:schemeClr val="lt1"/>
+          </a:fontRef>
+        </p:style>
+        <p:txBody>
+          <a:bodyPr rtlCol="0" anchor="ctr"/>
+          <a:lstStyle/>
+          <a:p>
+            <a:pPr algn="ctr"/>
+            <a:r>
+              <a:rPr lang="en-US" sz="1600" dirty="0" smtClean="0">
+                <a:solidFill>
+                  <a:srgbClr val="000000"/>
+                </a:solidFill>
+              </a:rPr>
+              <a:t>Normal|Multinomial,Normal</a:t>
+            </a:r>
+            <a:endParaRPr lang="en-US" sz="1600" dirty="0">
+              <a:solidFill>
+                <a:srgbClr val="000000"/>
+              </a:solidFill>
+            </a:endParaRPr>
+          </a:p>
+        </p:txBody>
+      </p:sp>
+      <p:sp>
+        <p:nvSpPr>
+          <p:cNvPr id="46" name="Rounded Rectangle 45"/>
+          <p:cNvSpPr/>
+          <p:nvPr/>
+        </p:nvSpPr>
+        <p:spPr>
+          <a:xfrm>
+            <a:off x="5156948" y="3892235"/>
+            <a:ext cx="2592000" cy="287997"/>
+          </a:xfrm>
+          <a:prstGeom prst="roundRect">
+            <a:avLst/>
+          </a:prstGeom>
+          <a:ln>
+            <a:solidFill>
+              <a:schemeClr val="tx1"/>
+            </a:solidFill>
+          </a:ln>
+        </p:spPr>
+        <p:style>
+          <a:lnRef idx="1">
+            <a:schemeClr val="accent1"/>
+          </a:lnRef>
+          <a:fillRef idx="3">
+            <a:schemeClr val="accent1"/>
+          </a:fillRef>
+          <a:effectRef idx="2">
+            <a:schemeClr val="accent1"/>
+          </a:effectRef>
+          <a:fontRef idx="minor">
+            <a:schemeClr val="lt1"/>
+          </a:fontRef>
+        </p:style>
+        <p:txBody>
+          <a:bodyPr rtlCol="0" anchor="ctr"/>
+          <a:lstStyle/>
+          <a:p>
+            <a:pPr algn="ctr"/>
+            <a:r>
+              <a:rPr lang="en-US" sz="1600" dirty="0" smtClean="0">
+                <a:solidFill>
+                  <a:srgbClr val="000000"/>
+                </a:solidFill>
+              </a:rPr>
+              <a:t>Multinomial </a:t>
+            </a:r>
+            <a:endParaRPr lang="en-US" sz="1600" dirty="0">
+              <a:solidFill>
+                <a:srgbClr val="000000"/>
+              </a:solidFill>
+            </a:endParaRPr>
+          </a:p>
+        </p:txBody>
+      </p:sp>
+      <p:sp>
+        <p:nvSpPr>
+          <p:cNvPr id="59" name="Rounded Rectangle 58"/>
+          <p:cNvSpPr/>
+          <p:nvPr/>
+        </p:nvSpPr>
+        <p:spPr>
+          <a:xfrm>
+            <a:off x="5165235" y="5049032"/>
+            <a:ext cx="2592000" cy="287997"/>
+          </a:xfrm>
+          <a:prstGeom prst="roundRect">
+            <a:avLst/>
+          </a:prstGeom>
+          <a:ln>
+            <a:solidFill>
+              <a:schemeClr val="tx1"/>
+            </a:solidFill>
+          </a:ln>
+        </p:spPr>
+        <p:style>
+          <a:lnRef idx="1">
+            <a:schemeClr val="accent1"/>
+          </a:lnRef>
+          <a:fillRef idx="3">
+            <a:schemeClr val="accent1"/>
+          </a:fillRef>
+          <a:effectRef idx="2">
+            <a:schemeClr val="accent1"/>
+          </a:effectRef>
+          <a:fontRef idx="minor">
+            <a:schemeClr val="lt1"/>
+          </a:fontRef>
+        </p:style>
+        <p:txBody>
+          <a:bodyPr rtlCol="0" anchor="ctr"/>
+          <a:lstStyle/>
+          <a:p>
+            <a:pPr algn="ctr"/>
+            <a:r>
+              <a:rPr lang="en-US" sz="1600" dirty="0" smtClean="0">
+                <a:solidFill>
+                  <a:srgbClr val="000000"/>
+                </a:solidFill>
+              </a:rPr>
+              <a:t>Normal|Normal</a:t>
+            </a:r>
+            <a:endParaRPr lang="en-US" sz="1600" dirty="0">
+              <a:solidFill>
+                <a:srgbClr val="000000"/>
+              </a:solidFill>
+            </a:endParaRPr>
+          </a:p>
+        </p:txBody>
+      </p:sp>
+      <p:sp>
+        <p:nvSpPr>
+          <p:cNvPr id="60" name="Rounded Rectangle 59"/>
+          <p:cNvSpPr/>
+          <p:nvPr/>
+        </p:nvSpPr>
+        <p:spPr>
+          <a:xfrm>
+            <a:off x="5155757" y="5434412"/>
+            <a:ext cx="2592000" cy="287997"/>
+          </a:xfrm>
+          <a:prstGeom prst="roundRect">
+            <a:avLst/>
+          </a:prstGeom>
+          <a:ln>
+            <a:solidFill>
+              <a:schemeClr val="tx1"/>
+            </a:solidFill>
+          </a:ln>
+        </p:spPr>
+        <p:style>
+          <a:lnRef idx="1">
+            <a:schemeClr val="accent1"/>
+          </a:lnRef>
+          <a:fillRef idx="3">
+            <a:schemeClr val="accent1"/>
+          </a:fillRef>
+          <a:effectRef idx="2">
+            <a:schemeClr val="accent1"/>
+          </a:effectRef>
+          <a:fontRef idx="minor">
+            <a:schemeClr val="lt1"/>
+          </a:fontRef>
+        </p:style>
+        <p:txBody>
+          <a:bodyPr rtlCol="0" anchor="ctr"/>
+          <a:lstStyle/>
+          <a:p>
+            <a:pPr algn="ctr"/>
+            <a:r>
+              <a:rPr lang="en-US" sz="1600" dirty="0" smtClean="0">
+                <a:solidFill>
+                  <a:srgbClr val="000000"/>
+                </a:solidFill>
+              </a:rPr>
+              <a:t>Normal|Multinomial</a:t>
+            </a:r>
+            <a:endParaRPr lang="en-US" sz="1600" dirty="0">
+              <a:solidFill>
+                <a:srgbClr val="000000"/>
+              </a:solidFill>
+            </a:endParaRPr>
+          </a:p>
+        </p:txBody>
+      </p:sp>
+      <p:sp>
+        <p:nvSpPr>
+          <p:cNvPr id="61" name="Rounded Rectangle 60"/>
+          <p:cNvSpPr/>
+          <p:nvPr/>
+        </p:nvSpPr>
+        <p:spPr>
+          <a:xfrm>
+            <a:off x="5165987" y="5833214"/>
+            <a:ext cx="2592051" cy="287997"/>
+          </a:xfrm>
+          <a:prstGeom prst="roundRect">
+            <a:avLst/>
+          </a:prstGeom>
+          <a:ln>
+            <a:solidFill>
+              <a:schemeClr val="tx1"/>
+            </a:solidFill>
+          </a:ln>
+        </p:spPr>
+        <p:style>
+          <a:lnRef idx="1">
+            <a:schemeClr val="accent1"/>
+          </a:lnRef>
+          <a:fillRef idx="3">
+            <a:schemeClr val="accent1"/>
+          </a:fillRef>
+          <a:effectRef idx="2">
+            <a:schemeClr val="accent1"/>
+          </a:effectRef>
+          <a:fontRef idx="minor">
+            <a:schemeClr val="lt1"/>
+          </a:fontRef>
+        </p:style>
+        <p:txBody>
+          <a:bodyPr rtlCol="0" anchor="ctr"/>
+          <a:lstStyle/>
+          <a:p>
+            <a:pPr algn="ctr"/>
+            <a:r>
+              <a:rPr lang="en-US" sz="1600" dirty="0" smtClean="0">
+                <a:solidFill>
+                  <a:srgbClr val="000000"/>
+                </a:solidFill>
+              </a:rPr>
+              <a:t>Normal|Multinomial,Normal</a:t>
+            </a:r>
+            <a:endParaRPr lang="en-US" sz="1600" dirty="0">
+              <a:solidFill>
+                <a:srgbClr val="000000"/>
+              </a:solidFill>
+            </a:endParaRPr>
+          </a:p>
+        </p:txBody>
+      </p:sp>
+      <p:sp>
+        <p:nvSpPr>
+          <p:cNvPr id="62" name="Rounded Rectangle 61"/>
+          <p:cNvSpPr/>
+          <p:nvPr/>
+        </p:nvSpPr>
+        <p:spPr>
+          <a:xfrm>
+            <a:off x="5166890" y="4654099"/>
+            <a:ext cx="2592000" cy="287997"/>
+          </a:xfrm>
+          <a:prstGeom prst="roundRect">
+            <a:avLst/>
+          </a:prstGeom>
+          <a:ln>
+            <a:solidFill>
+              <a:schemeClr val="tx1"/>
+            </a:solidFill>
+          </a:ln>
+        </p:spPr>
+        <p:style>
+          <a:lnRef idx="1">
+            <a:schemeClr val="accent1"/>
+          </a:lnRef>
+          <a:fillRef idx="3">
+            <a:schemeClr val="accent1"/>
+          </a:fillRef>
+          <a:effectRef idx="2">
+            <a:schemeClr val="accent1"/>
+          </a:effectRef>
+          <a:fontRef idx="minor">
+            <a:schemeClr val="lt1"/>
+          </a:fontRef>
+        </p:style>
+        <p:txBody>
+          <a:bodyPr rtlCol="0" anchor="ctr"/>
+          <a:lstStyle/>
+          <a:p>
+            <a:pPr algn="ctr"/>
+            <a:r>
+              <a:rPr lang="en-US" sz="1600" dirty="0">
+                <a:solidFill>
+                  <a:srgbClr val="000000"/>
+                </a:solidFill>
+              </a:rPr>
+              <a:t>Normal </a:t>
+            </a:r>
+          </a:p>
+        </p:txBody>
+      </p:sp>
+      <p:sp>
+        <p:nvSpPr>
+          <p:cNvPr id="63" name="Rounded Rectangle 62"/>
+          <p:cNvSpPr/>
+          <p:nvPr/>
+        </p:nvSpPr>
+        <p:spPr>
+          <a:xfrm>
+            <a:off x="5165235" y="4271589"/>
+            <a:ext cx="2592000" cy="287997"/>
+          </a:xfrm>
+          <a:prstGeom prst="roundRect">
+            <a:avLst/>
+          </a:prstGeom>
+          <a:ln>
+            <a:solidFill>
+              <a:schemeClr val="tx1"/>
+            </a:solidFill>
+          </a:ln>
+        </p:spPr>
+        <p:style>
+          <a:lnRef idx="1">
+            <a:schemeClr val="accent1"/>
+          </a:lnRef>
+          <a:fillRef idx="3">
+            <a:schemeClr val="accent1"/>
+          </a:fillRef>
+          <a:effectRef idx="2">
+            <a:schemeClr val="accent1"/>
+          </a:effectRef>
+          <a:fontRef idx="minor">
+            <a:schemeClr val="lt1"/>
+          </a:fontRef>
+        </p:style>
+        <p:txBody>
+          <a:bodyPr rtlCol="0" anchor="ctr"/>
+          <a:lstStyle/>
+          <a:p>
+            <a:pPr algn="ctr"/>
+            <a:r>
+              <a:rPr lang="en-US" sz="1600" dirty="0">
+                <a:solidFill>
+                  <a:srgbClr val="000000"/>
+                </a:solidFill>
+              </a:rPr>
+              <a:t>Multinomial|Multinomial</a:t>
+            </a:r>
+          </a:p>
+        </p:txBody>
+      </p:sp>
+      <p:sp>
+        <p:nvSpPr>
+          <p:cNvPr id="36" name="Rounded Rectangle 35"/>
+          <p:cNvSpPr/>
+          <p:nvPr/>
+        </p:nvSpPr>
+        <p:spPr>
+          <a:xfrm>
+            <a:off x="1477084" y="6223177"/>
+            <a:ext cx="2591987" cy="287999"/>
+          </a:xfrm>
+          <a:prstGeom prst="roundRect">
+            <a:avLst/>
+          </a:prstGeom>
+          <a:ln>
+            <a:solidFill>
+              <a:schemeClr val="tx1"/>
+            </a:solidFill>
+          </a:ln>
+        </p:spPr>
+        <p:style>
+          <a:lnRef idx="1">
+            <a:schemeClr val="accent1"/>
+          </a:lnRef>
+          <a:fillRef idx="3">
+            <a:schemeClr val="accent1"/>
+          </a:fillRef>
+          <a:effectRef idx="2">
+            <a:schemeClr val="accent1"/>
+          </a:effectRef>
+          <a:fontRef idx="minor">
+            <a:schemeClr val="lt1"/>
+          </a:fontRef>
+        </p:style>
+        <p:txBody>
+          <a:bodyPr rtlCol="0" anchor="ctr"/>
+          <a:lstStyle/>
+          <a:p>
+            <a:pPr algn="ctr"/>
+            <a:r>
+              <a:rPr lang="en-US" sz="1600" dirty="0">
+                <a:solidFill>
+                  <a:srgbClr val="000000"/>
+                </a:solidFill>
+              </a:rPr>
+              <a:t>Conjugate Priors</a:t>
+            </a:r>
+          </a:p>
+        </p:txBody>
+      </p:sp>
+    </p:spTree>
+    <p:extLst>
+      <p:ext uri="{BB962C8B-B14F-4D97-AF65-F5344CB8AC3E}">
+        <p14:creationId xmlns:p14="http://schemas.microsoft.com/office/powerpoint/2010/main" val="2414858148"/>
       </p:ext>
     </p:extLst>
   </p:cSld>
@@ -8805,4 +12026,324 @@
   </a:objectDefaults>
   <a:extraClrSchemeLst/>
 </a:theme>
+</file>
+
+<file path=ppt/theme/theme2.xml><?xml version="1.0" encoding="utf-8"?>
+<a:theme xmlns:a="http://schemas.openxmlformats.org/drawingml/2006/main" name="Office Theme">
+  <a:themeElements>
+    <a:clrScheme name="Office">
+      <a:dk1>
+        <a:sysClr val="windowText" lastClr="000000"/>
+      </a:dk1>
+      <a:lt1>
+        <a:sysClr val="window" lastClr="FFFFFF"/>
+      </a:lt1>
+      <a:dk2>
+        <a:srgbClr val="1F497D"/>
+      </a:dk2>
+      <a:lt2>
+        <a:srgbClr val="EEECE1"/>
+      </a:lt2>
+      <a:accent1>
+        <a:srgbClr val="4F81BD"/>
+      </a:accent1>
+      <a:accent2>
+        <a:srgbClr val="C0504D"/>
+      </a:accent2>
+      <a:accent3>
+        <a:srgbClr val="9BBB59"/>
+      </a:accent3>
+      <a:accent4>
+        <a:srgbClr val="8064A2"/>
+      </a:accent4>
+      <a:accent5>
+        <a:srgbClr val="4BACC6"/>
+      </a:accent5>
+      <a:accent6>
+        <a:srgbClr val="F79646"/>
+      </a:accent6>
+      <a:hlink>
+        <a:srgbClr val="0000FF"/>
+      </a:hlink>
+      <a:folHlink>
+        <a:srgbClr val="800080"/>
+      </a:folHlink>
+    </a:clrScheme>
+    <a:fontScheme name="Office">
+      <a:majorFont>
+        <a:latin typeface="Calibri"/>
+        <a:ea typeface=""/>
+        <a:cs typeface=""/>
+        <a:font script="Jpan" typeface="ＭＳ Ｐゴシック"/>
+        <a:font script="Hang" typeface="맑은 고딕"/>
+        <a:font script="Hans" typeface="宋体"/>
+        <a:font script="Hant" typeface="新細明體"/>
+        <a:font script="Arab" typeface="Times New Roman"/>
+        <a:font script="Hebr" typeface="Times New Roman"/>
+        <a:font script="Thai" typeface="Angsana New"/>
+        <a:font script="Ethi" typeface="Nyala"/>
+        <a:font script="Beng" typeface="Vrinda"/>
+        <a:font script="Gujr" typeface="Shruti"/>
+        <a:font script="Khmr" typeface="MoolBoran"/>
+        <a:font script="Knda" typeface="Tunga"/>
+        <a:font script="Guru" typeface="Raavi"/>
+        <a:font script="Cans" typeface="Euphemia"/>
+        <a:font script="Cher" typeface="Plantagenet Cherokee"/>
+        <a:font script="Yiii" typeface="Microsoft Yi Baiti"/>
+        <a:font script="Tibt" typeface="Microsoft Himalaya"/>
+        <a:font script="Thaa" typeface="MV Boli"/>
+        <a:font script="Deva" typeface="Mangal"/>
+        <a:font script="Telu" typeface="Gautami"/>
+        <a:font script="Taml" typeface="Latha"/>
+        <a:font script="Syrc" typeface="Estrangelo Edessa"/>
+        <a:font script="Orya" typeface="Kalinga"/>
+        <a:font script="Mlym" typeface="Kartika"/>
+        <a:font script="Laoo" typeface="DokChampa"/>
+        <a:font script="Sinh" typeface="Iskoola Pota"/>
+        <a:font script="Mong" typeface="Mongolian Baiti"/>
+        <a:font script="Viet" typeface="Times New Roman"/>
+        <a:font script="Uigh" typeface="Microsoft Uighur"/>
+        <a:font script="Geor" typeface="Sylfaen"/>
+      </a:majorFont>
+      <a:minorFont>
+        <a:latin typeface="Calibri"/>
+        <a:ea typeface=""/>
+        <a:cs typeface=""/>
+        <a:font script="Jpan" typeface="ＭＳ Ｐゴシック"/>
+        <a:font script="Hang" typeface="맑은 고딕"/>
+        <a:font script="Hans" typeface="宋体"/>
+        <a:font script="Hant" typeface="新細明體"/>
+        <a:font script="Arab" typeface="Arial"/>
+        <a:font script="Hebr" typeface="Arial"/>
+        <a:font script="Thai" typeface="Cordia New"/>
+        <a:font script="Ethi" typeface="Nyala"/>
+        <a:font script="Beng" typeface="Vrinda"/>
+        <a:font script="Gujr" typeface="Shruti"/>
+        <a:font script="Khmr" typeface="DaunPenh"/>
+        <a:font script="Knda" typeface="Tunga"/>
+        <a:font script="Guru" typeface="Raavi"/>
+        <a:font script="Cans" typeface="Euphemia"/>
+        <a:font script="Cher" typeface="Plantagenet Cherokee"/>
+        <a:font script="Yiii" typeface="Microsoft Yi Baiti"/>
+        <a:font script="Tibt" typeface="Microsoft Himalaya"/>
+        <a:font script="Thaa" typeface="MV Boli"/>
+        <a:font script="Deva" typeface="Mangal"/>
+        <a:font script="Telu" typeface="Gautami"/>
+        <a:font script="Taml" typeface="Latha"/>
+        <a:font script="Syrc" typeface="Estrangelo Edessa"/>
+        <a:font script="Orya" typeface="Kalinga"/>
+        <a:font script="Mlym" typeface="Kartika"/>
+        <a:font script="Laoo" typeface="DokChampa"/>
+        <a:font script="Sinh" typeface="Iskoola Pota"/>
+        <a:font script="Mong" typeface="Mongolian Baiti"/>
+        <a:font script="Viet" typeface="Arial"/>
+        <a:font script="Uigh" typeface="Microsoft Uighur"/>
+        <a:font script="Geor" typeface="Sylfaen"/>
+      </a:minorFont>
+    </a:fontScheme>
+    <a:fmtScheme name="Office">
+      <a:fillStyleLst>
+        <a:solidFill>
+          <a:schemeClr val="phClr"/>
+        </a:solidFill>
+        <a:gradFill rotWithShape="1">
+          <a:gsLst>
+            <a:gs pos="0">
+              <a:schemeClr val="phClr">
+                <a:tint val="50000"/>
+                <a:satMod val="300000"/>
+              </a:schemeClr>
+            </a:gs>
+            <a:gs pos="35000">
+              <a:schemeClr val="phClr">
+                <a:tint val="37000"/>
+                <a:satMod val="300000"/>
+              </a:schemeClr>
+            </a:gs>
+            <a:gs pos="100000">
+              <a:schemeClr val="phClr">
+                <a:tint val="15000"/>
+                <a:satMod val="350000"/>
+              </a:schemeClr>
+            </a:gs>
+          </a:gsLst>
+          <a:lin ang="16200000" scaled="1"/>
+        </a:gradFill>
+        <a:gradFill rotWithShape="1">
+          <a:gsLst>
+            <a:gs pos="0">
+              <a:schemeClr val="phClr">
+                <a:tint val="100000"/>
+                <a:shade val="100000"/>
+                <a:satMod val="130000"/>
+              </a:schemeClr>
+            </a:gs>
+            <a:gs pos="100000">
+              <a:schemeClr val="phClr">
+                <a:tint val="50000"/>
+                <a:shade val="100000"/>
+                <a:satMod val="350000"/>
+              </a:schemeClr>
+            </a:gs>
+          </a:gsLst>
+          <a:lin ang="16200000" scaled="0"/>
+        </a:gradFill>
+      </a:fillStyleLst>
+      <a:lnStyleLst>
+        <a:ln w="9525" cap="flat" cmpd="sng" algn="ctr">
+          <a:solidFill>
+            <a:schemeClr val="phClr">
+              <a:shade val="95000"/>
+              <a:satMod val="105000"/>
+            </a:schemeClr>
+          </a:solidFill>
+          <a:prstDash val="solid"/>
+        </a:ln>
+        <a:ln w="25400" cap="flat" cmpd="sng" algn="ctr">
+          <a:solidFill>
+            <a:schemeClr val="phClr"/>
+          </a:solidFill>
+          <a:prstDash val="solid"/>
+        </a:ln>
+        <a:ln w="38100" cap="flat" cmpd="sng" algn="ctr">
+          <a:solidFill>
+            <a:schemeClr val="phClr"/>
+          </a:solidFill>
+          <a:prstDash val="solid"/>
+        </a:ln>
+      </a:lnStyleLst>
+      <a:effectStyleLst>
+        <a:effectStyle>
+          <a:effectLst>
+            <a:outerShdw blurRad="40000" dist="20000" dir="5400000" rotWithShape="0">
+              <a:srgbClr val="000000">
+                <a:alpha val="38000"/>
+              </a:srgbClr>
+            </a:outerShdw>
+          </a:effectLst>
+        </a:effectStyle>
+        <a:effectStyle>
+          <a:effectLst>
+            <a:outerShdw blurRad="40000" dist="23000" dir="5400000" rotWithShape="0">
+              <a:srgbClr val="000000">
+                <a:alpha val="35000"/>
+              </a:srgbClr>
+            </a:outerShdw>
+          </a:effectLst>
+        </a:effectStyle>
+        <a:effectStyle>
+          <a:effectLst>
+            <a:outerShdw blurRad="40000" dist="23000" dir="5400000" rotWithShape="0">
+              <a:srgbClr val="000000">
+                <a:alpha val="35000"/>
+              </a:srgbClr>
+            </a:outerShdw>
+          </a:effectLst>
+          <a:scene3d>
+            <a:camera prst="orthographicFront">
+              <a:rot lat="0" lon="0" rev="0"/>
+            </a:camera>
+            <a:lightRig rig="threePt" dir="t">
+              <a:rot lat="0" lon="0" rev="1200000"/>
+            </a:lightRig>
+          </a:scene3d>
+          <a:sp3d>
+            <a:bevelT w="63500" h="25400"/>
+          </a:sp3d>
+        </a:effectStyle>
+      </a:effectStyleLst>
+      <a:bgFillStyleLst>
+        <a:solidFill>
+          <a:schemeClr val="phClr"/>
+        </a:solidFill>
+        <a:gradFill rotWithShape="1">
+          <a:gsLst>
+            <a:gs pos="0">
+              <a:schemeClr val="phClr">
+                <a:tint val="40000"/>
+                <a:satMod val="350000"/>
+              </a:schemeClr>
+            </a:gs>
+            <a:gs pos="40000">
+              <a:schemeClr val="phClr">
+                <a:tint val="45000"/>
+                <a:shade val="99000"/>
+                <a:satMod val="350000"/>
+              </a:schemeClr>
+            </a:gs>
+            <a:gs pos="100000">
+              <a:schemeClr val="phClr">
+                <a:shade val="20000"/>
+                <a:satMod val="255000"/>
+              </a:schemeClr>
+            </a:gs>
+          </a:gsLst>
+          <a:path path="circle">
+            <a:fillToRect l="50000" t="-80000" r="50000" b="180000"/>
+          </a:path>
+        </a:gradFill>
+        <a:gradFill rotWithShape="1">
+          <a:gsLst>
+            <a:gs pos="0">
+              <a:schemeClr val="phClr">
+                <a:tint val="80000"/>
+                <a:satMod val="300000"/>
+              </a:schemeClr>
+            </a:gs>
+            <a:gs pos="100000">
+              <a:schemeClr val="phClr">
+                <a:shade val="30000"/>
+                <a:satMod val="200000"/>
+              </a:schemeClr>
+            </a:gs>
+          </a:gsLst>
+          <a:path path="circle">
+            <a:fillToRect l="50000" t="50000" r="50000" b="50000"/>
+          </a:path>
+        </a:gradFill>
+      </a:bgFillStyleLst>
+    </a:fmtScheme>
+  </a:themeElements>
+  <a:objectDefaults>
+    <a:spDef>
+      <a:spPr/>
+      <a:bodyPr/>
+      <a:lstStyle/>
+      <a:style>
+        <a:lnRef idx="1">
+          <a:schemeClr val="accent1"/>
+        </a:lnRef>
+        <a:fillRef idx="3">
+          <a:schemeClr val="accent1"/>
+        </a:fillRef>
+        <a:effectRef idx="2">
+          <a:schemeClr val="accent1"/>
+        </a:effectRef>
+        <a:fontRef idx="minor">
+          <a:schemeClr val="lt1"/>
+        </a:fontRef>
+      </a:style>
+    </a:spDef>
+    <a:lnDef>
+      <a:spPr/>
+      <a:bodyPr/>
+      <a:lstStyle/>
+      <a:style>
+        <a:lnRef idx="2">
+          <a:schemeClr val="accent1"/>
+        </a:lnRef>
+        <a:fillRef idx="0">
+          <a:schemeClr val="accent1"/>
+        </a:fillRef>
+        <a:effectRef idx="1">
+          <a:schemeClr val="accent1"/>
+        </a:effectRef>
+        <a:fontRef idx="minor">
+          <a:schemeClr val="tx1"/>
+        </a:fontRef>
+      </a:style>
+    </a:lnDef>
+  </a:objectDefaults>
+  <a:extraClrSchemeLst/>
+</a:theme>
 </file>